--- a/New Problem/RSCC Conference 2024.pptx
+++ b/New Problem/RSCC Conference 2024.pptx
@@ -6572,8 +6572,8 @@
         </p:nvSpPr>
         <p:spPr>
           <a:xfrm>
-            <a:off x="137160" y="0"/>
-            <a:ext cx="1232461" cy="276999"/>
+            <a:off x="126670" y="0"/>
+            <a:ext cx="1167740" cy="276999"/>
           </a:xfrm>
           <a:prstGeom prst="rect">
             <a:avLst/>
@@ -8118,7 +8118,41 @@
                 <a:ea typeface="+mn-ea"/>
                 <a:cs typeface="Arial" panose="020B0604020202020204" pitchFamily="34" charset="0"/>
               </a:rPr>
-              <a:t>It just scales and forwards the received signal</a:t>
+              <a:t>It just </a:t>
+            </a:r>
+            <a:r>
+              <a:rPr kumimoji="0" lang="en-US" sz="1600" b="0" i="0" u="none" strike="noStrike" kern="1200" cap="none" spc="0" normalizeH="0" baseline="0" noProof="0" dirty="0">
+                <a:ln>
+                  <a:noFill/>
+                </a:ln>
+                <a:solidFill>
+                  <a:srgbClr val="0000FF"/>
+                </a:solidFill>
+                <a:effectLst/>
+                <a:uLnTx/>
+                <a:uFillTx/>
+                <a:latin typeface="Arial" panose="020B0604020202020204" pitchFamily="34" charset="0"/>
+                <a:ea typeface="+mn-ea"/>
+                <a:cs typeface="Arial" panose="020B0604020202020204" pitchFamily="34" charset="0"/>
+              </a:rPr>
+              <a:t>scales and forwards </a:t>
+            </a:r>
+            <a:r>
+              <a:rPr kumimoji="0" lang="en-US" sz="1600" b="0" i="0" u="none" strike="noStrike" kern="1200" cap="none" spc="0" normalizeH="0" baseline="0" noProof="0" dirty="0">
+                <a:ln>
+                  <a:noFill/>
+                </a:ln>
+                <a:solidFill>
+                  <a:prstClr val="black"/>
+                </a:solidFill>
+                <a:effectLst/>
+                <a:uLnTx/>
+                <a:uFillTx/>
+                <a:latin typeface="Arial" panose="020B0604020202020204" pitchFamily="34" charset="0"/>
+                <a:ea typeface="+mn-ea"/>
+                <a:cs typeface="Arial" panose="020B0604020202020204" pitchFamily="34" charset="0"/>
+              </a:rPr>
+              <a:t>the received signal</a:t>
             </a:r>
             <a:endParaRPr kumimoji="0" lang="en-US" sz="1600" b="0" i="0" u="none" strike="noStrike" kern="1200" cap="none" spc="0" normalizeH="0" baseline="0" noProof="0" dirty="0">
               <a:ln>
@@ -9786,41 +9820,6 @@
       </p:sp>
       <p:sp>
         <p:nvSpPr>
-          <p:cNvPr id="57" name="TextBox 56">
-            <a:extLst>
-              <a:ext uri="{FF2B5EF4-FFF2-40B4-BE49-F238E27FC236}">
-                <a16:creationId xmlns:a16="http://schemas.microsoft.com/office/drawing/2014/main" id="{E4784671-637E-B31D-40ED-EE647DF2ECDB}"/>
-              </a:ext>
-            </a:extLst>
-          </p:cNvPr>
-          <p:cNvSpPr txBox="1"/>
-          <p:nvPr/>
-        </p:nvSpPr>
-        <p:spPr>
-          <a:xfrm>
-            <a:off x="690112" y="923026"/>
-            <a:ext cx="2751828" cy="369332"/>
-          </a:xfrm>
-          <a:prstGeom prst="rect">
-            <a:avLst/>
-          </a:prstGeom>
-          <a:noFill/>
-        </p:spPr>
-        <p:txBody>
-          <a:bodyPr wrap="square" rtlCol="0">
-            <a:spAutoFit/>
-          </a:bodyPr>
-          <a:lstStyle/>
-          <a:p>
-            <a:r>
-              <a:rPr lang="en-US" b="1" dirty="0"/>
-              <a:t>2.1 Schematic Diagram</a:t>
-            </a:r>
-          </a:p>
-        </p:txBody>
-      </p:sp>
-      <p:sp>
-        <p:nvSpPr>
           <p:cNvPr id="6" name="Rounded Rectangle 10">
             <a:extLst>
               <a:ext uri="{FF2B5EF4-FFF2-40B4-BE49-F238E27FC236}">
@@ -11205,6 +11204,41 @@
           </a:prstGeom>
         </p:spPr>
       </p:pic>
+      <p:sp>
+        <p:nvSpPr>
+          <p:cNvPr id="4" name="TextBox 3">
+            <a:extLst>
+              <a:ext uri="{FF2B5EF4-FFF2-40B4-BE49-F238E27FC236}">
+                <a16:creationId xmlns:a16="http://schemas.microsoft.com/office/drawing/2014/main" id="{E4784671-637E-B31D-40ED-EE647DF2ECDB}"/>
+              </a:ext>
+            </a:extLst>
+          </p:cNvPr>
+          <p:cNvSpPr txBox="1"/>
+          <p:nvPr/>
+        </p:nvSpPr>
+        <p:spPr>
+          <a:xfrm>
+            <a:off x="690112" y="923026"/>
+            <a:ext cx="2751828" cy="369332"/>
+          </a:xfrm>
+          <a:prstGeom prst="rect">
+            <a:avLst/>
+          </a:prstGeom>
+          <a:noFill/>
+        </p:spPr>
+        <p:txBody>
+          <a:bodyPr wrap="square" rtlCol="0">
+            <a:spAutoFit/>
+          </a:bodyPr>
+          <a:lstStyle/>
+          <a:p>
+            <a:r>
+              <a:rPr lang="en-US" b="1" dirty="0"/>
+              <a:t>2.1 Schematic Diagram</a:t>
+            </a:r>
+          </a:p>
+        </p:txBody>
+      </p:sp>
     </p:spTree>
     <p:extLst>
       <p:ext uri="{BB962C8B-B14F-4D97-AF65-F5344CB8AC3E}">
@@ -31145,6 +31179,15 @@
 </file>
 
 <file path=customXml/item1.xml><?xml version="1.0" encoding="utf-8"?>
+<?mso-contentType ?>
+<FormTemplates xmlns="http://schemas.microsoft.com/sharepoint/v3/contenttype/forms">
+  <Display>DocumentLibraryForm</Display>
+  <Edit>DocumentLibraryForm</Edit>
+  <New>DocumentLibraryForm</New>
+</FormTemplates>
+</file>
+
+<file path=customXml/item2.xml><?xml version="1.0" encoding="utf-8"?>
 <ct:contentTypeSchema xmlns:ct="http://schemas.microsoft.com/office/2006/metadata/contentType" xmlns:ma="http://schemas.microsoft.com/office/2006/metadata/properties/metaAttributes" ct:_="" ma:_="" ma:contentTypeName="문서" ma:contentTypeID="0x010100CDD1B8258B04314AB752C94D0B468742" ma:contentTypeVersion="11" ma:contentTypeDescription="새 문서를 만듭니다." ma:contentTypeScope="" ma:versionID="6191195d1cfbedd459fcf5ab8d015e2a">
   <xsd:schema xmlns:xsd="http://www.w3.org/2001/XMLSchema" xmlns:xs="http://www.w3.org/2001/XMLSchema" xmlns:p="http://schemas.microsoft.com/office/2006/metadata/properties" xmlns:ns2="c207a02d-b84a-49f0-864c-a3c055060aaf" xmlns:ns3="39fed8c9-7096-4e61-8f88-d2ef9f851ffe" targetNamespace="http://schemas.microsoft.com/office/2006/metadata/properties" ma:root="true" ma:fieldsID="5d93592edafbee9e6d2c4100c1efca84" ns2:_="" ns3:_="">
     <xsd:import namespace="c207a02d-b84a-49f0-864c-a3c055060aaf"/>
@@ -31339,16 +31382,15 @@
 </ct:contentTypeSchema>
 </file>
 
-<file path=customXml/item2.xml><?xml version="1.0" encoding="utf-8"?>
-<?mso-contentType ?>
-<FormTemplates xmlns="http://schemas.microsoft.com/sharepoint/v3/contenttype/forms">
-  <Display>DocumentLibraryForm</Display>
-  <Edit>DocumentLibraryForm</Edit>
-  <New>DocumentLibraryForm</New>
-</FormTemplates>
+<file path=customXml/itemProps1.xml><?xml version="1.0" encoding="utf-8"?>
+<ds:datastoreItem xmlns:ds="http://schemas.openxmlformats.org/officeDocument/2006/customXml" ds:itemID="{F136F6C3-5960-4851-9E24-C95A892B09C0}">
+  <ds:schemaRefs>
+    <ds:schemaRef ds:uri="http://schemas.microsoft.com/sharepoint/v3/contenttype/forms"/>
+  </ds:schemaRefs>
+</ds:datastoreItem>
 </file>
 
-<file path=customXml/itemProps1.xml><?xml version="1.0" encoding="utf-8"?>
+<file path=customXml/itemProps2.xml><?xml version="1.0" encoding="utf-8"?>
 <ds:datastoreItem xmlns:ds="http://schemas.openxmlformats.org/officeDocument/2006/customXml" ds:itemID="{DA7AF342-1EE8-45DE-9B22-D5BE26997371}">
   <ds:schemaRefs>
     <ds:schemaRef ds:uri="http://schemas.microsoft.com/office/2006/metadata/contentType"/>
@@ -31365,12 +31407,4 @@
     <ds:schemaRef ds:uri="http://schemas.microsoft.com/internal/obd"/>
   </ds:schemaRefs>
 </ds:datastoreItem>
-</file>
-
-<file path=customXml/itemProps2.xml><?xml version="1.0" encoding="utf-8"?>
-<ds:datastoreItem xmlns:ds="http://schemas.openxmlformats.org/officeDocument/2006/customXml" ds:itemID="{F136F6C3-5960-4851-9E24-C95A892B09C0}">
-  <ds:schemaRefs>
-    <ds:schemaRef ds:uri="http://schemas.microsoft.com/sharepoint/v3/contenttype/forms"/>
-  </ds:schemaRefs>
-</ds:datastoreItem>
 </file>
--- a/New Problem/RSCC Conference 2024.pptx
+++ b/New Problem/RSCC Conference 2024.pptx
@@ -216,7 +216,7 @@
           <a:p>
             <a:fld id="{E0D4A617-3230-4DE9-998B-BE4CEF7E76B5}" type="datetimeFigureOut">
               <a:rPr lang="ko-KR" altLang="en-US" smtClean="0"/>
-              <a:t>2024-10-21</a:t>
+              <a:t>2024-10-23</a:t>
             </a:fld>
             <a:endParaRPr lang="ko-KR" altLang="en-US"/>
           </a:p>
@@ -1412,7 +1412,7 @@
           <a:p>
             <a:fld id="{B513CE67-9255-40D5-B560-A691A1B9AEE9}" type="datetime1">
               <a:rPr lang="ko-KR" altLang="en-US" smtClean="0"/>
-              <a:t>2024-10-21</a:t>
+              <a:t>2024-10-23</a:t>
             </a:fld>
             <a:endParaRPr lang="ko-KR" altLang="en-US"/>
           </a:p>
@@ -1715,7 +1715,7 @@
           <a:p>
             <a:fld id="{53488157-C2F8-4851-A8F7-76079D7F547A}" type="datetime1">
               <a:rPr lang="ko-KR" altLang="en-US" smtClean="0"/>
-              <a:t>2024-10-21</a:t>
+              <a:t>2024-10-23</a:t>
             </a:fld>
             <a:endParaRPr lang="ko-KR" altLang="en-US"/>
           </a:p>
@@ -1930,7 +1930,7 @@
           <a:p>
             <a:fld id="{CEBC16C7-31FB-448F-B228-04B9FDDBCDD8}" type="datetime1">
               <a:rPr lang="ko-KR" altLang="en-US" smtClean="0"/>
-              <a:t>2024-10-21</a:t>
+              <a:t>2024-10-23</a:t>
             </a:fld>
             <a:endParaRPr lang="ko-KR" altLang="en-US"/>
           </a:p>
@@ -2150,7 +2150,7 @@
           <a:p>
             <a:fld id="{04DA9E6D-5A89-444D-A53E-F516690E15DC}" type="datetime1">
               <a:rPr lang="ko-KR" altLang="en-US" smtClean="0"/>
-              <a:t>2024-10-21</a:t>
+              <a:t>2024-10-23</a:t>
             </a:fld>
             <a:endParaRPr lang="ko-KR" altLang="en-US"/>
           </a:p>
@@ -2463,7 +2463,7 @@
           <a:p>
             <a:fld id="{F8C661EE-EF01-42FB-99E7-F3DC9807DA3A}" type="datetime1">
               <a:rPr lang="ko-KR" altLang="en-US" smtClean="0"/>
-              <a:t>2024-10-21</a:t>
+              <a:t>2024-10-23</a:t>
             </a:fld>
             <a:endParaRPr lang="ko-KR" altLang="en-US"/>
           </a:p>
@@ -2783,7 +2783,7 @@
           <a:p>
             <a:fld id="{53D8AB0E-D8AC-4D78-9961-3BCB8B496AC3}" type="datetime1">
               <a:rPr lang="ko-KR" altLang="en-US" smtClean="0"/>
-              <a:t>2024-10-21</a:t>
+              <a:t>2024-10-23</a:t>
             </a:fld>
             <a:endParaRPr lang="ko-KR" altLang="en-US"/>
           </a:p>
@@ -3091,7 +3091,7 @@
           <a:p>
             <a:fld id="{C4ECB842-1A05-4E67-9B0A-E52728ECAE21}" type="datetime1">
               <a:rPr lang="ko-KR" altLang="en-US" smtClean="0"/>
-              <a:t>2024-10-21</a:t>
+              <a:t>2024-10-23</a:t>
             </a:fld>
             <a:endParaRPr lang="ko-KR" altLang="en-US"/>
           </a:p>
@@ -3371,7 +3371,7 @@
           <a:p>
             <a:fld id="{EE79E75F-7F28-4F6C-B6B4-55ECC21700CA}" type="datetime1">
               <a:rPr lang="ko-KR" altLang="en-US" smtClean="0"/>
-              <a:t>2024-10-21</a:t>
+              <a:t>2024-10-23</a:t>
             </a:fld>
             <a:endParaRPr lang="ko-KR" altLang="en-US"/>
           </a:p>
@@ -3804,7 +3804,7 @@
           <a:p>
             <a:fld id="{C131CE3B-5EB9-41F9-A884-CAAAFE07FE76}" type="datetime1">
               <a:rPr lang="ko-KR" altLang="en-US" smtClean="0"/>
-              <a:t>2024-10-21</a:t>
+              <a:t>2024-10-23</a:t>
             </a:fld>
             <a:endParaRPr lang="ko-KR" altLang="en-US"/>
           </a:p>
@@ -3954,7 +3954,7 @@
           <a:p>
             <a:fld id="{48841EDC-6467-4484-8302-47164BF5F129}" type="datetime1">
               <a:rPr lang="ko-KR" altLang="en-US" smtClean="0"/>
-              <a:t>2024-10-21</a:t>
+              <a:t>2024-10-23</a:t>
             </a:fld>
             <a:endParaRPr lang="ko-KR" altLang="en-US"/>
           </a:p>
@@ -4076,7 +4076,7 @@
           <a:p>
             <a:fld id="{29B54D38-88AB-47A3-A3BB-41DD2B33805E}" type="datetime1">
               <a:rPr lang="ko-KR" altLang="en-US" smtClean="0"/>
-              <a:t>2024-10-21</a:t>
+              <a:t>2024-10-23</a:t>
             </a:fld>
             <a:endParaRPr lang="ko-KR" altLang="en-US"/>
           </a:p>
@@ -4402,7 +4402,7 @@
           <a:p>
             <a:fld id="{4EDF6654-5DAF-40B1-A7B0-54BFC65A7A84}" type="datetime1">
               <a:rPr lang="ko-KR" altLang="en-US" smtClean="0"/>
-              <a:t>2024-10-21</a:t>
+              <a:t>2024-10-23</a:t>
             </a:fld>
             <a:endParaRPr lang="ko-KR" altLang="en-US"/>
           </a:p>
@@ -4585,7 +4585,7 @@
           <a:p>
             <a:fld id="{88DCFF02-286B-435D-A3E5-D2C94B0EF7E2}" type="datetime1">
               <a:rPr lang="ko-KR" altLang="en-US" smtClean="0"/>
-              <a:t>2024-10-21</a:t>
+              <a:t>2024-10-23</a:t>
             </a:fld>
             <a:endParaRPr lang="ko-KR" altLang="en-US"/>
           </a:p>
@@ -5222,9 +5222,6 @@
                 <a:ln>
                   <a:noFill/>
                 </a:ln>
-                <a:solidFill>
-                  <a:prstClr val="black"/>
-                </a:solidFill>
                 <a:effectLst/>
                 <a:uLnTx/>
                 <a:uFillTx/>
@@ -5266,19 +5263,13 @@
           <a:p>
             <a:r>
               <a:rPr lang="en-US" altLang="ko-KR" dirty="0"/>
-              <a:t>REFAT KHAN</a:t>
-            </a:r>
-          </a:p>
-          <a:p>
-            <a:r>
-              <a:rPr lang="en-US" altLang="ko-KR" dirty="0"/>
-              <a:t>Advised by Professor Jihwan Moon</a:t>
+              <a:t>Refat Khan, Jihwan Moon</a:t>
             </a:r>
           </a:p>
           <a:p>
             <a:r>
               <a:rPr lang="en-US" altLang="ko-KR" sz="1600" dirty="0"/>
-              <a:t>Cognitive Communication System Lab</a:t>
+              <a:t>Cognitive Communications System Lab</a:t>
             </a:r>
           </a:p>
           <a:p>
@@ -5295,22 +5286,72 @@
           </a:p>
           <a:p>
             <a:r>
-              <a:rPr lang="en-US" altLang="ko-KR" sz="1600" dirty="0"/>
-              <a:t>KIEES Radio Science and Communication Conference </a:t>
+              <a:rPr lang="en-US" altLang="ko-KR" sz="1600" dirty="0">
+                <a:solidFill>
+                  <a:srgbClr val="0000FF"/>
+                </a:solidFill>
+              </a:rPr>
+              <a:t>2024 KIEES Radio Science and Communication Conference </a:t>
             </a:r>
+          </a:p>
+          <a:p>
+            <a:pPr marL="0" marR="0" lvl="0" indent="0" algn="ctr" defTabSz="914400" rtl="0" eaLnBrk="1" fontAlgn="auto" latinLnBrk="1" hangingPunct="1">
+              <a:lnSpc>
+                <a:spcPct val="90000"/>
+              </a:lnSpc>
+              <a:spcBef>
+                <a:spcPts val="1000"/>
+              </a:spcBef>
+              <a:spcAft>
+                <a:spcPts val="0"/>
+              </a:spcAft>
+              <a:buClrTx/>
+              <a:buSzTx/>
+              <a:buFont typeface="Arial" panose="020B0604020202020204" pitchFamily="34" charset="0"/>
+              <a:buNone/>
+              <a:tabLst/>
+              <a:defRPr/>
+            </a:pPr>
+            <a:r>
+              <a:rPr kumimoji="0" lang="en-US" altLang="ko-KR" sz="1600" b="0" i="0" u="none" strike="noStrike" kern="1200" cap="none" spc="0" normalizeH="0" baseline="0" noProof="0" dirty="0">
+                <a:ln>
+                  <a:noFill/>
+                </a:ln>
+                <a:solidFill>
+                  <a:prstClr val="black"/>
+                </a:solidFill>
+                <a:effectLst/>
+                <a:uLnTx/>
+                <a:uFillTx/>
+                <a:latin typeface="맑은 고딕" panose="020F0502020204030204"/>
+                <a:ea typeface="맑은 고딕" panose="020B0503020000020004" pitchFamily="50" charset="-127"/>
+                <a:cs typeface="+mn-cs"/>
+              </a:rPr>
+              <a:t>Oct 25, 2024</a:t>
+            </a:r>
+            <a:endParaRPr kumimoji="0" lang="ko-KR" altLang="en-US" sz="1600" b="0" i="0" u="none" strike="noStrike" kern="1200" cap="none" spc="0" normalizeH="0" baseline="0" noProof="0" dirty="0">
+              <a:ln>
+                <a:noFill/>
+              </a:ln>
+              <a:solidFill>
+                <a:prstClr val="black"/>
+              </a:solidFill>
+              <a:effectLst/>
+              <a:uLnTx/>
+              <a:uFillTx/>
+              <a:latin typeface="맑은 고딕" panose="020F0502020204030204"/>
+              <a:ea typeface="맑은 고딕" panose="020B0503020000020004" pitchFamily="50" charset="-127"/>
+              <a:cs typeface="+mn-cs"/>
+            </a:endParaRPr>
+          </a:p>
+          <a:p>
+            <a:endParaRPr lang="en-US" altLang="ko-KR" sz="1600" dirty="0"/>
           </a:p>
           <a:p>
             <a:endParaRPr lang="en-US" altLang="ko-KR" sz="1600" dirty="0"/>
           </a:p>
           <a:p>
             <a:endParaRPr lang="en-US" altLang="ko-KR" dirty="0"/>
-          </a:p>
-          <a:p>
-            <a:r>
-              <a:rPr lang="en-US" altLang="ko-KR" sz="1600" dirty="0"/>
-              <a:t>Oct 25, 2024</a:t>
-            </a:r>
-            <a:endParaRPr lang="ko-KR" altLang="en-US" sz="1600" dirty="0"/>
           </a:p>
         </p:txBody>
       </p:sp>
@@ -5479,61 +5520,6 @@
           </a:p>
         </p:txBody>
       </p:sp>
-      <p:sp>
-        <p:nvSpPr>
-          <p:cNvPr id="7" name="TextBox 6">
-            <a:extLst>
-              <a:ext uri="{FF2B5EF4-FFF2-40B4-BE49-F238E27FC236}">
-                <a16:creationId xmlns:a16="http://schemas.microsoft.com/office/drawing/2014/main" id="{672011D4-FA8F-621D-159C-101A7D02F834}"/>
-              </a:ext>
-            </a:extLst>
-          </p:cNvPr>
-          <p:cNvSpPr txBox="1"/>
-          <p:nvPr/>
-        </p:nvSpPr>
-        <p:spPr>
-          <a:xfrm>
-            <a:off x="43877" y="0"/>
-            <a:ext cx="4433120" cy="276999"/>
-          </a:xfrm>
-          <a:prstGeom prst="rect">
-            <a:avLst/>
-          </a:prstGeom>
-          <a:noFill/>
-        </p:spPr>
-        <p:txBody>
-          <a:bodyPr wrap="square" rtlCol="0">
-            <a:spAutoFit/>
-          </a:bodyPr>
-          <a:lstStyle/>
-          <a:p>
-            <a:pPr algn="r"/>
-            <a:r>
-              <a:rPr lang="en-US" altLang="ko-KR" sz="1200" b="1" dirty="0">
-                <a:solidFill>
-                  <a:schemeClr val="bg2">
-                    <a:lumMod val="50000"/>
-                  </a:schemeClr>
-                </a:solidFill>
-              </a:rPr>
-              <a:t>System Model Problem Formulation   </a:t>
-            </a:r>
-            <a:r>
-              <a:rPr lang="en-US" altLang="ko-KR" sz="1200" b="1" dirty="0">
-                <a:solidFill>
-                  <a:schemeClr val="bg2"/>
-                </a:solidFill>
-              </a:rPr>
-              <a:t>Numerical Result  </a:t>
-            </a:r>
-            <a:endParaRPr lang="ko-KR" altLang="en-US" sz="1200" b="1" dirty="0">
-              <a:solidFill>
-                <a:schemeClr val="bg2"/>
-              </a:solidFill>
-            </a:endParaRPr>
-          </a:p>
-        </p:txBody>
-      </p:sp>
       <p:pic>
         <p:nvPicPr>
           <p:cNvPr id="9" name="Picture 8">
@@ -5564,6 +5550,61 @@
           </a:prstGeom>
         </p:spPr>
       </p:pic>
+      <p:sp>
+        <p:nvSpPr>
+          <p:cNvPr id="5" name="TextBox 4">
+            <a:extLst>
+              <a:ext uri="{FF2B5EF4-FFF2-40B4-BE49-F238E27FC236}">
+                <a16:creationId xmlns:a16="http://schemas.microsoft.com/office/drawing/2014/main" id="{E62A0CEC-FBAA-7BE4-3CC9-D520A0CE3855}"/>
+              </a:ext>
+            </a:extLst>
+          </p:cNvPr>
+          <p:cNvSpPr txBox="1"/>
+          <p:nvPr/>
+        </p:nvSpPr>
+        <p:spPr>
+          <a:xfrm>
+            <a:off x="137160" y="0"/>
+            <a:ext cx="4335879" cy="276999"/>
+          </a:xfrm>
+          <a:prstGeom prst="rect">
+            <a:avLst/>
+          </a:prstGeom>
+          <a:noFill/>
+        </p:spPr>
+        <p:txBody>
+          <a:bodyPr wrap="square" rtlCol="0">
+            <a:spAutoFit/>
+          </a:bodyPr>
+          <a:lstStyle/>
+          <a:p>
+            <a:pPr algn="r"/>
+            <a:r>
+              <a:rPr lang="en-US" altLang="ko-KR" sz="1200" b="1" dirty="0">
+                <a:solidFill>
+                  <a:schemeClr val="bg2">
+                    <a:lumMod val="50000"/>
+                  </a:schemeClr>
+                </a:solidFill>
+              </a:rPr>
+              <a:t>System Model Problem Formulation  </a:t>
+            </a:r>
+            <a:r>
+              <a:rPr lang="en-US" altLang="ko-KR" sz="1200" b="1" dirty="0">
+                <a:solidFill>
+                  <a:schemeClr val="bg2"/>
+                </a:solidFill>
+              </a:rPr>
+              <a:t>Numerical Result  </a:t>
+            </a:r>
+            <a:endParaRPr lang="ko-KR" altLang="en-US" sz="1200" b="1" dirty="0">
+              <a:solidFill>
+                <a:schemeClr val="bg2"/>
+              </a:solidFill>
+            </a:endParaRPr>
+          </a:p>
+        </p:txBody>
+      </p:sp>
     </p:spTree>
     <p:extLst>
       <p:ext uri="{BB962C8B-B14F-4D97-AF65-F5344CB8AC3E}">
@@ -5697,61 +5738,6 @@
           </a:p>
         </p:txBody>
       </p:sp>
-      <p:sp>
-        <p:nvSpPr>
-          <p:cNvPr id="7" name="TextBox 6">
-            <a:extLst>
-              <a:ext uri="{FF2B5EF4-FFF2-40B4-BE49-F238E27FC236}">
-                <a16:creationId xmlns:a16="http://schemas.microsoft.com/office/drawing/2014/main" id="{1E15F4C8-9BA2-7D58-2DDA-6670FD576953}"/>
-              </a:ext>
-            </a:extLst>
-          </p:cNvPr>
-          <p:cNvSpPr txBox="1"/>
-          <p:nvPr/>
-        </p:nvSpPr>
-        <p:spPr>
-          <a:xfrm>
-            <a:off x="43877" y="0"/>
-            <a:ext cx="4433120" cy="276999"/>
-          </a:xfrm>
-          <a:prstGeom prst="rect">
-            <a:avLst/>
-          </a:prstGeom>
-          <a:noFill/>
-        </p:spPr>
-        <p:txBody>
-          <a:bodyPr wrap="square" rtlCol="0">
-            <a:spAutoFit/>
-          </a:bodyPr>
-          <a:lstStyle/>
-          <a:p>
-            <a:pPr algn="r"/>
-            <a:r>
-              <a:rPr lang="en-US" altLang="ko-KR" sz="1200" b="1" dirty="0">
-                <a:solidFill>
-                  <a:schemeClr val="bg2">
-                    <a:lumMod val="50000"/>
-                  </a:schemeClr>
-                </a:solidFill>
-              </a:rPr>
-              <a:t>System Model Problem Formulation   </a:t>
-            </a:r>
-            <a:r>
-              <a:rPr lang="en-US" altLang="ko-KR" sz="1200" b="1" dirty="0">
-                <a:solidFill>
-                  <a:schemeClr val="bg2"/>
-                </a:solidFill>
-              </a:rPr>
-              <a:t>Numerical Result  </a:t>
-            </a:r>
-            <a:endParaRPr lang="ko-KR" altLang="en-US" sz="1200" b="1" dirty="0">
-              <a:solidFill>
-                <a:schemeClr val="bg2"/>
-              </a:solidFill>
-            </a:endParaRPr>
-          </a:p>
-        </p:txBody>
-      </p:sp>
       <p:pic>
         <p:nvPicPr>
           <p:cNvPr id="5" name="Picture 4">
@@ -5782,6 +5768,61 @@
           </a:prstGeom>
         </p:spPr>
       </p:pic>
+      <p:sp>
+        <p:nvSpPr>
+          <p:cNvPr id="8" name="TextBox 7">
+            <a:extLst>
+              <a:ext uri="{FF2B5EF4-FFF2-40B4-BE49-F238E27FC236}">
+                <a16:creationId xmlns:a16="http://schemas.microsoft.com/office/drawing/2014/main" id="{FAEFDEE3-F7A9-AEFE-52D4-AB418EF50E7F}"/>
+              </a:ext>
+            </a:extLst>
+          </p:cNvPr>
+          <p:cNvSpPr txBox="1"/>
+          <p:nvPr/>
+        </p:nvSpPr>
+        <p:spPr>
+          <a:xfrm>
+            <a:off x="137160" y="0"/>
+            <a:ext cx="4335879" cy="276999"/>
+          </a:xfrm>
+          <a:prstGeom prst="rect">
+            <a:avLst/>
+          </a:prstGeom>
+          <a:noFill/>
+        </p:spPr>
+        <p:txBody>
+          <a:bodyPr wrap="square" rtlCol="0">
+            <a:spAutoFit/>
+          </a:bodyPr>
+          <a:lstStyle/>
+          <a:p>
+            <a:pPr algn="r"/>
+            <a:r>
+              <a:rPr lang="en-US" altLang="ko-KR" sz="1200" b="1" dirty="0">
+                <a:solidFill>
+                  <a:schemeClr val="bg2">
+                    <a:lumMod val="50000"/>
+                  </a:schemeClr>
+                </a:solidFill>
+              </a:rPr>
+              <a:t>System Model Problem Formulation  </a:t>
+            </a:r>
+            <a:r>
+              <a:rPr lang="en-US" altLang="ko-KR" sz="1200" b="1" dirty="0">
+                <a:solidFill>
+                  <a:schemeClr val="bg2"/>
+                </a:solidFill>
+              </a:rPr>
+              <a:t>Numerical Result  </a:t>
+            </a:r>
+            <a:endParaRPr lang="ko-KR" altLang="en-US" sz="1200" b="1" dirty="0">
+              <a:solidFill>
+                <a:schemeClr val="bg2"/>
+              </a:solidFill>
+            </a:endParaRPr>
+          </a:p>
+        </p:txBody>
+      </p:sp>
     </p:spTree>
     <p:extLst>
       <p:ext uri="{BB962C8B-B14F-4D97-AF65-F5344CB8AC3E}">
@@ -5818,6 +5859,78 @@
           <a:chExt cx="0" cy="0"/>
         </a:xfrm>
       </p:grpSpPr>
+      <p:pic>
+        <p:nvPicPr>
+          <p:cNvPr id="8" name="그림 15" descr="텍스트, 라인, 그래프, 도표이(가) 표시된 사진&#10;&#10;자동 생성된 설명">
+            <a:extLst>
+              <a:ext uri="{FF2B5EF4-FFF2-40B4-BE49-F238E27FC236}">
+                <a16:creationId xmlns:a16="http://schemas.microsoft.com/office/drawing/2014/main" id="{74FB1332-6EBD-B5B7-C0CC-50D9EB53982E}"/>
+              </a:ext>
+            </a:extLst>
+          </p:cNvPr>
+          <p:cNvPicPr>
+            <a:picLocks noChangeAspect="1"/>
+          </p:cNvPicPr>
+          <p:nvPr/>
+        </p:nvPicPr>
+        <p:blipFill>
+          <a:blip r:embed="rId2">
+            <a:extLst>
+              <a:ext uri="{28A0092B-C50C-407E-A947-70E740481C1C}">
+                <a14:useLocalDpi xmlns:a14="http://schemas.microsoft.com/office/drawing/2010/main" val="0"/>
+              </a:ext>
+            </a:extLst>
+          </a:blip>
+          <a:stretch>
+            <a:fillRect/>
+          </a:stretch>
+        </p:blipFill>
+        <p:spPr>
+          <a:xfrm>
+            <a:off x="6052457" y="1246785"/>
+            <a:ext cx="5852172" cy="4389129"/>
+          </a:xfrm>
+          <a:prstGeom prst="rect">
+            <a:avLst/>
+          </a:prstGeom>
+        </p:spPr>
+      </p:pic>
+      <p:pic>
+        <p:nvPicPr>
+          <p:cNvPr id="6" name="그림 13" descr="텍스트, 도표, 라인, 그래프이(가) 표시된 사진&#10;&#10;자동 생성된 설명">
+            <a:extLst>
+              <a:ext uri="{FF2B5EF4-FFF2-40B4-BE49-F238E27FC236}">
+                <a16:creationId xmlns:a16="http://schemas.microsoft.com/office/drawing/2014/main" id="{456BEC05-B2A3-0377-0EAD-5BC4364FE971}"/>
+              </a:ext>
+            </a:extLst>
+          </p:cNvPr>
+          <p:cNvPicPr>
+            <a:picLocks noChangeAspect="1"/>
+          </p:cNvPicPr>
+          <p:nvPr/>
+        </p:nvPicPr>
+        <p:blipFill>
+          <a:blip r:embed="rId3">
+            <a:extLst>
+              <a:ext uri="{28A0092B-C50C-407E-A947-70E740481C1C}">
+                <a14:useLocalDpi xmlns:a14="http://schemas.microsoft.com/office/drawing/2010/main" val="0"/>
+              </a:ext>
+            </a:extLst>
+          </a:blip>
+          <a:stretch>
+            <a:fillRect/>
+          </a:stretch>
+        </p:blipFill>
+        <p:spPr>
+          <a:xfrm>
+            <a:off x="326955" y="1223034"/>
+            <a:ext cx="5852172" cy="4389129"/>
+          </a:xfrm>
+          <a:prstGeom prst="rect">
+            <a:avLst/>
+          </a:prstGeom>
+        </p:spPr>
+      </p:pic>
       <p:sp>
         <p:nvSpPr>
           <p:cNvPr id="2" name="Title 1">
@@ -5999,7 +6112,7 @@
             </p:nvSpPr>
             <p:spPr>
               <a:blipFill>
-                <a:blip r:embed="rId2"/>
+                <a:blip r:embed="rId4"/>
                 <a:stretch>
                   <a:fillRect l="-489" t="-1238"/>
                 </a:stretch>
@@ -6060,10 +6173,10 @@
       </p:sp>
       <p:sp>
         <p:nvSpPr>
-          <p:cNvPr id="7" name="TextBox 6">
+          <p:cNvPr id="5" name="TextBox 4">
             <a:extLst>
               <a:ext uri="{FF2B5EF4-FFF2-40B4-BE49-F238E27FC236}">
-                <a16:creationId xmlns:a16="http://schemas.microsoft.com/office/drawing/2014/main" id="{2F36104D-1492-CEAF-0918-D6F27466C75D}"/>
+                <a16:creationId xmlns:a16="http://schemas.microsoft.com/office/drawing/2014/main" id="{0CE99250-F4E7-1730-33F8-58DB32A2279B}"/>
               </a:ext>
             </a:extLst>
           </p:cNvPr>
@@ -6072,8 +6185,457 @@
         </p:nvSpPr>
         <p:spPr>
           <a:xfrm>
-            <a:off x="43877" y="0"/>
-            <a:ext cx="4433120" cy="276999"/>
+            <a:off x="902526" y="5525985"/>
+            <a:ext cx="5541818" cy="307777"/>
+          </a:xfrm>
+          <a:prstGeom prst="rect">
+            <a:avLst/>
+          </a:prstGeom>
+          <a:noFill/>
+        </p:spPr>
+        <p:txBody>
+          <a:bodyPr wrap="square" rtlCol="0">
+            <a:spAutoFit/>
+          </a:bodyPr>
+          <a:lstStyle/>
+          <a:p>
+            <a:r>
+              <a:rPr lang="en-US" sz="1400" b="1" dirty="0">
+                <a:latin typeface="Arial" panose="020B0604020202020204" pitchFamily="34" charset="0"/>
+                <a:cs typeface="Arial" panose="020B0604020202020204" pitchFamily="34" charset="0"/>
+              </a:rPr>
+              <a:t>Figure 2. Source transmit power vs average covert rate</a:t>
+            </a:r>
+          </a:p>
+        </p:txBody>
+      </p:sp>
+      <p:sp>
+        <p:nvSpPr>
+          <p:cNvPr id="9" name="TextBox 8">
+            <a:extLst>
+              <a:ext uri="{FF2B5EF4-FFF2-40B4-BE49-F238E27FC236}">
+                <a16:creationId xmlns:a16="http://schemas.microsoft.com/office/drawing/2014/main" id="{BA29DAD0-1393-7361-877E-3C367C54584F}"/>
+              </a:ext>
+            </a:extLst>
+          </p:cNvPr>
+          <p:cNvSpPr txBox="1"/>
+          <p:nvPr/>
+        </p:nvSpPr>
+        <p:spPr>
+          <a:xfrm>
+            <a:off x="6452260" y="5525984"/>
+            <a:ext cx="5533901" cy="307777"/>
+          </a:xfrm>
+          <a:prstGeom prst="rect">
+            <a:avLst/>
+          </a:prstGeom>
+          <a:noFill/>
+        </p:spPr>
+        <p:txBody>
+          <a:bodyPr wrap="square" rtlCol="0">
+            <a:spAutoFit/>
+          </a:bodyPr>
+          <a:lstStyle/>
+          <a:p>
+            <a:r>
+              <a:rPr lang="en-US" sz="1400" b="1" dirty="0"/>
+              <a:t>Figure 3. Source transmit power vs average power proportion</a:t>
+            </a:r>
+          </a:p>
+        </p:txBody>
+      </p:sp>
+      <mc:AlternateContent xmlns:mc="http://schemas.openxmlformats.org/markup-compatibility/2006">
+        <mc:Choice xmlns:a14="http://schemas.microsoft.com/office/drawing/2010/main" Requires="a14">
+          <p:sp>
+            <p:nvSpPr>
+              <p:cNvPr id="10" name="TextBox 9">
+                <a:extLst>
+                  <a:ext uri="{FF2B5EF4-FFF2-40B4-BE49-F238E27FC236}">
+                    <a16:creationId xmlns:a16="http://schemas.microsoft.com/office/drawing/2014/main" id="{480864E1-21D9-1303-365D-3CB4047FD857}"/>
+                  </a:ext>
+                </a:extLst>
+              </p:cNvPr>
+              <p:cNvSpPr txBox="1"/>
+              <p:nvPr/>
+            </p:nvSpPr>
+            <p:spPr>
+              <a:xfrm>
+                <a:off x="225631" y="5807034"/>
+                <a:ext cx="10485912" cy="1116844"/>
+              </a:xfrm>
+              <a:prstGeom prst="rect">
+                <a:avLst/>
+              </a:prstGeom>
+              <a:noFill/>
+            </p:spPr>
+            <p:txBody>
+              <a:bodyPr wrap="square" rtlCol="0">
+                <a:spAutoFit/>
+              </a:bodyPr>
+              <a:lstStyle/>
+              <a:p>
+                <a:pPr marL="285750" indent="-285750">
+                  <a:buFont typeface="Arial" panose="020B0604020202020204" pitchFamily="34" charset="0"/>
+                  <a:buChar char="•"/>
+                </a:pPr>
+                <a:r>
+                  <a:rPr lang="en-US" sz="1600" dirty="0">
+                    <a:solidFill>
+                      <a:srgbClr val="3333CC"/>
+                    </a:solidFill>
+                    <a:latin typeface="Arial" panose="020B0604020202020204" pitchFamily="34" charset="0"/>
+                    <a:cs typeface="Arial" panose="020B0604020202020204" pitchFamily="34" charset="0"/>
+                  </a:rPr>
+                  <a:t>Figure 2.</a:t>
+                </a:r>
+                <a:r>
+                  <a:rPr lang="en-US" sz="1600" dirty="0">
+                    <a:latin typeface="Arial" panose="020B0604020202020204" pitchFamily="34" charset="0"/>
+                    <a:cs typeface="Arial" panose="020B0604020202020204" pitchFamily="34" charset="0"/>
+                  </a:rPr>
+                  <a:t> depicts the </a:t>
+                </a:r>
+                <a:r>
+                  <a:rPr lang="en-US" sz="1600" dirty="0">
+                    <a:solidFill>
+                      <a:srgbClr val="3333CC"/>
+                    </a:solidFill>
+                    <a:latin typeface="Arial" panose="020B0604020202020204" pitchFamily="34" charset="0"/>
+                    <a:cs typeface="Arial" panose="020B0604020202020204" pitchFamily="34" charset="0"/>
+                  </a:rPr>
+                  <a:t>average covert rate </a:t>
+                </a:r>
+                <a:r>
+                  <a:rPr lang="en-US" sz="1600" dirty="0">
+                    <a:latin typeface="Arial" panose="020B0604020202020204" pitchFamily="34" charset="0"/>
+                    <a:cs typeface="Arial" panose="020B0604020202020204" pitchFamily="34" charset="0"/>
+                  </a:rPr>
+                  <a:t>in relation to the </a:t>
+                </a:r>
+                <a:r>
+                  <a:rPr lang="en-US" sz="1600" dirty="0">
+                    <a:solidFill>
+                      <a:srgbClr val="3333CC"/>
+                    </a:solidFill>
+                    <a:latin typeface="Arial" panose="020B0604020202020204" pitchFamily="34" charset="0"/>
+                    <a:cs typeface="Arial" panose="020B0604020202020204" pitchFamily="34" charset="0"/>
+                  </a:rPr>
+                  <a:t>source transmission power</a:t>
+                </a:r>
+                <a:r>
+                  <a:rPr lang="en-US" sz="1600" dirty="0">
+                    <a:latin typeface="Arial" panose="020B0604020202020204" pitchFamily="34" charset="0"/>
+                    <a:cs typeface="Arial" panose="020B0604020202020204" pitchFamily="34" charset="0"/>
+                  </a:rPr>
+                  <a:t>.</a:t>
+                </a:r>
+              </a:p>
+              <a:p>
+                <a:pPr marL="285750" indent="-285750">
+                  <a:buFont typeface="Arial" panose="020B0604020202020204" pitchFamily="34" charset="0"/>
+                  <a:buChar char="•"/>
+                </a:pPr>
+                <a:r>
+                  <a:rPr lang="en-US" sz="1600" dirty="0">
+                    <a:latin typeface="Arial" panose="020B0604020202020204" pitchFamily="34" charset="0"/>
+                    <a:cs typeface="Arial" panose="020B0604020202020204" pitchFamily="34" charset="0"/>
+                  </a:rPr>
+                  <a:t>The results shows that the </a:t>
+                </a:r>
+                <a:r>
+                  <a:rPr lang="en-US" sz="1600" dirty="0">
+                    <a:solidFill>
+                      <a:srgbClr val="0000FF"/>
+                    </a:solidFill>
+                    <a:latin typeface="Arial" panose="020B0604020202020204" pitchFamily="34" charset="0"/>
+                    <a:cs typeface="Arial" panose="020B0604020202020204" pitchFamily="34" charset="0"/>
+                  </a:rPr>
+                  <a:t>optimal solution </a:t>
+                </a:r>
+                <a:r>
+                  <a:rPr lang="en-US" sz="1600" dirty="0">
+                    <a:latin typeface="Arial" panose="020B0604020202020204" pitchFamily="34" charset="0"/>
+                    <a:cs typeface="Arial" panose="020B0604020202020204" pitchFamily="34" charset="0"/>
+                  </a:rPr>
+                  <a:t>achieves the </a:t>
+                </a:r>
+                <a:r>
+                  <a:rPr lang="en-US" sz="1600" dirty="0">
+                    <a:solidFill>
+                      <a:srgbClr val="3333CC"/>
+                    </a:solidFill>
+                    <a:latin typeface="Arial" panose="020B0604020202020204" pitchFamily="34" charset="0"/>
+                    <a:cs typeface="Arial" panose="020B0604020202020204" pitchFamily="34" charset="0"/>
+                  </a:rPr>
+                  <a:t>highest</a:t>
+                </a:r>
+                <a:r>
+                  <a:rPr lang="en-US" sz="1600" dirty="0">
+                    <a:latin typeface="Arial" panose="020B0604020202020204" pitchFamily="34" charset="0"/>
+                    <a:cs typeface="Arial" panose="020B0604020202020204" pitchFamily="34" charset="0"/>
+                  </a:rPr>
+                  <a:t> performance </a:t>
+                </a:r>
+                <a:r>
+                  <a:rPr lang="en-US" sz="1600" dirty="0">
+                    <a:solidFill>
+                      <a:srgbClr val="0000FF"/>
+                    </a:solidFill>
+                    <a:latin typeface="Arial" panose="020B0604020202020204" pitchFamily="34" charset="0"/>
+                    <a:cs typeface="Arial" panose="020B0604020202020204" pitchFamily="34" charset="0"/>
+                  </a:rPr>
+                  <a:t>improvement</a:t>
+                </a:r>
+                <a:r>
+                  <a:rPr lang="en-US" sz="1600" dirty="0">
+                    <a:latin typeface="Arial" panose="020B0604020202020204" pitchFamily="34" charset="0"/>
+                    <a:cs typeface="Arial" panose="020B0604020202020204" pitchFamily="34" charset="0"/>
+                  </a:rPr>
+                  <a:t>.</a:t>
+                </a:r>
+              </a:p>
+              <a:p>
+                <a:pPr marL="285750" indent="-285750">
+                  <a:buFont typeface="Arial" panose="020B0604020202020204" pitchFamily="34" charset="0"/>
+                  <a:buChar char="•"/>
+                </a:pPr>
+                <a:r>
+                  <a:rPr lang="en-US" sz="1600" dirty="0">
+                    <a:latin typeface="Arial" panose="020B0604020202020204" pitchFamily="34" charset="0"/>
+                    <a:cs typeface="Arial" panose="020B0604020202020204" pitchFamily="34" charset="0"/>
+                  </a:rPr>
+                  <a:t>In contrast to the other schemes where either artificial noise mean</a:t>
+                </a:r>
+                <a14:m>
+                  <m:oMath xmlns:m="http://schemas.openxmlformats.org/officeDocument/2006/math">
+                    <m:sSub>
+                      <m:sSubPr>
+                        <m:ctrlPr>
+                          <a:rPr lang="en-US" sz="1600" b="0" i="1" smtClean="0">
+                            <a:latin typeface="Cambria Math" panose="02040503050406030204" pitchFamily="18" charset="0"/>
+                          </a:rPr>
+                        </m:ctrlPr>
+                      </m:sSubPr>
+                      <m:e>
+                        <m:acc>
+                          <m:accPr>
+                            <m:chr m:val="̅"/>
+                            <m:ctrlPr>
+                              <a:rPr lang="en-US" sz="1600" i="1" smtClean="0">
+                                <a:latin typeface="Cambria Math" panose="02040503050406030204" pitchFamily="18" charset="0"/>
+                              </a:rPr>
+                            </m:ctrlPr>
+                          </m:accPr>
+                          <m:e>
+                            <m:r>
+                              <a:rPr lang="en-US" sz="1600" b="0" i="1" smtClean="0">
+                                <a:latin typeface="Cambria Math" panose="02040503050406030204" pitchFamily="18" charset="0"/>
+                              </a:rPr>
+                              <m:t> </m:t>
+                            </m:r>
+                            <m:r>
+                              <a:rPr lang="en-US" sz="1600" b="0" i="1" smtClean="0">
+                                <a:latin typeface="Cambria Math" panose="02040503050406030204" pitchFamily="18" charset="0"/>
+                              </a:rPr>
+                              <m:t>𝛼</m:t>
+                            </m:r>
+                          </m:e>
+                        </m:acc>
+                      </m:e>
+                      <m:sub>
+                        <m:r>
+                          <a:rPr lang="en-US" sz="1600" b="0" i="1" smtClean="0">
+                            <a:latin typeface="Cambria Math" panose="02040503050406030204" pitchFamily="18" charset="0"/>
+                          </a:rPr>
+                          <m:t>𝑗</m:t>
+                        </m:r>
+                      </m:sub>
+                    </m:sSub>
+                  </m:oMath>
+                </a14:m>
+                <a:r>
+                  <a:rPr lang="en-US" sz="1600" dirty="0">
+                    <a:latin typeface="Arial" panose="020B0604020202020204" pitchFamily="34" charset="0"/>
+                    <a:cs typeface="Arial" panose="020B0604020202020204" pitchFamily="34" charset="0"/>
+                  </a:rPr>
+                  <a:t> or the fluctuation bound </a:t>
+                </a:r>
+                <a14:m>
+                  <m:oMath xmlns:m="http://schemas.openxmlformats.org/officeDocument/2006/math">
+                    <m:r>
+                      <a:rPr lang="en-US" sz="1600" b="0" i="1" smtClean="0">
+                        <a:latin typeface="Cambria Math" panose="02040503050406030204" pitchFamily="18" charset="0"/>
+                      </a:rPr>
+                      <m:t>𝜁</m:t>
+                    </m:r>
+                  </m:oMath>
+                </a14:m>
+                <a:r>
+                  <a:rPr lang="en-US" sz="1600" b="0" dirty="0">
+                    <a:latin typeface="Arial" panose="020B0604020202020204" pitchFamily="34" charset="0"/>
+                    <a:cs typeface="Arial" panose="020B0604020202020204" pitchFamily="34" charset="0"/>
+                  </a:rPr>
+                  <a:t>.</a:t>
+                </a:r>
+              </a:p>
+              <a:p>
+                <a:pPr marL="285750" indent="-285750">
+                  <a:buFont typeface="Arial" panose="020B0604020202020204" pitchFamily="34" charset="0"/>
+                  <a:buChar char="•"/>
+                </a:pPr>
+                <a:r>
+                  <a:rPr lang="en-US" sz="1600" dirty="0">
+                    <a:latin typeface="Arial" panose="020B0604020202020204" pitchFamily="34" charset="0"/>
+                    <a:cs typeface="Arial" panose="020B0604020202020204" pitchFamily="34" charset="0"/>
+                  </a:rPr>
+                  <a:t>In </a:t>
+                </a:r>
+                <a:r>
+                  <a:rPr lang="en-US" sz="1600" dirty="0">
+                    <a:solidFill>
+                      <a:srgbClr val="3333CC"/>
+                    </a:solidFill>
+                    <a:latin typeface="Arial" panose="020B0604020202020204" pitchFamily="34" charset="0"/>
+                    <a:cs typeface="Arial" panose="020B0604020202020204" pitchFamily="34" charset="0"/>
+                  </a:rPr>
+                  <a:t>Figure 3.</a:t>
+                </a:r>
+                <a:r>
+                  <a:rPr lang="en-US" sz="1600" dirty="0">
+                    <a:latin typeface="Arial" panose="020B0604020202020204" pitchFamily="34" charset="0"/>
+                    <a:cs typeface="Arial" panose="020B0604020202020204" pitchFamily="34" charset="0"/>
+                  </a:rPr>
+                  <a:t> we observe that source transmit power does not affect on </a:t>
+                </a:r>
+                <a:r>
+                  <a:rPr lang="en-US" sz="1600" dirty="0">
+                    <a:solidFill>
+                      <a:srgbClr val="0000FF"/>
+                    </a:solidFill>
+                    <a:latin typeface="Arial" panose="020B0604020202020204" pitchFamily="34" charset="0"/>
+                    <a:cs typeface="Arial" panose="020B0604020202020204" pitchFamily="34" charset="0"/>
+                  </a:rPr>
+                  <a:t>noise mean </a:t>
+                </a:r>
+                <a14:m>
+                  <m:oMath xmlns:m="http://schemas.openxmlformats.org/officeDocument/2006/math">
+                    <m:sSub>
+                      <m:sSubPr>
+                        <m:ctrlPr>
+                          <a:rPr lang="en-US" sz="1600" b="0" i="1" smtClean="0">
+                            <a:latin typeface="Cambria Math" panose="02040503050406030204" pitchFamily="18" charset="0"/>
+                          </a:rPr>
+                        </m:ctrlPr>
+                      </m:sSubPr>
+                      <m:e>
+                        <m:acc>
+                          <m:accPr>
+                            <m:chr m:val="̅"/>
+                            <m:ctrlPr>
+                              <a:rPr lang="en-US" sz="1600" i="1" smtClean="0">
+                                <a:latin typeface="Cambria Math" panose="02040503050406030204" pitchFamily="18" charset="0"/>
+                              </a:rPr>
+                            </m:ctrlPr>
+                          </m:accPr>
+                          <m:e>
+                            <m:r>
+                              <a:rPr lang="en-US" sz="1600" b="0" i="1" smtClean="0">
+                                <a:latin typeface="Cambria Math" panose="02040503050406030204" pitchFamily="18" charset="0"/>
+                              </a:rPr>
+                              <m:t> </m:t>
+                            </m:r>
+                            <m:r>
+                              <a:rPr lang="en-US" sz="1600" b="0" i="1" smtClean="0">
+                                <a:latin typeface="Cambria Math" panose="02040503050406030204" pitchFamily="18" charset="0"/>
+                              </a:rPr>
+                              <m:t>𝛼</m:t>
+                            </m:r>
+                          </m:e>
+                        </m:acc>
+                      </m:e>
+                      <m:sub>
+                        <m:r>
+                          <a:rPr lang="en-US" sz="1600" b="0" i="1" smtClean="0">
+                            <a:latin typeface="Cambria Math" panose="02040503050406030204" pitchFamily="18" charset="0"/>
+                          </a:rPr>
+                          <m:t>𝑗</m:t>
+                        </m:r>
+                      </m:sub>
+                    </m:sSub>
+                  </m:oMath>
+                </a14:m>
+                <a:r>
+                  <a:rPr lang="en-US" sz="1600" dirty="0">
+                    <a:latin typeface="Arial" panose="020B0604020202020204" pitchFamily="34" charset="0"/>
+                    <a:cs typeface="Arial" panose="020B0604020202020204" pitchFamily="34" charset="0"/>
+                  </a:rPr>
+                  <a:t>.</a:t>
+                </a:r>
+              </a:p>
+            </p:txBody>
+          </p:sp>
+        </mc:Choice>
+        <mc:Fallback>
+          <p:sp>
+            <p:nvSpPr>
+              <p:cNvPr id="10" name="TextBox 9">
+                <a:extLst>
+                  <a:ext uri="{FF2B5EF4-FFF2-40B4-BE49-F238E27FC236}">
+                    <a16:creationId xmlns:a16="http://schemas.microsoft.com/office/drawing/2014/main" id="{480864E1-21D9-1303-365D-3CB4047FD857}"/>
+                  </a:ext>
+                </a:extLst>
+              </p:cNvPr>
+              <p:cNvSpPr txBox="1">
+                <a:spLocks noRot="1" noChangeAspect="1" noMove="1" noResize="1" noEditPoints="1" noAdjustHandles="1" noChangeArrowheads="1" noChangeShapeType="1" noTextEdit="1"/>
+              </p:cNvSpPr>
+              <p:nvPr/>
+            </p:nvSpPr>
+            <p:spPr>
+              <a:xfrm>
+                <a:off x="225631" y="5807034"/>
+                <a:ext cx="10485912" cy="1116844"/>
+              </a:xfrm>
+              <a:prstGeom prst="rect">
+                <a:avLst/>
+              </a:prstGeom>
+              <a:blipFill>
+                <a:blip r:embed="rId5"/>
+                <a:stretch>
+                  <a:fillRect l="-233" t="-1639" b="-4372"/>
+                </a:stretch>
+              </a:blipFill>
+            </p:spPr>
+            <p:txBody>
+              <a:bodyPr/>
+              <a:lstStyle/>
+              <a:p>
+                <a:r>
+                  <a:rPr lang="en-US">
+                    <a:noFill/>
+                  </a:rPr>
+                  <a:t> </a:t>
+                </a:r>
+              </a:p>
+            </p:txBody>
+          </p:sp>
+        </mc:Fallback>
+      </mc:AlternateContent>
+      <p:sp>
+        <p:nvSpPr>
+          <p:cNvPr id="11" name="TextBox 10">
+            <a:extLst>
+              <a:ext uri="{FF2B5EF4-FFF2-40B4-BE49-F238E27FC236}">
+                <a16:creationId xmlns:a16="http://schemas.microsoft.com/office/drawing/2014/main" id="{060E3086-1714-6F2B-1E4F-AD1D8F4B58B8}"/>
+              </a:ext>
+            </a:extLst>
+          </p:cNvPr>
+          <p:cNvSpPr txBox="1"/>
+          <p:nvPr/>
+        </p:nvSpPr>
+        <p:spPr>
+          <a:xfrm>
+            <a:off x="137160" y="0"/>
+            <a:ext cx="4335879" cy="276999"/>
           </a:xfrm>
           <a:prstGeom prst="rect">
             <a:avLst/>
@@ -6095,7 +6657,7 @@
                   </a:schemeClr>
                 </a:solidFill>
               </a:rPr>
-              <a:t>System Model Problem Formulation   </a:t>
+              <a:t>System Model Problem Formulation  </a:t>
             </a:r>
             <a:r>
               <a:rPr lang="en-US" altLang="ko-KR" sz="1200" b="1" dirty="0">
@@ -6113,78 +6675,6 @@
           </a:p>
         </p:txBody>
       </p:sp>
-      <p:pic>
-        <p:nvPicPr>
-          <p:cNvPr id="6" name="그림 13" descr="텍스트, 도표, 라인, 그래프이(가) 표시된 사진&#10;&#10;자동 생성된 설명">
-            <a:extLst>
-              <a:ext uri="{FF2B5EF4-FFF2-40B4-BE49-F238E27FC236}">
-                <a16:creationId xmlns:a16="http://schemas.microsoft.com/office/drawing/2014/main" id="{456BEC05-B2A3-0377-0EAD-5BC4364FE971}"/>
-              </a:ext>
-            </a:extLst>
-          </p:cNvPr>
-          <p:cNvPicPr>
-            <a:picLocks noChangeAspect="1"/>
-          </p:cNvPicPr>
-          <p:nvPr/>
-        </p:nvPicPr>
-        <p:blipFill>
-          <a:blip r:embed="rId3">
-            <a:extLst>
-              <a:ext uri="{28A0092B-C50C-407E-A947-70E740481C1C}">
-                <a14:useLocalDpi xmlns:a14="http://schemas.microsoft.com/office/drawing/2010/main" val="0"/>
-              </a:ext>
-            </a:extLst>
-          </a:blip>
-          <a:stretch>
-            <a:fillRect/>
-          </a:stretch>
-        </p:blipFill>
-        <p:spPr>
-          <a:xfrm>
-            <a:off x="243828" y="1967221"/>
-            <a:ext cx="5852172" cy="4389129"/>
-          </a:xfrm>
-          <a:prstGeom prst="rect">
-            <a:avLst/>
-          </a:prstGeom>
-        </p:spPr>
-      </p:pic>
-      <p:pic>
-        <p:nvPicPr>
-          <p:cNvPr id="8" name="그림 15" descr="텍스트, 라인, 그래프, 도표이(가) 표시된 사진&#10;&#10;자동 생성된 설명">
-            <a:extLst>
-              <a:ext uri="{FF2B5EF4-FFF2-40B4-BE49-F238E27FC236}">
-                <a16:creationId xmlns:a16="http://schemas.microsoft.com/office/drawing/2014/main" id="{74FB1332-6EBD-B5B7-C0CC-50D9EB53982E}"/>
-              </a:ext>
-            </a:extLst>
-          </p:cNvPr>
-          <p:cNvPicPr>
-            <a:picLocks noChangeAspect="1"/>
-          </p:cNvPicPr>
-          <p:nvPr/>
-        </p:nvPicPr>
-        <p:blipFill>
-          <a:blip r:embed="rId4">
-            <a:extLst>
-              <a:ext uri="{28A0092B-C50C-407E-A947-70E740481C1C}">
-                <a14:useLocalDpi xmlns:a14="http://schemas.microsoft.com/office/drawing/2010/main" val="0"/>
-              </a:ext>
-            </a:extLst>
-          </a:blip>
-          <a:stretch>
-            <a:fillRect/>
-          </a:stretch>
-        </p:blipFill>
-        <p:spPr>
-          <a:xfrm>
-            <a:off x="6096000" y="1967221"/>
-            <a:ext cx="5852172" cy="4389129"/>
-          </a:xfrm>
-          <a:prstGeom prst="rect">
-            <a:avLst/>
-          </a:prstGeom>
-        </p:spPr>
-      </p:pic>
     </p:spTree>
     <p:extLst>
       <p:ext uri="{BB962C8B-B14F-4D97-AF65-F5344CB8AC3E}">
@@ -6288,9 +6778,7 @@
             <a:r>
               <a:rPr lang="en-US" sz="1600" dirty="0">
                 <a:solidFill>
-                  <a:schemeClr val="accent1">
-                    <a:lumMod val="75000"/>
-                  </a:schemeClr>
+                  <a:srgbClr val="3333CC"/>
                 </a:solidFill>
               </a:rPr>
               <a:t>transforms</a:t>
@@ -6302,9 +6790,7 @@
             <a:r>
               <a:rPr lang="en-US" sz="1600" dirty="0">
                 <a:solidFill>
-                  <a:schemeClr val="accent1">
-                    <a:lumMod val="50000"/>
-                  </a:schemeClr>
+                  <a:srgbClr val="333399"/>
                 </a:solidFill>
               </a:rPr>
               <a:t>cyberattacks</a:t>
@@ -6333,9 +6819,7 @@
             <a:r>
               <a:rPr lang="en-US" sz="1600" dirty="0">
                 <a:solidFill>
-                  <a:schemeClr val="accent1">
-                    <a:lumMod val="50000"/>
-                  </a:schemeClr>
+                  <a:srgbClr val="0000FF"/>
                 </a:solidFill>
               </a:rPr>
               <a:t>cryptography</a:t>
@@ -6367,11 +6851,11 @@
               </a:lnSpc>
             </a:pPr>
             <a:r>
-              <a:rPr lang="en-US" sz="1400" dirty="0"/>
+              <a:rPr lang="en-US" dirty="0"/>
               <a:t>Yet, </a:t>
             </a:r>
             <a:r>
-              <a:rPr lang="en-US" sz="1400" dirty="0">
+              <a:rPr lang="en-US" dirty="0">
                 <a:solidFill>
                   <a:schemeClr val="accent1">
                     <a:lumMod val="50000"/>
@@ -6381,11 +6865,11 @@
               <a:t>cryptography</a:t>
             </a:r>
             <a:r>
-              <a:rPr lang="en-US" sz="1400" dirty="0"/>
+              <a:rPr lang="en-US" dirty="0"/>
               <a:t> has </a:t>
             </a:r>
             <a:r>
-              <a:rPr lang="en-US" sz="1400" dirty="0">
+              <a:rPr lang="en-US" dirty="0">
                 <a:solidFill>
                   <a:schemeClr val="accent1">
                     <a:lumMod val="50000"/>
@@ -6395,11 +6879,11 @@
               <a:t>limitations</a:t>
             </a:r>
             <a:r>
-              <a:rPr lang="en-US" sz="1400" dirty="0"/>
+              <a:rPr lang="en-US" dirty="0"/>
               <a:t>: </a:t>
             </a:r>
             <a:r>
-              <a:rPr lang="en-US" sz="1400" dirty="0">
+              <a:rPr lang="en-US" dirty="0">
                 <a:solidFill>
                   <a:schemeClr val="accent1">
                     <a:lumMod val="50000"/>
@@ -6409,7 +6893,7 @@
               <a:t>complex key generation </a:t>
             </a:r>
             <a:r>
-              <a:rPr lang="en-US" sz="1400" dirty="0"/>
+              <a:rPr lang="en-US" dirty="0"/>
               <a:t>and susceptibility to </a:t>
             </a:r>
           </a:p>
@@ -6421,21 +6905,29 @@
               <a:buNone/>
             </a:pPr>
             <a:r>
-              <a:rPr lang="en-US" sz="1400" dirty="0"/>
+              <a:rPr lang="en-US" dirty="0"/>
               <a:t>   powerful </a:t>
             </a:r>
             <a:r>
-              <a:rPr lang="en-US" sz="1400" dirty="0">
+              <a:rPr lang="en-US" dirty="0">
+                <a:solidFill>
+                  <a:srgbClr val="3333CC"/>
+                </a:solidFill>
+              </a:rPr>
+              <a:t>eavesdroppers</a:t>
+            </a:r>
+            <a:r>
+              <a:rPr lang="en-US" dirty="0">
                 <a:solidFill>
                   <a:schemeClr val="accent1">
                     <a:lumMod val="50000"/>
                   </a:schemeClr>
                 </a:solidFill>
               </a:rPr>
-              <a:t>eavesdroppers, </a:t>
+              <a:t>, </a:t>
             </a:r>
             <a:r>
-              <a:rPr lang="en-US" sz="1400" dirty="0"/>
+              <a:rPr lang="en-US" dirty="0"/>
               <a:t>especially challenging for IoT devices.</a:t>
             </a:r>
           </a:p>
@@ -6446,11 +6938,11 @@
               </a:lnSpc>
             </a:pPr>
             <a:r>
-              <a:rPr lang="en-US" sz="1400" dirty="0"/>
+              <a:rPr lang="en-US" dirty="0"/>
               <a:t>These </a:t>
             </a:r>
             <a:r>
-              <a:rPr lang="en-US" sz="1400" dirty="0">
+              <a:rPr lang="en-US" dirty="0">
                 <a:solidFill>
                   <a:schemeClr val="accent1">
                     <a:lumMod val="50000"/>
@@ -6460,11 +6952,11 @@
               <a:t>downsides</a:t>
             </a:r>
             <a:r>
-              <a:rPr lang="en-US" sz="1400" dirty="0"/>
+              <a:rPr lang="en-US" dirty="0"/>
               <a:t> have led researchers to </a:t>
             </a:r>
             <a:r>
-              <a:rPr lang="en-US" sz="1400" dirty="0">
+              <a:rPr lang="en-US" dirty="0">
                 <a:solidFill>
                   <a:schemeClr val="accent1">
                     <a:lumMod val="50000"/>
@@ -6474,11 +6966,11 @@
               <a:t>examine the possibility </a:t>
             </a:r>
             <a:r>
-              <a:rPr lang="en-US" sz="1400" dirty="0"/>
+              <a:rPr lang="en-US" dirty="0"/>
               <a:t>of utilizing </a:t>
             </a:r>
             <a:r>
-              <a:rPr lang="en-US" sz="1400" dirty="0">
+              <a:rPr lang="en-US" dirty="0">
                 <a:solidFill>
                   <a:schemeClr val="accent1">
                     <a:lumMod val="50000"/>
@@ -6487,12 +6979,12 @@
               </a:rPr>
               <a:t>physical layer security</a:t>
             </a:r>
-            <a:endParaRPr lang="en-US" altLang="ko-KR" sz="1400" dirty="0"/>
+            <a:endParaRPr lang="en-US" altLang="ko-KR" dirty="0"/>
           </a:p>
           <a:p>
             <a:r>
               <a:rPr lang="en-US" altLang="ko-KR" b="1" dirty="0"/>
-              <a:t>A new line of secure communications: wireless surveillance</a:t>
+              <a:t>An approach of secure communications: Covert Communication</a:t>
             </a:r>
           </a:p>
           <a:p>
@@ -6509,21 +7001,19 @@
               </a:lnSpc>
             </a:pPr>
             <a:r>
-              <a:rPr lang="en-US" sz="1400" dirty="0"/>
+              <a:rPr lang="en-US" dirty="0"/>
               <a:t>Opponents can conduct traffic analysis by </a:t>
             </a:r>
             <a:r>
-              <a:rPr lang="en-US" sz="1400" dirty="0">
+              <a:rPr lang="en-US" dirty="0">
                 <a:solidFill>
-                  <a:schemeClr val="accent1">
-                    <a:lumMod val="75000"/>
-                  </a:schemeClr>
+                  <a:srgbClr val="0000FF"/>
                 </a:solidFill>
               </a:rPr>
               <a:t>collecting metadata </a:t>
             </a:r>
             <a:r>
-              <a:rPr lang="en-US" sz="1400" dirty="0"/>
+              <a:rPr lang="en-US" dirty="0"/>
               <a:t>during transmission.</a:t>
             </a:r>
           </a:p>
@@ -6534,7 +7024,7 @@
               </a:lnSpc>
             </a:pPr>
             <a:r>
-              <a:rPr lang="en-US" sz="1400" dirty="0">
+              <a:rPr lang="en-US" dirty="0">
                 <a:solidFill>
                   <a:schemeClr val="accent1">
                     <a:lumMod val="75000"/>
@@ -6544,14 +7034,9 @@
               <a:t>Vulnerabilities</a:t>
             </a:r>
             <a:r>
-              <a:rPr lang="en-US" sz="1400" dirty="0"/>
-              <a:t> include capturing source and destination addresses, request-response frequency, </a:t>
+              <a:rPr lang="en-US" dirty="0"/>
+              <a:t> include capturing source and destination addresses, request-response frequency, etc.</a:t>
             </a:r>
-            <a:r>
-              <a:rPr lang="en-US" sz="1400" dirty="0" err="1"/>
-              <a:t>etc</a:t>
-            </a:r>
-            <a:endParaRPr lang="en-US" sz="1400" dirty="0"/>
           </a:p>
           <a:p>
             <a:endParaRPr lang="en-US" altLang="ko-KR" dirty="0"/>
@@ -7665,45 +8150,6 @@
           </p:txBody>
         </p:sp>
       </p:grpSp>
-      <p:pic>
-        <p:nvPicPr>
-          <p:cNvPr id="40" name="그래픽 39" descr="오른쪽으로 굽은 화살표">
-            <a:extLst>
-              <a:ext uri="{FF2B5EF4-FFF2-40B4-BE49-F238E27FC236}">
-                <a16:creationId xmlns:a16="http://schemas.microsoft.com/office/drawing/2014/main" id="{2F987136-8A42-4F2D-8F22-0D3C21A21642}"/>
-              </a:ext>
-            </a:extLst>
-          </p:cNvPr>
-          <p:cNvPicPr>
-            <a:picLocks noChangeAspect="1"/>
-          </p:cNvPicPr>
-          <p:nvPr/>
-        </p:nvPicPr>
-        <p:blipFill>
-          <a:blip r:embed="rId6">
-            <a:extLst>
-              <a:ext uri="{28A0092B-C50C-407E-A947-70E740481C1C}">
-                <a14:useLocalDpi xmlns:a14="http://schemas.microsoft.com/office/drawing/2010/main" val="0"/>
-              </a:ext>
-              <a:ext uri="{96DAC541-7B7A-43D3-8B79-37D633B846F1}">
-                <asvg:svgBlip xmlns:asvg="http://schemas.microsoft.com/office/drawing/2016/SVG/main" r:embed="rId7"/>
-              </a:ext>
-            </a:extLst>
-          </a:blip>
-          <a:stretch>
-            <a:fillRect/>
-          </a:stretch>
-        </p:blipFill>
-        <p:spPr>
-          <a:xfrm rot="5400000">
-            <a:off x="10615552" y="3526799"/>
-            <a:ext cx="1193255" cy="914400"/>
-          </a:xfrm>
-          <a:prstGeom prst="rect">
-            <a:avLst/>
-          </a:prstGeom>
-        </p:spPr>
-      </p:pic>
       <p:sp>
         <p:nvSpPr>
           <p:cNvPr id="16" name="슬라이드 번호 개체 틀 15">
@@ -7772,6 +8218,42 @@
           <a:chExt cx="0" cy="0"/>
         </a:xfrm>
       </p:grpSpPr>
+      <p:pic>
+        <p:nvPicPr>
+          <p:cNvPr id="22" name="Picture 21" descr="A person in a helmet and a radio tower&#10;&#10;Description automatically generated with medium confidence">
+            <a:extLst>
+              <a:ext uri="{FF2B5EF4-FFF2-40B4-BE49-F238E27FC236}">
+                <a16:creationId xmlns:a16="http://schemas.microsoft.com/office/drawing/2014/main" id="{C8E11968-5343-704A-3675-F9F4850711CE}"/>
+              </a:ext>
+            </a:extLst>
+          </p:cNvPr>
+          <p:cNvPicPr>
+            <a:picLocks noChangeAspect="1"/>
+          </p:cNvPicPr>
+          <p:nvPr/>
+        </p:nvPicPr>
+        <p:blipFill>
+          <a:blip r:embed="rId3">
+            <a:extLst>
+              <a:ext uri="{28A0092B-C50C-407E-A947-70E740481C1C}">
+                <a14:useLocalDpi xmlns:a14="http://schemas.microsoft.com/office/drawing/2010/main" val="0"/>
+              </a:ext>
+            </a:extLst>
+          </a:blip>
+          <a:stretch>
+            <a:fillRect/>
+          </a:stretch>
+        </p:blipFill>
+        <p:spPr>
+          <a:xfrm>
+            <a:off x="8142515" y="2604250"/>
+            <a:ext cx="3450504" cy="1516487"/>
+          </a:xfrm>
+          <a:prstGeom prst="rect">
+            <a:avLst/>
+          </a:prstGeom>
+        </p:spPr>
+      </p:pic>
       <p:sp>
         <p:nvSpPr>
           <p:cNvPr id="2" name="제목 1">
@@ -7826,7 +8308,7 @@
           <a:p>
             <a:r>
               <a:rPr lang="en-US" altLang="ko-KR" b="1" dirty="0"/>
-              <a:t>A new line of secure communications: wireless surveillance</a:t>
+              <a:t>An approach of secure communications: Covert Communication</a:t>
             </a:r>
           </a:p>
           <a:p>
@@ -7849,11 +8331,11 @@
               </a:lnSpc>
             </a:pPr>
             <a:r>
-              <a:rPr lang="en-US" sz="1800" dirty="0"/>
+              <a:rPr lang="en-US" dirty="0"/>
               <a:t>Transmit data in a manner that </a:t>
             </a:r>
             <a:r>
-              <a:rPr lang="en-US" sz="1800" dirty="0">
+              <a:rPr lang="en-US" dirty="0">
                 <a:solidFill>
                   <a:schemeClr val="accent1">
                     <a:lumMod val="75000"/>
@@ -7862,7 +8344,7 @@
               </a:rPr>
               <a:t>avoids detection or suspicion.</a:t>
             </a:r>
-            <a:endParaRPr lang="en-US" sz="1800" dirty="0"/>
+            <a:endParaRPr lang="en-US" dirty="0"/>
           </a:p>
           <a:p>
             <a:pPr lvl="2">
@@ -7871,20 +8353,24 @@
               </a:lnSpc>
             </a:pPr>
             <a:r>
-              <a:rPr lang="en-US" sz="1800" dirty="0">
+              <a:rPr lang="en-US" dirty="0">
                 <a:solidFill>
-                  <a:schemeClr val="accent1">
-                    <a:lumMod val="75000"/>
-                  </a:schemeClr>
+                  <a:srgbClr val="0000FF"/>
                 </a:solidFill>
               </a:rPr>
               <a:t>Combining cryptography and physical </a:t>
             </a:r>
             <a:r>
-              <a:rPr lang="en-US" sz="1800" dirty="0"/>
-              <a:t>layer security can prevent eavesdropping, but covert    communications are necessary to counter traffic analysis threats. </a:t>
+              <a:rPr lang="en-US" dirty="0"/>
+              <a:t>layer security can prevent eavesdropping, but covert                    communications are necessary to counter traffic analysis threats. </a:t>
             </a:r>
-            <a:endParaRPr lang="en-US" dirty="0"/>
+            <a:endParaRPr lang="en-US" dirty="0">
+              <a:solidFill>
+                <a:schemeClr val="accent6">
+                  <a:lumMod val="50000"/>
+                </a:schemeClr>
+              </a:solidFill>
+            </a:endParaRPr>
           </a:p>
           <a:p>
             <a:pPr>
@@ -7894,6 +8380,11 @@
             </a:pPr>
             <a:r>
               <a:rPr lang="en-US" sz="1800" b="1" dirty="0">
+                <a:solidFill>
+                  <a:schemeClr val="accent6">
+                    <a:lumMod val="50000"/>
+                  </a:schemeClr>
+                </a:solidFill>
                 <a:cs typeface="Arial" panose="020B0604020202020204" pitchFamily="34" charset="0"/>
               </a:rPr>
               <a:t>Unveiling Covert Communication: </a:t>
@@ -7904,7 +8395,9 @@
                   <a:noFill/>
                 </a:ln>
                 <a:solidFill>
-                  <a:prstClr val="black"/>
+                  <a:schemeClr val="accent6">
+                    <a:lumMod val="50000"/>
+                  </a:schemeClr>
                 </a:solidFill>
                 <a:effectLst/>
                 <a:uLnTx/>
@@ -7940,7 +8433,9 @@
                   <a:noFill/>
                 </a:ln>
                 <a:solidFill>
-                  <a:prstClr val="black"/>
+                  <a:schemeClr val="accent6">
+                    <a:lumMod val="50000"/>
+                  </a:schemeClr>
                 </a:solidFill>
                 <a:effectLst/>
                 <a:uLnTx/>
@@ -7951,6 +8446,25 @@
               </a:rPr>
               <a:t>AF Relay :</a:t>
             </a:r>
+            <a:endParaRPr kumimoji="0" lang="en-US" sz="1800" b="0" i="0" u="none" strike="noStrike" kern="1200" cap="none" spc="0" normalizeH="0" baseline="0" noProof="0" dirty="0">
+              <a:ln>
+                <a:noFill/>
+              </a:ln>
+              <a:solidFill>
+                <a:schemeClr val="accent6">
+                  <a:lumMod val="50000"/>
+                </a:schemeClr>
+              </a:solidFill>
+              <a:effectLst/>
+              <a:highlight>
+                <a:srgbClr val="FFFF00"/>
+              </a:highlight>
+              <a:uLnTx/>
+              <a:uFillTx/>
+              <a:latin typeface="Arial" panose="020B0604020202020204" pitchFamily="34" charset="0"/>
+              <a:ea typeface="+mn-ea"/>
+              <a:cs typeface="Arial" panose="020B0604020202020204" pitchFamily="34" charset="0"/>
+            </a:endParaRPr>
           </a:p>
           <a:p>
             <a:pPr lvl="1" latinLnBrk="0">
@@ -8008,7 +8522,21 @@
                 <a:ea typeface="+mn-ea"/>
                 <a:cs typeface="Arial" panose="020B0604020202020204" pitchFamily="34" charset="0"/>
               </a:rPr>
-              <a:t>Implementation,</a:t>
+              <a:t>Implementation, </a:t>
+            </a:r>
+            <a:r>
+              <a:rPr kumimoji="0" lang="en-US" sz="1600" b="0" i="0" u="none" strike="noStrike" kern="1200" cap="none" spc="0" normalizeH="0" baseline="0" noProof="0" dirty="0">
+                <a:ln>
+                  <a:noFill/>
+                </a:ln>
+                <a:effectLst/>
+                <a:uLnTx/>
+                <a:uFillTx/>
+                <a:latin typeface="Arial" panose="020B0604020202020204" pitchFamily="34" charset="0"/>
+                <a:ea typeface="+mn-ea"/>
+                <a:cs typeface="Arial" panose="020B0604020202020204" pitchFamily="34" charset="0"/>
+              </a:rPr>
+              <a:t>and</a:t>
             </a:r>
             <a:r>
               <a:rPr kumimoji="0" lang="en-US" sz="1600" b="0" i="0" u="none" strike="noStrike" kern="1200" cap="none" spc="0" normalizeH="0" baseline="0" noProof="0" dirty="0">
@@ -8025,7 +8553,34 @@
                 <a:ea typeface="+mn-ea"/>
                 <a:cs typeface="Arial" panose="020B0604020202020204" pitchFamily="34" charset="0"/>
               </a:rPr>
-              <a:t> It does not need to </a:t>
+              <a:t> </a:t>
+            </a:r>
+            <a:r>
+              <a:rPr lang="en-US" sz="1600" dirty="0">
+                <a:solidFill>
+                  <a:prstClr val="black"/>
+                </a:solidFill>
+                <a:latin typeface="Arial" panose="020B0604020202020204" pitchFamily="34" charset="0"/>
+                <a:cs typeface="Arial" panose="020B0604020202020204" pitchFamily="34" charset="0"/>
+              </a:rPr>
+              <a:t>i</a:t>
+            </a:r>
+            <a:r>
+              <a:rPr kumimoji="0" lang="en-US" sz="1600" b="0" i="0" u="none" strike="noStrike" kern="1200" cap="none" spc="0" normalizeH="0" baseline="0" noProof="0" dirty="0">
+                <a:ln>
+                  <a:noFill/>
+                </a:ln>
+                <a:solidFill>
+                  <a:prstClr val="black"/>
+                </a:solidFill>
+                <a:effectLst/>
+                <a:uLnTx/>
+                <a:uFillTx/>
+                <a:latin typeface="Arial" panose="020B0604020202020204" pitchFamily="34" charset="0"/>
+                <a:ea typeface="+mn-ea"/>
+                <a:cs typeface="Arial" panose="020B0604020202020204" pitchFamily="34" charset="0"/>
+              </a:rPr>
+              <a:t>t does not need to </a:t>
             </a:r>
             <a:r>
               <a:rPr kumimoji="0" lang="en-US" sz="1600" b="0" i="0" u="none" strike="noStrike" kern="1200" cap="none" spc="0" normalizeH="0" baseline="0" noProof="0" dirty="0">
@@ -8118,7 +8673,34 @@
                 <a:ea typeface="+mn-ea"/>
                 <a:cs typeface="Arial" panose="020B0604020202020204" pitchFamily="34" charset="0"/>
               </a:rPr>
-              <a:t>It just </a:t>
+              <a:t>It </a:t>
+            </a:r>
+            <a:r>
+              <a:rPr lang="en-US" sz="1600" dirty="0">
+                <a:solidFill>
+                  <a:prstClr val="black"/>
+                </a:solidFill>
+                <a:latin typeface="Arial" panose="020B0604020202020204" pitchFamily="34" charset="0"/>
+                <a:cs typeface="Arial" panose="020B0604020202020204" pitchFamily="34" charset="0"/>
+              </a:rPr>
+              <a:t>simply</a:t>
+            </a:r>
+            <a:r>
+              <a:rPr kumimoji="0" lang="en-US" sz="1600" b="0" i="0" u="none" strike="noStrike" kern="1200" cap="none" spc="0" normalizeH="0" baseline="0" noProof="0" dirty="0">
+                <a:ln>
+                  <a:noFill/>
+                </a:ln>
+                <a:solidFill>
+                  <a:prstClr val="black"/>
+                </a:solidFill>
+                <a:effectLst/>
+                <a:uLnTx/>
+                <a:uFillTx/>
+                <a:latin typeface="Arial" panose="020B0604020202020204" pitchFamily="34" charset="0"/>
+                <a:ea typeface="+mn-ea"/>
+                <a:cs typeface="Arial" panose="020B0604020202020204" pitchFamily="34" charset="0"/>
+              </a:rPr>
+              <a:t> </a:t>
             </a:r>
             <a:r>
               <a:rPr kumimoji="0" lang="en-US" sz="1600" b="0" i="0" u="none" strike="noStrike" kern="1200" cap="none" spc="0" normalizeH="0" baseline="0" noProof="0" dirty="0">
@@ -8477,53 +9059,6 @@
       </p:sp>
       <p:sp>
         <p:nvSpPr>
-          <p:cNvPr id="5" name="TextBox 4">
-            <a:extLst>
-              <a:ext uri="{FF2B5EF4-FFF2-40B4-BE49-F238E27FC236}">
-                <a16:creationId xmlns:a16="http://schemas.microsoft.com/office/drawing/2014/main" id="{2DF300FA-C6C3-4FEA-85E6-B3B948281E7D}"/>
-              </a:ext>
-            </a:extLst>
-          </p:cNvPr>
-          <p:cNvSpPr txBox="1"/>
-          <p:nvPr/>
-        </p:nvSpPr>
-        <p:spPr>
-          <a:xfrm>
-            <a:off x="137160" y="0"/>
-            <a:ext cx="1113708" cy="276999"/>
-          </a:xfrm>
-          <a:prstGeom prst="rect">
-            <a:avLst/>
-          </a:prstGeom>
-          <a:noFill/>
-        </p:spPr>
-        <p:txBody>
-          <a:bodyPr wrap="square" rtlCol="0">
-            <a:spAutoFit/>
-          </a:bodyPr>
-          <a:lstStyle/>
-          <a:p>
-            <a:pPr algn="r"/>
-            <a:r>
-              <a:rPr lang="en-US" altLang="ko-KR" sz="1200" b="1" dirty="0">
-                <a:solidFill>
-                  <a:schemeClr val="bg1"/>
-                </a:solidFill>
-              </a:rPr>
-              <a:t>Introduction  </a:t>
-            </a:r>
-            <a:endParaRPr lang="ko-KR" altLang="en-US" sz="1200" b="1" dirty="0">
-              <a:solidFill>
-                <a:schemeClr val="bg2">
-                  <a:lumMod val="50000"/>
-                </a:schemeClr>
-              </a:solidFill>
-            </a:endParaRPr>
-          </a:p>
-        </p:txBody>
-      </p:sp>
-      <p:sp>
-        <p:nvSpPr>
           <p:cNvPr id="6" name="슬라이드 번호 개체 틀 5">
             <a:extLst>
               <a:ext uri="{FF2B5EF4-FFF2-40B4-BE49-F238E27FC236}">
@@ -8560,1074 +9095,217 @@
           </a:p>
         </p:txBody>
       </p:sp>
-      <p:grpSp>
-        <p:nvGrpSpPr>
-          <p:cNvPr id="36" name="그룹 35">
+      <p:sp>
+        <p:nvSpPr>
+          <p:cNvPr id="15" name="TextBox 14">
             <a:extLst>
               <a:ext uri="{FF2B5EF4-FFF2-40B4-BE49-F238E27FC236}">
-                <a16:creationId xmlns:a16="http://schemas.microsoft.com/office/drawing/2014/main" id="{9AB7595F-E32F-45E3-B7CA-AF98653CAED1}"/>
+                <a16:creationId xmlns:a16="http://schemas.microsoft.com/office/drawing/2014/main" id="{EF40F4CC-8A4F-55CE-B265-9A0675F52441}"/>
               </a:ext>
             </a:extLst>
           </p:cNvPr>
-          <p:cNvGrpSpPr/>
+          <p:cNvSpPr txBox="1"/>
           <p:nvPr/>
-        </p:nvGrpSpPr>
-        <p:grpSpPr>
+        </p:nvSpPr>
+        <p:spPr>
           <a:xfrm>
-            <a:off x="9627078" y="2725947"/>
-            <a:ext cx="2432649" cy="1268083"/>
-            <a:chOff x="7255571" y="4781171"/>
-            <a:chExt cx="4087269" cy="1695808"/>
+            <a:off x="126670" y="0"/>
+            <a:ext cx="1167740" cy="276999"/>
           </a:xfrm>
-        </p:grpSpPr>
-        <p:pic>
-          <p:nvPicPr>
-            <p:cNvPr id="26" name="그림 25">
-              <a:extLst>
-                <a:ext uri="{FF2B5EF4-FFF2-40B4-BE49-F238E27FC236}">
-                  <a16:creationId xmlns:a16="http://schemas.microsoft.com/office/drawing/2014/main" id="{27022100-E38E-4382-81D1-A8D081A79797}"/>
-                </a:ext>
-              </a:extLst>
-            </p:cNvPr>
-            <p:cNvPicPr>
-              <a:picLocks noChangeAspect="1"/>
-            </p:cNvPicPr>
-            <p:nvPr/>
-          </p:nvPicPr>
-          <p:blipFill>
-            <a:blip r:embed="rId3"/>
-            <a:stretch>
-              <a:fillRect/>
-            </a:stretch>
-          </p:blipFill>
-          <p:spPr>
-            <a:xfrm>
-              <a:off x="8939292" y="4854322"/>
-              <a:ext cx="478162" cy="629149"/>
-            </a:xfrm>
-            <a:prstGeom prst="rect">
-              <a:avLst/>
-            </a:prstGeom>
-          </p:spPr>
-        </p:pic>
-        <p:pic>
-          <p:nvPicPr>
-            <p:cNvPr id="27" name="그림 26">
-              <a:extLst>
-                <a:ext uri="{FF2B5EF4-FFF2-40B4-BE49-F238E27FC236}">
-                  <a16:creationId xmlns:a16="http://schemas.microsoft.com/office/drawing/2014/main" id="{2C13FDD1-475C-4AB5-912D-1B0252EB26A6}"/>
-                </a:ext>
-              </a:extLst>
-            </p:cNvPr>
-            <p:cNvPicPr>
-              <a:picLocks noChangeAspect="1"/>
-            </p:cNvPicPr>
-            <p:nvPr/>
-          </p:nvPicPr>
-          <p:blipFill>
-            <a:blip r:embed="rId4">
-              <a:duotone>
+          <a:prstGeom prst="rect">
+            <a:avLst/>
+          </a:prstGeom>
+          <a:noFill/>
+        </p:spPr>
+        <p:txBody>
+          <a:bodyPr wrap="square" rtlCol="0">
+            <a:spAutoFit/>
+          </a:bodyPr>
+          <a:lstStyle/>
+          <a:p>
+            <a:pPr algn="r"/>
+            <a:r>
+              <a:rPr lang="en-US" altLang="ko-KR" sz="1200" b="1" dirty="0">
+                <a:solidFill>
+                  <a:schemeClr val="bg1"/>
+                </a:solidFill>
+              </a:rPr>
+              <a:t>Introduction</a:t>
+            </a:r>
+            <a:endParaRPr lang="ko-KR" altLang="en-US" sz="1200" b="1" dirty="0">
+              <a:solidFill>
                 <a:schemeClr val="bg2">
-                  <a:shade val="45000"/>
-                  <a:satMod val="135000"/>
+                  <a:lumMod val="50000"/>
                 </a:schemeClr>
-                <a:prstClr val="white"/>
-              </a:duotone>
-            </a:blip>
-            <a:stretch>
-              <a:fillRect/>
-            </a:stretch>
-          </p:blipFill>
-          <p:spPr>
-            <a:xfrm>
-              <a:off x="10353908" y="5340422"/>
-              <a:ext cx="766577" cy="767255"/>
-            </a:xfrm>
-            <a:prstGeom prst="rect">
-              <a:avLst/>
-            </a:prstGeom>
-          </p:spPr>
-        </p:pic>
-        <p:pic>
-          <p:nvPicPr>
-            <p:cNvPr id="28" name="그림 27">
-              <a:extLst>
-                <a:ext uri="{FF2B5EF4-FFF2-40B4-BE49-F238E27FC236}">
-                  <a16:creationId xmlns:a16="http://schemas.microsoft.com/office/drawing/2014/main" id="{AD80007A-1464-49CD-80BC-E2B9451FAEC8}"/>
-                </a:ext>
-              </a:extLst>
-            </p:cNvPr>
-            <p:cNvPicPr>
-              <a:picLocks noChangeAspect="1"/>
-            </p:cNvPicPr>
-            <p:nvPr/>
-          </p:nvPicPr>
-          <p:blipFill>
-            <a:blip r:embed="rId5">
-              <a:duotone>
-                <a:schemeClr val="bg2">
-                  <a:shade val="45000"/>
-                  <a:satMod val="135000"/>
-                </a:schemeClr>
-                <a:prstClr val="white"/>
-              </a:duotone>
-            </a:blip>
-            <a:stretch>
-              <a:fillRect/>
-            </a:stretch>
-          </p:blipFill>
-          <p:spPr>
-            <a:xfrm flipH="1">
-              <a:off x="7660414" y="5438247"/>
-              <a:ext cx="342426" cy="700178"/>
-            </a:xfrm>
-            <a:prstGeom prst="rect">
-              <a:avLst/>
-            </a:prstGeom>
-          </p:spPr>
-        </p:pic>
-        <p:sp>
-          <p:nvSpPr>
-            <p:cNvPr id="29" name="TextBox 25">
-              <a:extLst>
-                <a:ext uri="{FF2B5EF4-FFF2-40B4-BE49-F238E27FC236}">
-                  <a16:creationId xmlns:a16="http://schemas.microsoft.com/office/drawing/2014/main" id="{755B9986-BC88-4716-9CBF-4B9859D73600}"/>
-                </a:ext>
-              </a:extLst>
-            </p:cNvPr>
-            <p:cNvSpPr txBox="1"/>
-            <p:nvPr/>
-          </p:nvSpPr>
-          <p:spPr>
-            <a:xfrm>
-              <a:off x="7255571" y="6138425"/>
-              <a:ext cx="1152111" cy="338554"/>
-            </a:xfrm>
-            <a:prstGeom prst="rect">
-              <a:avLst/>
-            </a:prstGeom>
-            <a:noFill/>
-          </p:spPr>
-          <p:txBody>
-            <a:bodyPr wrap="square" rtlCol="0">
-              <a:spAutoFit/>
-            </a:bodyPr>
-            <a:lstStyle>
-              <a:defPPr>
-                <a:defRPr lang="ko-KR"/>
-              </a:defPPr>
-              <a:lvl1pPr marL="0" algn="l" defTabSz="914400" rtl="0" eaLnBrk="1" latinLnBrk="1" hangingPunct="1">
-                <a:defRPr sz="1800" kern="1200">
-                  <a:solidFill>
-                    <a:schemeClr val="tx1"/>
-                  </a:solidFill>
-                  <a:latin typeface="+mn-lt"/>
-                  <a:ea typeface="+mn-ea"/>
-                  <a:cs typeface="+mn-cs"/>
-                </a:defRPr>
-              </a:lvl1pPr>
-              <a:lvl2pPr marL="457200" algn="l" defTabSz="914400" rtl="0" eaLnBrk="1" latinLnBrk="1" hangingPunct="1">
-                <a:defRPr sz="1800" kern="1200">
-                  <a:solidFill>
-                    <a:schemeClr val="tx1"/>
-                  </a:solidFill>
-                  <a:latin typeface="+mn-lt"/>
-                  <a:ea typeface="+mn-ea"/>
-                  <a:cs typeface="+mn-cs"/>
-                </a:defRPr>
-              </a:lvl2pPr>
-              <a:lvl3pPr marL="914400" algn="l" defTabSz="914400" rtl="0" eaLnBrk="1" latinLnBrk="1" hangingPunct="1">
-                <a:defRPr sz="1800" kern="1200">
-                  <a:solidFill>
-                    <a:schemeClr val="tx1"/>
-                  </a:solidFill>
-                  <a:latin typeface="+mn-lt"/>
-                  <a:ea typeface="+mn-ea"/>
-                  <a:cs typeface="+mn-cs"/>
-                </a:defRPr>
-              </a:lvl3pPr>
-              <a:lvl4pPr marL="1371600" algn="l" defTabSz="914400" rtl="0" eaLnBrk="1" latinLnBrk="1" hangingPunct="1">
-                <a:defRPr sz="1800" kern="1200">
-                  <a:solidFill>
-                    <a:schemeClr val="tx1"/>
-                  </a:solidFill>
-                  <a:latin typeface="+mn-lt"/>
-                  <a:ea typeface="+mn-ea"/>
-                  <a:cs typeface="+mn-cs"/>
-                </a:defRPr>
-              </a:lvl4pPr>
-              <a:lvl5pPr marL="1828800" algn="l" defTabSz="914400" rtl="0" eaLnBrk="1" latinLnBrk="1" hangingPunct="1">
-                <a:defRPr sz="1800" kern="1200">
-                  <a:solidFill>
-                    <a:schemeClr val="tx1"/>
-                  </a:solidFill>
-                  <a:latin typeface="+mn-lt"/>
-                  <a:ea typeface="+mn-ea"/>
-                  <a:cs typeface="+mn-cs"/>
-                </a:defRPr>
-              </a:lvl5pPr>
-              <a:lvl6pPr marL="2286000" algn="l" defTabSz="914400" rtl="0" eaLnBrk="1" latinLnBrk="1" hangingPunct="1">
-                <a:defRPr sz="1800" kern="1200">
-                  <a:solidFill>
-                    <a:schemeClr val="tx1"/>
-                  </a:solidFill>
-                  <a:latin typeface="+mn-lt"/>
-                  <a:ea typeface="+mn-ea"/>
-                  <a:cs typeface="+mn-cs"/>
-                </a:defRPr>
-              </a:lvl6pPr>
-              <a:lvl7pPr marL="2743200" algn="l" defTabSz="914400" rtl="0" eaLnBrk="1" latinLnBrk="1" hangingPunct="1">
-                <a:defRPr sz="1800" kern="1200">
-                  <a:solidFill>
-                    <a:schemeClr val="tx1"/>
-                  </a:solidFill>
-                  <a:latin typeface="+mn-lt"/>
-                  <a:ea typeface="+mn-ea"/>
-                  <a:cs typeface="+mn-cs"/>
-                </a:defRPr>
-              </a:lvl7pPr>
-              <a:lvl8pPr marL="3200400" algn="l" defTabSz="914400" rtl="0" eaLnBrk="1" latinLnBrk="1" hangingPunct="1">
-                <a:defRPr sz="1800" kern="1200">
-                  <a:solidFill>
-                    <a:schemeClr val="tx1"/>
-                  </a:solidFill>
-                  <a:latin typeface="+mn-lt"/>
-                  <a:ea typeface="+mn-ea"/>
-                  <a:cs typeface="+mn-cs"/>
-                </a:defRPr>
-              </a:lvl8pPr>
-              <a:lvl9pPr marL="3657600" algn="l" defTabSz="914400" rtl="0" eaLnBrk="1" latinLnBrk="1" hangingPunct="1">
-                <a:defRPr sz="1800" kern="1200">
-                  <a:solidFill>
-                    <a:schemeClr val="tx1"/>
-                  </a:solidFill>
-                  <a:latin typeface="+mn-lt"/>
-                  <a:ea typeface="+mn-ea"/>
-                  <a:cs typeface="+mn-cs"/>
-                </a:defRPr>
-              </a:lvl9pPr>
-            </a:lstStyle>
-            <a:p>
-              <a:pPr marL="0" marR="0" lvl="0" indent="0" algn="ctr" defTabSz="914400" eaLnBrk="1" fontAlgn="auto" latinLnBrk="0" hangingPunct="1">
-                <a:lnSpc>
-                  <a:spcPct val="100000"/>
-                </a:lnSpc>
-                <a:spcBef>
-                  <a:spcPts val="0"/>
-                </a:spcBef>
-                <a:spcAft>
-                  <a:spcPts val="0"/>
-                </a:spcAft>
-                <a:buClrTx/>
-                <a:buSzTx/>
-                <a:buFontTx/>
-                <a:buNone/>
-                <a:tabLst/>
-                <a:defRPr/>
-              </a:pPr>
-              <a:r>
-                <a:rPr kumimoji="0" lang="en-US" altLang="ko-KR" sz="1600" b="1" i="0" u="none" strike="noStrike" kern="0" cap="none" spc="0" normalizeH="0" baseline="0" noProof="0" dirty="0">
-                  <a:ln>
-                    <a:noFill/>
-                  </a:ln>
-                  <a:solidFill>
-                    <a:srgbClr val="000000"/>
-                  </a:solidFill>
-                  <a:effectLst/>
-                  <a:uLnTx/>
-                  <a:uFillTx/>
-                </a:rPr>
-                <a:t>Alice</a:t>
-              </a:r>
-              <a:endParaRPr kumimoji="0" lang="ko-KR" altLang="en-US" sz="1600" b="1" i="0" u="none" strike="noStrike" kern="0" cap="none" spc="0" normalizeH="0" baseline="0" noProof="0" dirty="0">
-                <a:ln>
-                  <a:noFill/>
-                </a:ln>
+              </a:solidFill>
+            </a:endParaRPr>
+          </a:p>
+        </p:txBody>
+      </p:sp>
+      <p:sp>
+        <p:nvSpPr>
+          <p:cNvPr id="23" name="TextBox 22">
+            <a:extLst>
+              <a:ext uri="{FF2B5EF4-FFF2-40B4-BE49-F238E27FC236}">
+                <a16:creationId xmlns:a16="http://schemas.microsoft.com/office/drawing/2014/main" id="{47888EB9-8F89-AD08-917F-937591F1AD71}"/>
+              </a:ext>
+            </a:extLst>
+          </p:cNvPr>
+          <p:cNvSpPr txBox="1"/>
+          <p:nvPr/>
+        </p:nvSpPr>
+        <p:spPr>
+          <a:xfrm>
+            <a:off x="7944592" y="3618016"/>
+            <a:ext cx="918359" cy="338554"/>
+          </a:xfrm>
+          <a:prstGeom prst="rect">
+            <a:avLst/>
+          </a:prstGeom>
+          <a:noFill/>
+        </p:spPr>
+        <p:txBody>
+          <a:bodyPr wrap="square" rtlCol="0">
+            <a:spAutoFit/>
+          </a:bodyPr>
+          <a:lstStyle/>
+          <a:p>
+            <a:r>
+              <a:rPr lang="en-US" sz="1600" dirty="0">
                 <a:solidFill>
-                  <a:srgbClr val="000000"/>
+                  <a:schemeClr val="accent6">
+                    <a:lumMod val="50000"/>
+                  </a:schemeClr>
                 </a:solidFill>
-                <a:effectLst/>
-                <a:uLnTx/>
-                <a:uFillTx/>
-              </a:endParaRPr>
-            </a:p>
-          </p:txBody>
-        </p:sp>
-        <p:sp>
-          <p:nvSpPr>
-            <p:cNvPr id="30" name="TextBox 26">
-              <a:extLst>
-                <a:ext uri="{FF2B5EF4-FFF2-40B4-BE49-F238E27FC236}">
-                  <a16:creationId xmlns:a16="http://schemas.microsoft.com/office/drawing/2014/main" id="{61F73FE5-BEC2-448A-A4FC-C37EE8EC0D1F}"/>
-                </a:ext>
-              </a:extLst>
-            </p:cNvPr>
-            <p:cNvSpPr txBox="1"/>
-            <p:nvPr/>
-          </p:nvSpPr>
-          <p:spPr>
-            <a:xfrm>
-              <a:off x="10161140" y="6138425"/>
-              <a:ext cx="1152111" cy="338554"/>
-            </a:xfrm>
-            <a:prstGeom prst="rect">
-              <a:avLst/>
-            </a:prstGeom>
-            <a:noFill/>
-          </p:spPr>
-          <p:txBody>
-            <a:bodyPr wrap="square" rtlCol="0">
-              <a:spAutoFit/>
-            </a:bodyPr>
-            <a:lstStyle>
-              <a:defPPr>
-                <a:defRPr lang="ko-KR"/>
-              </a:defPPr>
-              <a:lvl1pPr marL="0" algn="l" defTabSz="914400" rtl="0" eaLnBrk="1" latinLnBrk="1" hangingPunct="1">
-                <a:defRPr sz="1800" kern="1200">
-                  <a:solidFill>
-                    <a:schemeClr val="tx1"/>
-                  </a:solidFill>
-                  <a:latin typeface="+mn-lt"/>
-                  <a:ea typeface="+mn-ea"/>
-                  <a:cs typeface="+mn-cs"/>
-                </a:defRPr>
-              </a:lvl1pPr>
-              <a:lvl2pPr marL="457200" algn="l" defTabSz="914400" rtl="0" eaLnBrk="1" latinLnBrk="1" hangingPunct="1">
-                <a:defRPr sz="1800" kern="1200">
-                  <a:solidFill>
-                    <a:schemeClr val="tx1"/>
-                  </a:solidFill>
-                  <a:latin typeface="+mn-lt"/>
-                  <a:ea typeface="+mn-ea"/>
-                  <a:cs typeface="+mn-cs"/>
-                </a:defRPr>
-              </a:lvl2pPr>
-              <a:lvl3pPr marL="914400" algn="l" defTabSz="914400" rtl="0" eaLnBrk="1" latinLnBrk="1" hangingPunct="1">
-                <a:defRPr sz="1800" kern="1200">
-                  <a:solidFill>
-                    <a:schemeClr val="tx1"/>
-                  </a:solidFill>
-                  <a:latin typeface="+mn-lt"/>
-                  <a:ea typeface="+mn-ea"/>
-                  <a:cs typeface="+mn-cs"/>
-                </a:defRPr>
-              </a:lvl3pPr>
-              <a:lvl4pPr marL="1371600" algn="l" defTabSz="914400" rtl="0" eaLnBrk="1" latinLnBrk="1" hangingPunct="1">
-                <a:defRPr sz="1800" kern="1200">
-                  <a:solidFill>
-                    <a:schemeClr val="tx1"/>
-                  </a:solidFill>
-                  <a:latin typeface="+mn-lt"/>
-                  <a:ea typeface="+mn-ea"/>
-                  <a:cs typeface="+mn-cs"/>
-                </a:defRPr>
-              </a:lvl4pPr>
-              <a:lvl5pPr marL="1828800" algn="l" defTabSz="914400" rtl="0" eaLnBrk="1" latinLnBrk="1" hangingPunct="1">
-                <a:defRPr sz="1800" kern="1200">
-                  <a:solidFill>
-                    <a:schemeClr val="tx1"/>
-                  </a:solidFill>
-                  <a:latin typeface="+mn-lt"/>
-                  <a:ea typeface="+mn-ea"/>
-                  <a:cs typeface="+mn-cs"/>
-                </a:defRPr>
-              </a:lvl5pPr>
-              <a:lvl6pPr marL="2286000" algn="l" defTabSz="914400" rtl="0" eaLnBrk="1" latinLnBrk="1" hangingPunct="1">
-                <a:defRPr sz="1800" kern="1200">
-                  <a:solidFill>
-                    <a:schemeClr val="tx1"/>
-                  </a:solidFill>
-                  <a:latin typeface="+mn-lt"/>
-                  <a:ea typeface="+mn-ea"/>
-                  <a:cs typeface="+mn-cs"/>
-                </a:defRPr>
-              </a:lvl6pPr>
-              <a:lvl7pPr marL="2743200" algn="l" defTabSz="914400" rtl="0" eaLnBrk="1" latinLnBrk="1" hangingPunct="1">
-                <a:defRPr sz="1800" kern="1200">
-                  <a:solidFill>
-                    <a:schemeClr val="tx1"/>
-                  </a:solidFill>
-                  <a:latin typeface="+mn-lt"/>
-                  <a:ea typeface="+mn-ea"/>
-                  <a:cs typeface="+mn-cs"/>
-                </a:defRPr>
-              </a:lvl7pPr>
-              <a:lvl8pPr marL="3200400" algn="l" defTabSz="914400" rtl="0" eaLnBrk="1" latinLnBrk="1" hangingPunct="1">
-                <a:defRPr sz="1800" kern="1200">
-                  <a:solidFill>
-                    <a:schemeClr val="tx1"/>
-                  </a:solidFill>
-                  <a:latin typeface="+mn-lt"/>
-                  <a:ea typeface="+mn-ea"/>
-                  <a:cs typeface="+mn-cs"/>
-                </a:defRPr>
-              </a:lvl8pPr>
-              <a:lvl9pPr marL="3657600" algn="l" defTabSz="914400" rtl="0" eaLnBrk="1" latinLnBrk="1" hangingPunct="1">
-                <a:defRPr sz="1800" kern="1200">
-                  <a:solidFill>
-                    <a:schemeClr val="tx1"/>
-                  </a:solidFill>
-                  <a:latin typeface="+mn-lt"/>
-                  <a:ea typeface="+mn-ea"/>
-                  <a:cs typeface="+mn-cs"/>
-                </a:defRPr>
-              </a:lvl9pPr>
-            </a:lstStyle>
-            <a:p>
-              <a:pPr marL="0" marR="0" lvl="0" indent="0" algn="ctr" defTabSz="914400" eaLnBrk="1" fontAlgn="auto" latinLnBrk="0" hangingPunct="1">
-                <a:lnSpc>
-                  <a:spcPct val="100000"/>
-                </a:lnSpc>
-                <a:spcBef>
-                  <a:spcPts val="0"/>
-                </a:spcBef>
-                <a:spcAft>
-                  <a:spcPts val="0"/>
-                </a:spcAft>
-                <a:buClrTx/>
-                <a:buSzTx/>
-                <a:buFontTx/>
-                <a:buNone/>
-                <a:tabLst/>
-                <a:defRPr/>
-              </a:pPr>
-              <a:r>
-                <a:rPr kumimoji="0" lang="en-US" altLang="ko-KR" sz="1600" b="1" i="0" u="none" strike="noStrike" kern="0" cap="none" spc="0" normalizeH="0" baseline="0" noProof="0" dirty="0">
-                  <a:ln>
-                    <a:noFill/>
-                  </a:ln>
-                  <a:solidFill>
-                    <a:srgbClr val="000000"/>
-                  </a:solidFill>
-                  <a:effectLst/>
-                  <a:uLnTx/>
-                  <a:uFillTx/>
-                </a:rPr>
-                <a:t>Bob</a:t>
-              </a:r>
-              <a:endParaRPr kumimoji="0" lang="ko-KR" altLang="en-US" sz="1600" b="1" i="0" u="none" strike="noStrike" kern="0" cap="none" spc="0" normalizeH="0" baseline="0" noProof="0" dirty="0">
-                <a:ln>
-                  <a:noFill/>
-                </a:ln>
+              </a:rPr>
+              <a:t>Carol</a:t>
+            </a:r>
+          </a:p>
+        </p:txBody>
+      </p:sp>
+      <p:sp>
+        <p:nvSpPr>
+          <p:cNvPr id="24" name="TextBox 23">
+            <a:extLst>
+              <a:ext uri="{FF2B5EF4-FFF2-40B4-BE49-F238E27FC236}">
+                <a16:creationId xmlns:a16="http://schemas.microsoft.com/office/drawing/2014/main" id="{A7747A7E-835F-209F-E14F-121455B73A5A}"/>
+              </a:ext>
+            </a:extLst>
+          </p:cNvPr>
+          <p:cNvSpPr txBox="1"/>
+          <p:nvPr/>
+        </p:nvSpPr>
+        <p:spPr>
+          <a:xfrm>
+            <a:off x="11127179" y="3808021"/>
+            <a:ext cx="732312" cy="338554"/>
+          </a:xfrm>
+          <a:prstGeom prst="rect">
+            <a:avLst/>
+          </a:prstGeom>
+          <a:noFill/>
+        </p:spPr>
+        <p:txBody>
+          <a:bodyPr wrap="square" rtlCol="0">
+            <a:spAutoFit/>
+          </a:bodyPr>
+          <a:lstStyle/>
+          <a:p>
+            <a:r>
+              <a:rPr lang="en-US" sz="1600" dirty="0">
                 <a:solidFill>
-                  <a:srgbClr val="000000"/>
+                  <a:schemeClr val="accent6">
+                    <a:lumMod val="50000"/>
+                  </a:schemeClr>
                 </a:solidFill>
-                <a:effectLst/>
-                <a:uLnTx/>
-                <a:uFillTx/>
-              </a:endParaRPr>
-            </a:p>
-          </p:txBody>
-        </p:sp>
-        <p:sp>
-          <p:nvSpPr>
-            <p:cNvPr id="31" name="TextBox 27">
-              <a:extLst>
-                <a:ext uri="{FF2B5EF4-FFF2-40B4-BE49-F238E27FC236}">
-                  <a16:creationId xmlns:a16="http://schemas.microsoft.com/office/drawing/2014/main" id="{977FE24F-C59F-47E6-98A0-06349276194C}"/>
-                </a:ext>
-              </a:extLst>
-            </p:cNvPr>
-            <p:cNvSpPr txBox="1"/>
-            <p:nvPr/>
-          </p:nvSpPr>
-          <p:spPr>
-            <a:xfrm>
-              <a:off x="8602318" y="5483471"/>
-              <a:ext cx="1152111" cy="338554"/>
-            </a:xfrm>
-            <a:prstGeom prst="rect">
-              <a:avLst/>
-            </a:prstGeom>
-            <a:noFill/>
-          </p:spPr>
-          <p:txBody>
-            <a:bodyPr wrap="square" rtlCol="0">
-              <a:spAutoFit/>
-            </a:bodyPr>
-            <a:lstStyle>
-              <a:defPPr>
-                <a:defRPr lang="ko-KR"/>
-              </a:defPPr>
-              <a:lvl1pPr marL="0" algn="l" defTabSz="914400" rtl="0" eaLnBrk="1" latinLnBrk="1" hangingPunct="1">
-                <a:defRPr sz="1800" kern="1200">
-                  <a:solidFill>
-                    <a:schemeClr val="tx1"/>
-                  </a:solidFill>
-                  <a:latin typeface="+mn-lt"/>
-                  <a:ea typeface="+mn-ea"/>
-                  <a:cs typeface="+mn-cs"/>
-                </a:defRPr>
-              </a:lvl1pPr>
-              <a:lvl2pPr marL="457200" algn="l" defTabSz="914400" rtl="0" eaLnBrk="1" latinLnBrk="1" hangingPunct="1">
-                <a:defRPr sz="1800" kern="1200">
-                  <a:solidFill>
-                    <a:schemeClr val="tx1"/>
-                  </a:solidFill>
-                  <a:latin typeface="+mn-lt"/>
-                  <a:ea typeface="+mn-ea"/>
-                  <a:cs typeface="+mn-cs"/>
-                </a:defRPr>
-              </a:lvl2pPr>
-              <a:lvl3pPr marL="914400" algn="l" defTabSz="914400" rtl="0" eaLnBrk="1" latinLnBrk="1" hangingPunct="1">
-                <a:defRPr sz="1800" kern="1200">
-                  <a:solidFill>
-                    <a:schemeClr val="tx1"/>
-                  </a:solidFill>
-                  <a:latin typeface="+mn-lt"/>
-                  <a:ea typeface="+mn-ea"/>
-                  <a:cs typeface="+mn-cs"/>
-                </a:defRPr>
-              </a:lvl3pPr>
-              <a:lvl4pPr marL="1371600" algn="l" defTabSz="914400" rtl="0" eaLnBrk="1" latinLnBrk="1" hangingPunct="1">
-                <a:defRPr sz="1800" kern="1200">
-                  <a:solidFill>
-                    <a:schemeClr val="tx1"/>
-                  </a:solidFill>
-                  <a:latin typeface="+mn-lt"/>
-                  <a:ea typeface="+mn-ea"/>
-                  <a:cs typeface="+mn-cs"/>
-                </a:defRPr>
-              </a:lvl4pPr>
-              <a:lvl5pPr marL="1828800" algn="l" defTabSz="914400" rtl="0" eaLnBrk="1" latinLnBrk="1" hangingPunct="1">
-                <a:defRPr sz="1800" kern="1200">
-                  <a:solidFill>
-                    <a:schemeClr val="tx1"/>
-                  </a:solidFill>
-                  <a:latin typeface="+mn-lt"/>
-                  <a:ea typeface="+mn-ea"/>
-                  <a:cs typeface="+mn-cs"/>
-                </a:defRPr>
-              </a:lvl5pPr>
-              <a:lvl6pPr marL="2286000" algn="l" defTabSz="914400" rtl="0" eaLnBrk="1" latinLnBrk="1" hangingPunct="1">
-                <a:defRPr sz="1800" kern="1200">
-                  <a:solidFill>
-                    <a:schemeClr val="tx1"/>
-                  </a:solidFill>
-                  <a:latin typeface="+mn-lt"/>
-                  <a:ea typeface="+mn-ea"/>
-                  <a:cs typeface="+mn-cs"/>
-                </a:defRPr>
-              </a:lvl6pPr>
-              <a:lvl7pPr marL="2743200" algn="l" defTabSz="914400" rtl="0" eaLnBrk="1" latinLnBrk="1" hangingPunct="1">
-                <a:defRPr sz="1800" kern="1200">
-                  <a:solidFill>
-                    <a:schemeClr val="tx1"/>
-                  </a:solidFill>
-                  <a:latin typeface="+mn-lt"/>
-                  <a:ea typeface="+mn-ea"/>
-                  <a:cs typeface="+mn-cs"/>
-                </a:defRPr>
-              </a:lvl7pPr>
-              <a:lvl8pPr marL="3200400" algn="l" defTabSz="914400" rtl="0" eaLnBrk="1" latinLnBrk="1" hangingPunct="1">
-                <a:defRPr sz="1800" kern="1200">
-                  <a:solidFill>
-                    <a:schemeClr val="tx1"/>
-                  </a:solidFill>
-                  <a:latin typeface="+mn-lt"/>
-                  <a:ea typeface="+mn-ea"/>
-                  <a:cs typeface="+mn-cs"/>
-                </a:defRPr>
-              </a:lvl8pPr>
-              <a:lvl9pPr marL="3657600" algn="l" defTabSz="914400" rtl="0" eaLnBrk="1" latinLnBrk="1" hangingPunct="1">
-                <a:defRPr sz="1800" kern="1200">
-                  <a:solidFill>
-                    <a:schemeClr val="tx1"/>
-                  </a:solidFill>
-                  <a:latin typeface="+mn-lt"/>
-                  <a:ea typeface="+mn-ea"/>
-                  <a:cs typeface="+mn-cs"/>
-                </a:defRPr>
-              </a:lvl9pPr>
-            </a:lstStyle>
-            <a:p>
-              <a:pPr marL="0" marR="0" lvl="0" indent="0" algn="ctr" defTabSz="914400" eaLnBrk="1" fontAlgn="auto" latinLnBrk="0" hangingPunct="1">
-                <a:lnSpc>
-                  <a:spcPct val="100000"/>
-                </a:lnSpc>
-                <a:spcBef>
-                  <a:spcPts val="0"/>
-                </a:spcBef>
-                <a:spcAft>
-                  <a:spcPts val="0"/>
-                </a:spcAft>
-                <a:buClrTx/>
-                <a:buSzTx/>
-                <a:buFontTx/>
-                <a:buNone/>
-                <a:tabLst/>
-                <a:defRPr/>
-              </a:pPr>
-              <a:r>
-                <a:rPr kumimoji="0" lang="en-US" altLang="ko-KR" sz="1600" b="1" i="0" u="none" strike="noStrike" kern="0" cap="none" spc="0" normalizeH="0" baseline="0" noProof="0" dirty="0">
-                  <a:ln>
-                    <a:noFill/>
-                  </a:ln>
-                  <a:solidFill>
-                    <a:srgbClr val="000000"/>
-                  </a:solidFill>
-                  <a:effectLst/>
-                  <a:uLnTx/>
-                  <a:uFillTx/>
-                </a:rPr>
-                <a:t>Eve</a:t>
-              </a:r>
-              <a:endParaRPr kumimoji="0" lang="ko-KR" altLang="en-US" sz="1600" b="1" i="0" u="none" strike="noStrike" kern="0" cap="none" spc="0" normalizeH="0" baseline="0" noProof="0" dirty="0">
-                <a:ln>
-                  <a:noFill/>
-                </a:ln>
+              </a:rPr>
+              <a:t>Bob</a:t>
+            </a:r>
+          </a:p>
+        </p:txBody>
+      </p:sp>
+      <p:sp>
+        <p:nvSpPr>
+          <p:cNvPr id="25" name="TextBox 24">
+            <a:extLst>
+              <a:ext uri="{FF2B5EF4-FFF2-40B4-BE49-F238E27FC236}">
+                <a16:creationId xmlns:a16="http://schemas.microsoft.com/office/drawing/2014/main" id="{EEEB49B3-0813-D835-9126-B63D3AED0347}"/>
+              </a:ext>
+            </a:extLst>
+          </p:cNvPr>
+          <p:cNvSpPr txBox="1"/>
+          <p:nvPr/>
+        </p:nvSpPr>
+        <p:spPr>
+          <a:xfrm>
+            <a:off x="10026732" y="2561112"/>
+            <a:ext cx="724395" cy="338554"/>
+          </a:xfrm>
+          <a:prstGeom prst="rect">
+            <a:avLst/>
+          </a:prstGeom>
+          <a:noFill/>
+        </p:spPr>
+        <p:txBody>
+          <a:bodyPr wrap="square" rtlCol="0">
+            <a:spAutoFit/>
+          </a:bodyPr>
+          <a:lstStyle/>
+          <a:p>
+            <a:r>
+              <a:rPr lang="en-US" sz="1600" dirty="0">
                 <a:solidFill>
-                  <a:srgbClr val="000000"/>
+                  <a:schemeClr val="accent6">
+                    <a:lumMod val="50000"/>
+                  </a:schemeClr>
                 </a:solidFill>
-                <a:effectLst/>
-                <a:uLnTx/>
-                <a:uFillTx/>
-              </a:endParaRPr>
-            </a:p>
-          </p:txBody>
-        </p:sp>
-        <p:sp>
-          <p:nvSpPr>
-            <p:cNvPr id="32" name="화살표: 오른쪽 31">
-              <a:extLst>
-                <a:ext uri="{FF2B5EF4-FFF2-40B4-BE49-F238E27FC236}">
-                  <a16:creationId xmlns:a16="http://schemas.microsoft.com/office/drawing/2014/main" id="{960D4155-9BF2-45E9-8AF8-131E5019A3D2}"/>
-                </a:ext>
-              </a:extLst>
-            </p:cNvPr>
-            <p:cNvSpPr/>
-            <p:nvPr/>
-          </p:nvSpPr>
-          <p:spPr bwMode="auto">
-            <a:xfrm>
-              <a:off x="8259825" y="5850935"/>
-              <a:ext cx="1999619" cy="292917"/>
-            </a:xfrm>
-            <a:prstGeom prst="rightArrow">
-              <a:avLst>
-                <a:gd name="adj1" fmla="val 27297"/>
-                <a:gd name="adj2" fmla="val 92569"/>
-              </a:avLst>
-            </a:prstGeom>
-            <a:solidFill>
-              <a:srgbClr val="92D050"/>
-            </a:solidFill>
-            <a:ln w="19050" cap="flat" cmpd="sng" algn="ctr">
-              <a:noFill/>
-              <a:prstDash val="solid"/>
-              <a:round/>
-              <a:headEnd type="none" w="med" len="med"/>
-              <a:tailEnd type="none" w="med" len="med"/>
-            </a:ln>
-            <a:effectLst/>
-          </p:spPr>
-          <p:txBody>
-            <a:bodyPr vert="horz" wrap="none" lIns="91440" tIns="45720" rIns="91440" bIns="45720" numCol="1" rtlCol="0" anchor="ctr" anchorCtr="0" compatLnSpc="1">
-              <a:prstTxWarp prst="textNoShape">
-                <a:avLst/>
-              </a:prstTxWarp>
-            </a:bodyPr>
-            <a:lstStyle>
-              <a:defPPr>
-                <a:defRPr lang="ko-KR"/>
-              </a:defPPr>
-              <a:lvl1pPr marL="0" algn="l" defTabSz="914400" rtl="0" eaLnBrk="1" latinLnBrk="1" hangingPunct="1">
-                <a:defRPr sz="1800" kern="1200">
-                  <a:solidFill>
-                    <a:schemeClr val="tx1"/>
-                  </a:solidFill>
-                  <a:latin typeface="+mn-lt"/>
-                  <a:ea typeface="+mn-ea"/>
-                  <a:cs typeface="+mn-cs"/>
-                </a:defRPr>
-              </a:lvl1pPr>
-              <a:lvl2pPr marL="457200" algn="l" defTabSz="914400" rtl="0" eaLnBrk="1" latinLnBrk="1" hangingPunct="1">
-                <a:defRPr sz="1800" kern="1200">
-                  <a:solidFill>
-                    <a:schemeClr val="tx1"/>
-                  </a:solidFill>
-                  <a:latin typeface="+mn-lt"/>
-                  <a:ea typeface="+mn-ea"/>
-                  <a:cs typeface="+mn-cs"/>
-                </a:defRPr>
-              </a:lvl2pPr>
-              <a:lvl3pPr marL="914400" algn="l" defTabSz="914400" rtl="0" eaLnBrk="1" latinLnBrk="1" hangingPunct="1">
-                <a:defRPr sz="1800" kern="1200">
-                  <a:solidFill>
-                    <a:schemeClr val="tx1"/>
-                  </a:solidFill>
-                  <a:latin typeface="+mn-lt"/>
-                  <a:ea typeface="+mn-ea"/>
-                  <a:cs typeface="+mn-cs"/>
-                </a:defRPr>
-              </a:lvl3pPr>
-              <a:lvl4pPr marL="1371600" algn="l" defTabSz="914400" rtl="0" eaLnBrk="1" latinLnBrk="1" hangingPunct="1">
-                <a:defRPr sz="1800" kern="1200">
-                  <a:solidFill>
-                    <a:schemeClr val="tx1"/>
-                  </a:solidFill>
-                  <a:latin typeface="+mn-lt"/>
-                  <a:ea typeface="+mn-ea"/>
-                  <a:cs typeface="+mn-cs"/>
-                </a:defRPr>
-              </a:lvl4pPr>
-              <a:lvl5pPr marL="1828800" algn="l" defTabSz="914400" rtl="0" eaLnBrk="1" latinLnBrk="1" hangingPunct="1">
-                <a:defRPr sz="1800" kern="1200">
-                  <a:solidFill>
-                    <a:schemeClr val="tx1"/>
-                  </a:solidFill>
-                  <a:latin typeface="+mn-lt"/>
-                  <a:ea typeface="+mn-ea"/>
-                  <a:cs typeface="+mn-cs"/>
-                </a:defRPr>
-              </a:lvl5pPr>
-              <a:lvl6pPr marL="2286000" algn="l" defTabSz="914400" rtl="0" eaLnBrk="1" latinLnBrk="1" hangingPunct="1">
-                <a:defRPr sz="1800" kern="1200">
-                  <a:solidFill>
-                    <a:schemeClr val="tx1"/>
-                  </a:solidFill>
-                  <a:latin typeface="+mn-lt"/>
-                  <a:ea typeface="+mn-ea"/>
-                  <a:cs typeface="+mn-cs"/>
-                </a:defRPr>
-              </a:lvl6pPr>
-              <a:lvl7pPr marL="2743200" algn="l" defTabSz="914400" rtl="0" eaLnBrk="1" latinLnBrk="1" hangingPunct="1">
-                <a:defRPr sz="1800" kern="1200">
-                  <a:solidFill>
-                    <a:schemeClr val="tx1"/>
-                  </a:solidFill>
-                  <a:latin typeface="+mn-lt"/>
-                  <a:ea typeface="+mn-ea"/>
-                  <a:cs typeface="+mn-cs"/>
-                </a:defRPr>
-              </a:lvl7pPr>
-              <a:lvl8pPr marL="3200400" algn="l" defTabSz="914400" rtl="0" eaLnBrk="1" latinLnBrk="1" hangingPunct="1">
-                <a:defRPr sz="1800" kern="1200">
-                  <a:solidFill>
-                    <a:schemeClr val="tx1"/>
-                  </a:solidFill>
-                  <a:latin typeface="+mn-lt"/>
-                  <a:ea typeface="+mn-ea"/>
-                  <a:cs typeface="+mn-cs"/>
-                </a:defRPr>
-              </a:lvl8pPr>
-              <a:lvl9pPr marL="3657600" algn="l" defTabSz="914400" rtl="0" eaLnBrk="1" latinLnBrk="1" hangingPunct="1">
-                <a:defRPr sz="1800" kern="1200">
-                  <a:solidFill>
-                    <a:schemeClr val="tx1"/>
-                  </a:solidFill>
-                  <a:latin typeface="+mn-lt"/>
-                  <a:ea typeface="+mn-ea"/>
-                  <a:cs typeface="+mn-cs"/>
-                </a:defRPr>
-              </a:lvl9pPr>
-            </a:lstStyle>
-            <a:p>
-              <a:pPr marL="0" marR="0" indent="0" algn="ctr" defTabSz="914400" rtl="0" eaLnBrk="1" fontAlgn="base" latinLnBrk="0" hangingPunct="1">
-                <a:lnSpc>
-                  <a:spcPct val="100000"/>
-                </a:lnSpc>
-                <a:spcBef>
-                  <a:spcPct val="0"/>
-                </a:spcBef>
-                <a:spcAft>
-                  <a:spcPct val="0"/>
-                </a:spcAft>
-                <a:buClrTx/>
-                <a:buSzTx/>
-                <a:buFontTx/>
-                <a:buNone/>
-                <a:tabLst/>
-              </a:pPr>
-              <a:endParaRPr kumimoji="1" lang="ko-KR" altLang="en-US" sz="1400" b="0" i="0" u="none" strike="noStrike" cap="none" normalizeH="0" baseline="0">
-                <a:ln>
-                  <a:noFill/>
-                </a:ln>
+              </a:rPr>
+              <a:t>Alice</a:t>
+            </a:r>
+          </a:p>
+        </p:txBody>
+      </p:sp>
+      <p:sp>
+        <p:nvSpPr>
+          <p:cNvPr id="28" name="TextBox 27">
+            <a:extLst>
+              <a:ext uri="{FF2B5EF4-FFF2-40B4-BE49-F238E27FC236}">
+                <a16:creationId xmlns:a16="http://schemas.microsoft.com/office/drawing/2014/main" id="{D1BC6A6C-6E68-87D0-829D-1FA354400016}"/>
+              </a:ext>
+            </a:extLst>
+          </p:cNvPr>
+          <p:cNvSpPr txBox="1"/>
+          <p:nvPr/>
+        </p:nvSpPr>
+        <p:spPr>
+          <a:xfrm>
+            <a:off x="9555676" y="4140530"/>
+            <a:ext cx="803565" cy="338554"/>
+          </a:xfrm>
+          <a:prstGeom prst="rect">
+            <a:avLst/>
+          </a:prstGeom>
+          <a:noFill/>
+        </p:spPr>
+        <p:txBody>
+          <a:bodyPr wrap="square" rtlCol="0">
+            <a:spAutoFit/>
+          </a:bodyPr>
+          <a:lstStyle/>
+          <a:p>
+            <a:r>
+              <a:rPr lang="en-US" sz="1600" dirty="0">
                 <a:solidFill>
-                  <a:srgbClr val="996600"/>
+                  <a:schemeClr val="accent6">
+                    <a:lumMod val="50000"/>
+                  </a:schemeClr>
                 </a:solidFill>
-                <a:effectLst/>
-                <a:latin typeface="Arial" charset="0"/>
-                <a:ea typeface="HY헤드라인M" pitchFamily="18" charset="-127"/>
-              </a:endParaRPr>
-            </a:p>
-          </p:txBody>
-        </p:sp>
-        <p:sp>
-          <p:nvSpPr>
-            <p:cNvPr id="33" name="화살표: 오른쪽 32">
-              <a:extLst>
-                <a:ext uri="{FF2B5EF4-FFF2-40B4-BE49-F238E27FC236}">
-                  <a16:creationId xmlns:a16="http://schemas.microsoft.com/office/drawing/2014/main" id="{D2D96489-0FC5-4980-8A63-1079BBD117A1}"/>
-                </a:ext>
-              </a:extLst>
-            </p:cNvPr>
-            <p:cNvSpPr/>
-            <p:nvPr/>
-          </p:nvSpPr>
-          <p:spPr bwMode="auto">
-            <a:xfrm rot="19138760">
-              <a:off x="8075864" y="5469092"/>
-              <a:ext cx="790405" cy="292917"/>
-            </a:xfrm>
-            <a:prstGeom prst="rightArrow">
-              <a:avLst>
-                <a:gd name="adj1" fmla="val 27297"/>
-                <a:gd name="adj2" fmla="val 92569"/>
-              </a:avLst>
-            </a:prstGeom>
-            <a:solidFill>
-              <a:srgbClr val="C00000"/>
-            </a:solidFill>
-            <a:ln w="19050" cap="flat" cmpd="sng" algn="ctr">
-              <a:noFill/>
-              <a:prstDash val="solid"/>
-              <a:round/>
-              <a:headEnd type="none" w="med" len="med"/>
-              <a:tailEnd type="none" w="med" len="med"/>
-            </a:ln>
-            <a:effectLst/>
-          </p:spPr>
-          <p:txBody>
-            <a:bodyPr vert="horz" wrap="none" lIns="91440" tIns="45720" rIns="91440" bIns="45720" numCol="1" rtlCol="0" anchor="ctr" anchorCtr="0" compatLnSpc="1">
-              <a:prstTxWarp prst="textNoShape">
-                <a:avLst/>
-              </a:prstTxWarp>
-            </a:bodyPr>
-            <a:lstStyle>
-              <a:defPPr>
-                <a:defRPr lang="ko-KR"/>
-              </a:defPPr>
-              <a:lvl1pPr marL="0" algn="l" defTabSz="914400" rtl="0" eaLnBrk="1" latinLnBrk="1" hangingPunct="1">
-                <a:defRPr sz="1800" kern="1200">
-                  <a:solidFill>
-                    <a:schemeClr val="tx1"/>
-                  </a:solidFill>
-                  <a:latin typeface="+mn-lt"/>
-                  <a:ea typeface="+mn-ea"/>
-                  <a:cs typeface="+mn-cs"/>
-                </a:defRPr>
-              </a:lvl1pPr>
-              <a:lvl2pPr marL="457200" algn="l" defTabSz="914400" rtl="0" eaLnBrk="1" latinLnBrk="1" hangingPunct="1">
-                <a:defRPr sz="1800" kern="1200">
-                  <a:solidFill>
-                    <a:schemeClr val="tx1"/>
-                  </a:solidFill>
-                  <a:latin typeface="+mn-lt"/>
-                  <a:ea typeface="+mn-ea"/>
-                  <a:cs typeface="+mn-cs"/>
-                </a:defRPr>
-              </a:lvl2pPr>
-              <a:lvl3pPr marL="914400" algn="l" defTabSz="914400" rtl="0" eaLnBrk="1" latinLnBrk="1" hangingPunct="1">
-                <a:defRPr sz="1800" kern="1200">
-                  <a:solidFill>
-                    <a:schemeClr val="tx1"/>
-                  </a:solidFill>
-                  <a:latin typeface="+mn-lt"/>
-                  <a:ea typeface="+mn-ea"/>
-                  <a:cs typeface="+mn-cs"/>
-                </a:defRPr>
-              </a:lvl3pPr>
-              <a:lvl4pPr marL="1371600" algn="l" defTabSz="914400" rtl="0" eaLnBrk="1" latinLnBrk="1" hangingPunct="1">
-                <a:defRPr sz="1800" kern="1200">
-                  <a:solidFill>
-                    <a:schemeClr val="tx1"/>
-                  </a:solidFill>
-                  <a:latin typeface="+mn-lt"/>
-                  <a:ea typeface="+mn-ea"/>
-                  <a:cs typeface="+mn-cs"/>
-                </a:defRPr>
-              </a:lvl4pPr>
-              <a:lvl5pPr marL="1828800" algn="l" defTabSz="914400" rtl="0" eaLnBrk="1" latinLnBrk="1" hangingPunct="1">
-                <a:defRPr sz="1800" kern="1200">
-                  <a:solidFill>
-                    <a:schemeClr val="tx1"/>
-                  </a:solidFill>
-                  <a:latin typeface="+mn-lt"/>
-                  <a:ea typeface="+mn-ea"/>
-                  <a:cs typeface="+mn-cs"/>
-                </a:defRPr>
-              </a:lvl5pPr>
-              <a:lvl6pPr marL="2286000" algn="l" defTabSz="914400" rtl="0" eaLnBrk="1" latinLnBrk="1" hangingPunct="1">
-                <a:defRPr sz="1800" kern="1200">
-                  <a:solidFill>
-                    <a:schemeClr val="tx1"/>
-                  </a:solidFill>
-                  <a:latin typeface="+mn-lt"/>
-                  <a:ea typeface="+mn-ea"/>
-                  <a:cs typeface="+mn-cs"/>
-                </a:defRPr>
-              </a:lvl6pPr>
-              <a:lvl7pPr marL="2743200" algn="l" defTabSz="914400" rtl="0" eaLnBrk="1" latinLnBrk="1" hangingPunct="1">
-                <a:defRPr sz="1800" kern="1200">
-                  <a:solidFill>
-                    <a:schemeClr val="tx1"/>
-                  </a:solidFill>
-                  <a:latin typeface="+mn-lt"/>
-                  <a:ea typeface="+mn-ea"/>
-                  <a:cs typeface="+mn-cs"/>
-                </a:defRPr>
-              </a:lvl7pPr>
-              <a:lvl8pPr marL="3200400" algn="l" defTabSz="914400" rtl="0" eaLnBrk="1" latinLnBrk="1" hangingPunct="1">
-                <a:defRPr sz="1800" kern="1200">
-                  <a:solidFill>
-                    <a:schemeClr val="tx1"/>
-                  </a:solidFill>
-                  <a:latin typeface="+mn-lt"/>
-                  <a:ea typeface="+mn-ea"/>
-                  <a:cs typeface="+mn-cs"/>
-                </a:defRPr>
-              </a:lvl8pPr>
-              <a:lvl9pPr marL="3657600" algn="l" defTabSz="914400" rtl="0" eaLnBrk="1" latinLnBrk="1" hangingPunct="1">
-                <a:defRPr sz="1800" kern="1200">
-                  <a:solidFill>
-                    <a:schemeClr val="tx1"/>
-                  </a:solidFill>
-                  <a:latin typeface="+mn-lt"/>
-                  <a:ea typeface="+mn-ea"/>
-                  <a:cs typeface="+mn-cs"/>
-                </a:defRPr>
-              </a:lvl9pPr>
-            </a:lstStyle>
-            <a:p>
-              <a:pPr marL="0" marR="0" indent="0" algn="ctr" defTabSz="914400" rtl="0" eaLnBrk="1" fontAlgn="base" latinLnBrk="0" hangingPunct="1">
-                <a:lnSpc>
-                  <a:spcPct val="100000"/>
-                </a:lnSpc>
-                <a:spcBef>
-                  <a:spcPct val="0"/>
-                </a:spcBef>
-                <a:spcAft>
-                  <a:spcPct val="0"/>
-                </a:spcAft>
-                <a:buClrTx/>
-                <a:buSzTx/>
-                <a:buFontTx/>
-                <a:buNone/>
-                <a:tabLst/>
-              </a:pPr>
-              <a:endParaRPr kumimoji="1" lang="ko-KR" altLang="en-US" sz="1400" b="0" i="0" u="none" strike="noStrike" cap="none" normalizeH="0" baseline="0">
-                <a:ln>
-                  <a:noFill/>
-                </a:ln>
-                <a:solidFill>
-                  <a:srgbClr val="996600"/>
-                </a:solidFill>
-                <a:effectLst/>
-                <a:latin typeface="Arial" charset="0"/>
-                <a:ea typeface="HY헤드라인M" pitchFamily="18" charset="-127"/>
-              </a:endParaRPr>
-            </a:p>
-          </p:txBody>
-        </p:sp>
-        <p:sp>
-          <p:nvSpPr>
-            <p:cNvPr id="34" name="사각형: 둥근 모서리 33">
-              <a:extLst>
-                <a:ext uri="{FF2B5EF4-FFF2-40B4-BE49-F238E27FC236}">
-                  <a16:creationId xmlns:a16="http://schemas.microsoft.com/office/drawing/2014/main" id="{BC7B3359-CAED-4A0B-8C54-0C4F25B0A175}"/>
-                </a:ext>
-              </a:extLst>
-            </p:cNvPr>
-            <p:cNvSpPr/>
-            <p:nvPr/>
-          </p:nvSpPr>
-          <p:spPr>
-            <a:xfrm>
-              <a:off x="7304915" y="5335004"/>
-              <a:ext cx="4037925" cy="1138744"/>
-            </a:xfrm>
-            <a:prstGeom prst="roundRect">
-              <a:avLst/>
-            </a:prstGeom>
-            <a:noFill/>
-            <a:ln w="12700">
-              <a:solidFill>
-                <a:srgbClr val="FF0000"/>
-              </a:solidFill>
-              <a:prstDash val="dash"/>
-            </a:ln>
-          </p:spPr>
-          <p:style>
-            <a:lnRef idx="2">
-              <a:schemeClr val="accent1">
-                <a:shade val="50000"/>
-              </a:schemeClr>
-            </a:lnRef>
-            <a:fillRef idx="1">
-              <a:schemeClr val="accent1"/>
-            </a:fillRef>
-            <a:effectRef idx="0">
-              <a:schemeClr val="accent1"/>
-            </a:effectRef>
-            <a:fontRef idx="minor">
-              <a:schemeClr val="lt1"/>
-            </a:fontRef>
-          </p:style>
-          <p:txBody>
-            <a:bodyPr rtlCol="0" anchor="ctr"/>
-            <a:lstStyle/>
-            <a:p>
-              <a:pPr algn="ctr"/>
-              <a:endParaRPr lang="ko-KR" altLang="en-US"/>
-            </a:p>
-          </p:txBody>
-        </p:sp>
-        <p:sp>
-          <p:nvSpPr>
-            <p:cNvPr id="35" name="타원 34">
-              <a:extLst>
-                <a:ext uri="{FF2B5EF4-FFF2-40B4-BE49-F238E27FC236}">
-                  <a16:creationId xmlns:a16="http://schemas.microsoft.com/office/drawing/2014/main" id="{74846EB2-3DBB-4A36-9AA1-452D4E353FAF}"/>
-                </a:ext>
-              </a:extLst>
-            </p:cNvPr>
-            <p:cNvSpPr/>
-            <p:nvPr/>
-          </p:nvSpPr>
-          <p:spPr>
-            <a:xfrm>
-              <a:off x="8694257" y="4781171"/>
-              <a:ext cx="1020846" cy="1020846"/>
-            </a:xfrm>
-            <a:prstGeom prst="ellipse">
-              <a:avLst/>
-            </a:prstGeom>
-            <a:noFill/>
-            <a:ln w="28575">
-              <a:solidFill>
-                <a:srgbClr val="0000FF"/>
-              </a:solidFill>
-              <a:prstDash val="dash"/>
-            </a:ln>
-          </p:spPr>
-          <p:style>
-            <a:lnRef idx="2">
-              <a:schemeClr val="accent1">
-                <a:shade val="50000"/>
-              </a:schemeClr>
-            </a:lnRef>
-            <a:fillRef idx="1">
-              <a:schemeClr val="accent1"/>
-            </a:fillRef>
-            <a:effectRef idx="0">
-              <a:schemeClr val="accent1"/>
-            </a:effectRef>
-            <a:fontRef idx="minor">
-              <a:schemeClr val="lt1"/>
-            </a:fontRef>
-          </p:style>
-          <p:txBody>
-            <a:bodyPr rtlCol="0" anchor="ctr"/>
-            <a:lstStyle/>
-            <a:p>
-              <a:pPr algn="ctr"/>
-              <a:endParaRPr lang="ko-KR" altLang="en-US"/>
-            </a:p>
-          </p:txBody>
-        </p:sp>
-      </p:grpSp>
+              </a:rPr>
+              <a:t>Willie</a:t>
+            </a:r>
+          </a:p>
+        </p:txBody>
+      </p:sp>
     </p:spTree>
     <p:extLst>
       <p:ext uri="{BB962C8B-B14F-4D97-AF65-F5344CB8AC3E}">
@@ -9725,63 +9403,6 @@
       </p:sp>
       <p:sp>
         <p:nvSpPr>
-          <p:cNvPr id="5" name="TextBox 4">
-            <a:extLst>
-              <a:ext uri="{FF2B5EF4-FFF2-40B4-BE49-F238E27FC236}">
-                <a16:creationId xmlns:a16="http://schemas.microsoft.com/office/drawing/2014/main" id="{4B3C0B50-2BE5-46B5-A7EB-587B99F075AC}"/>
-              </a:ext>
-            </a:extLst>
-          </p:cNvPr>
-          <p:cNvSpPr txBox="1"/>
-          <p:nvPr/>
-        </p:nvSpPr>
-        <p:spPr>
-          <a:xfrm>
-            <a:off x="137160" y="0"/>
-            <a:ext cx="4335879" cy="276999"/>
-          </a:xfrm>
-          <a:prstGeom prst="rect">
-            <a:avLst/>
-          </a:prstGeom>
-          <a:noFill/>
-        </p:spPr>
-        <p:txBody>
-          <a:bodyPr wrap="square" rtlCol="0">
-            <a:spAutoFit/>
-          </a:bodyPr>
-          <a:lstStyle/>
-          <a:p>
-            <a:pPr algn="r"/>
-            <a:r>
-              <a:rPr lang="en-US" altLang="ko-KR" sz="1200" b="1" dirty="0">
-                <a:solidFill>
-                  <a:schemeClr val="bg1"/>
-                </a:solidFill>
-              </a:rPr>
-              <a:t>System Model</a:t>
-            </a:r>
-            <a:r>
-              <a:rPr lang="en-US" altLang="ko-KR" sz="1200" b="1" dirty="0">
-                <a:solidFill>
-                  <a:schemeClr val="bg2">
-                    <a:lumMod val="50000"/>
-                  </a:schemeClr>
-                </a:solidFill>
-              </a:rPr>
-              <a:t> Problem Formulation    Numerical Result  </a:t>
-            </a:r>
-            <a:endParaRPr lang="ko-KR" altLang="en-US" sz="1200" b="1" dirty="0">
-              <a:solidFill>
-                <a:schemeClr val="bg2">
-                  <a:lumMod val="50000"/>
-                </a:schemeClr>
-              </a:solidFill>
-            </a:endParaRPr>
-          </a:p>
-        </p:txBody>
-      </p:sp>
-      <p:sp>
-        <p:nvSpPr>
           <p:cNvPr id="22" name="슬라이드 번호 개체 틀 21">
             <a:extLst>
               <a:ext uri="{FF2B5EF4-FFF2-40B4-BE49-F238E27FC236}">
@@ -9815,58 +9436,6 @@
               <a:t>12</a:t>
             </a:r>
             <a:endParaRPr lang="ko-KR" altLang="en-US" dirty="0"/>
-          </a:p>
-        </p:txBody>
-      </p:sp>
-      <p:sp>
-        <p:nvSpPr>
-          <p:cNvPr id="6" name="Rounded Rectangle 10">
-            <a:extLst>
-              <a:ext uri="{FF2B5EF4-FFF2-40B4-BE49-F238E27FC236}">
-                <a16:creationId xmlns:a16="http://schemas.microsoft.com/office/drawing/2014/main" id="{BA774E7D-A4BD-5FE8-CF10-9B8E49E344D1}"/>
-              </a:ext>
-            </a:extLst>
-          </p:cNvPr>
-          <p:cNvSpPr/>
-          <p:nvPr/>
-        </p:nvSpPr>
-        <p:spPr>
-          <a:xfrm>
-            <a:off x="838200" y="2106612"/>
-            <a:ext cx="10515600" cy="4249737"/>
-          </a:xfrm>
-          <a:prstGeom prst="roundRect">
-            <a:avLst/>
-          </a:prstGeom>
-          <a:noFill/>
-          <a:ln w="28575">
-            <a:solidFill>
-              <a:schemeClr val="tx1"/>
-            </a:solidFill>
-          </a:ln>
-        </p:spPr>
-        <p:style>
-          <a:lnRef idx="2">
-            <a:schemeClr val="accent1">
-              <a:shade val="50000"/>
-            </a:schemeClr>
-          </a:lnRef>
-          <a:fillRef idx="1">
-            <a:schemeClr val="accent1"/>
-          </a:fillRef>
-          <a:effectRef idx="0">
-            <a:schemeClr val="accent1"/>
-          </a:effectRef>
-          <a:fontRef idx="minor">
-            <a:schemeClr val="lt1"/>
-          </a:fontRef>
-        </p:style>
-        <p:txBody>
-          <a:bodyPr rtlCol="0" anchor="ctr"/>
-          <a:lstStyle/>
-          <a:p>
-            <a:pPr algn="ctr"/>
-            <a:endParaRPr lang="en-KR"/>
           </a:p>
         </p:txBody>
       </p:sp>
@@ -11218,8 +10787,50 @@
         </p:nvSpPr>
         <p:spPr>
           <a:xfrm>
-            <a:off x="690112" y="923026"/>
-            <a:ext cx="2751828" cy="369332"/>
+            <a:off x="475014" y="1358454"/>
+            <a:ext cx="3681350" cy="400110"/>
+          </a:xfrm>
+          <a:prstGeom prst="rect">
+            <a:avLst/>
+          </a:prstGeom>
+          <a:noFill/>
+        </p:spPr>
+        <p:txBody>
+          <a:bodyPr wrap="square" rtlCol="0">
+            <a:spAutoFit/>
+          </a:bodyPr>
+          <a:lstStyle/>
+          <a:p>
+            <a:pPr marL="342900" indent="-342900">
+              <a:buFont typeface="Arial" panose="020B0604020202020204" pitchFamily="34" charset="0"/>
+              <a:buChar char="•"/>
+            </a:pPr>
+            <a:r>
+              <a:rPr lang="en-US" sz="2000" b="1" dirty="0">
+                <a:latin typeface="Arial" panose="020B0604020202020204" pitchFamily="34" charset="0"/>
+                <a:cs typeface="Arial" panose="020B0604020202020204" pitchFamily="34" charset="0"/>
+              </a:rPr>
+              <a:t>2.1 Schematic Diagram</a:t>
+            </a:r>
+          </a:p>
+        </p:txBody>
+      </p:sp>
+      <p:sp>
+        <p:nvSpPr>
+          <p:cNvPr id="29" name="TextBox 28">
+            <a:extLst>
+              <a:ext uri="{FF2B5EF4-FFF2-40B4-BE49-F238E27FC236}">
+                <a16:creationId xmlns:a16="http://schemas.microsoft.com/office/drawing/2014/main" id="{3A132FE9-A359-8F0A-5A06-F0C687A8DD39}"/>
+              </a:ext>
+            </a:extLst>
+          </p:cNvPr>
+          <p:cNvSpPr txBox="1"/>
+          <p:nvPr/>
+        </p:nvSpPr>
+        <p:spPr>
+          <a:xfrm>
+            <a:off x="4378036" y="5791200"/>
+            <a:ext cx="3032167" cy="369332"/>
           </a:xfrm>
           <a:prstGeom prst="rect">
             <a:avLst/>
@@ -11234,8 +10845,65 @@
           <a:p>
             <a:r>
               <a:rPr lang="en-US" b="1" dirty="0"/>
-              <a:t>2.1 Schematic Diagram</a:t>
+              <a:t>Figure 1. System Model</a:t>
             </a:r>
+          </a:p>
+        </p:txBody>
+      </p:sp>
+      <p:sp>
+        <p:nvSpPr>
+          <p:cNvPr id="30" name="TextBox 29">
+            <a:extLst>
+              <a:ext uri="{FF2B5EF4-FFF2-40B4-BE49-F238E27FC236}">
+                <a16:creationId xmlns:a16="http://schemas.microsoft.com/office/drawing/2014/main" id="{07B048FD-D974-1A02-906F-82FA636CECC2}"/>
+              </a:ext>
+            </a:extLst>
+          </p:cNvPr>
+          <p:cNvSpPr txBox="1"/>
+          <p:nvPr/>
+        </p:nvSpPr>
+        <p:spPr>
+          <a:xfrm>
+            <a:off x="137160" y="0"/>
+            <a:ext cx="4335879" cy="276999"/>
+          </a:xfrm>
+          <a:prstGeom prst="rect">
+            <a:avLst/>
+          </a:prstGeom>
+          <a:noFill/>
+        </p:spPr>
+        <p:txBody>
+          <a:bodyPr wrap="square" rtlCol="0">
+            <a:spAutoFit/>
+          </a:bodyPr>
+          <a:lstStyle/>
+          <a:p>
+            <a:pPr algn="r"/>
+            <a:r>
+              <a:rPr lang="en-US" altLang="ko-KR" sz="1200" b="1" dirty="0">
+                <a:solidFill>
+                  <a:schemeClr val="bg1"/>
+                </a:solidFill>
+              </a:rPr>
+              <a:t>System Model</a:t>
+            </a:r>
+            <a:r>
+              <a:rPr lang="en-US" altLang="ko-KR" sz="1200" b="1" dirty="0">
+                <a:solidFill>
+                  <a:schemeClr val="bg2">
+                    <a:lumMod val="50000"/>
+                  </a:schemeClr>
+                </a:solidFill>
+              </a:rPr>
+              <a:t> Problem Formulation  Numerical Result  </a:t>
+            </a:r>
+            <a:endParaRPr lang="ko-KR" altLang="en-US" sz="1200" b="1" dirty="0">
+              <a:solidFill>
+                <a:schemeClr val="bg2">
+                  <a:lumMod val="50000"/>
+                </a:schemeClr>
+              </a:solidFill>
+            </a:endParaRPr>
           </a:p>
         </p:txBody>
       </p:sp>
@@ -13505,10 +13173,10 @@
       </mc:AlternateContent>
       <p:sp>
         <p:nvSpPr>
-          <p:cNvPr id="29" name="TextBox 28">
+          <p:cNvPr id="4" name="TextBox 3">
             <a:extLst>
               <a:ext uri="{FF2B5EF4-FFF2-40B4-BE49-F238E27FC236}">
-                <a16:creationId xmlns:a16="http://schemas.microsoft.com/office/drawing/2014/main" id="{722C2EDE-880C-A201-4B2C-A3E7AAABF6CB}"/>
+                <a16:creationId xmlns:a16="http://schemas.microsoft.com/office/drawing/2014/main" id="{5D4699DD-0E38-2D0E-21E3-6DD49507FE54}"/>
               </a:ext>
             </a:extLst>
           </p:cNvPr>
@@ -13548,7 +13216,7 @@
                   </a:schemeClr>
                 </a:solidFill>
               </a:rPr>
-              <a:t> Problem Formulation   Numerical Result  </a:t>
+              <a:t> Problem Formulation  Numerical Result  </a:t>
             </a:r>
             <a:endParaRPr lang="ko-KR" altLang="en-US" sz="1200" b="1" dirty="0">
               <a:solidFill>
@@ -13784,6 +13452,9 @@
                 <a:endParaRPr lang="en-US" altLang="ko-KR" dirty="0"/>
               </a:p>
               <a:p>
+                <a:pPr marL="0" indent="0">
+                  <a:buNone/>
+                </a:pPr>
                 <a:endParaRPr lang="en-US" altLang="ko-KR" dirty="0"/>
               </a:p>
             </p:txBody>
@@ -13884,7 +13555,7 @@
             <p:spPr>
               <a:xfrm>
                 <a:off x="1314203" y="2014848"/>
-                <a:ext cx="9686306" cy="2968830"/>
+                <a:ext cx="9864436" cy="2968830"/>
               </a:xfrm>
               <a:prstGeom prst="rect">
                 <a:avLst/>
@@ -13906,7 +13577,7 @@
                       <m:sSub>
                         <m:sSubPr>
                           <m:ctrlPr>
-                            <a:rPr lang="en-US" i="1">
+                            <a:rPr lang="en-US" i="1" smtClean="0">
                               <a:solidFill>
                                 <a:srgbClr val="000000"/>
                               </a:solidFill>
@@ -14120,6 +13791,15 @@
                           <a:latin typeface="Cambria Math" panose="02040503050406030204" pitchFamily="18" charset="0"/>
                         </a:rPr>
                         <m:t>    </m:t>
+                      </m:r>
+                      <m:r>
+                        <a:rPr lang="en-US" b="0" i="1" smtClean="0">
+                          <a:solidFill>
+                            <a:srgbClr val="000000"/>
+                          </a:solidFill>
+                          <a:latin typeface="Cambria Math" panose="02040503050406030204" pitchFamily="18" charset="0"/>
+                        </a:rPr>
+                        <m:t> </m:t>
                       </m:r>
                       <m:r>
                         <a:rPr lang="en-US" i="1">
@@ -15180,6 +14860,15 @@
                         <m:t>    </m:t>
                       </m:r>
                       <m:r>
+                        <a:rPr lang="en-US" b="0" i="1" smtClean="0">
+                          <a:solidFill>
+                            <a:srgbClr val="000000"/>
+                          </a:solidFill>
+                          <a:latin typeface="Cambria Math" panose="02040503050406030204" pitchFamily="18" charset="0"/>
+                        </a:rPr>
+                        <m:t> </m:t>
+                      </m:r>
+                      <m:r>
                         <a:rPr lang="en-US" i="1">
                           <a:solidFill>
                             <a:srgbClr val="000000"/>
@@ -15931,7 +15620,16 @@
                           </a:solidFill>
                           <a:latin typeface="Cambria Math" panose="02040503050406030204" pitchFamily="18" charset="0"/>
                         </a:rPr>
-                        <m:t>    </m:t>
+                        <m:t>  </m:t>
+                      </m:r>
+                      <m:r>
+                        <a:rPr lang="en-US" b="0" i="1" smtClean="0">
+                          <a:solidFill>
+                            <a:srgbClr val="000000"/>
+                          </a:solidFill>
+                          <a:latin typeface="Cambria Math" panose="02040503050406030204" pitchFamily="18" charset="0"/>
+                        </a:rPr>
+                        <m:t>   </m:t>
                       </m:r>
                       <m:r>
                         <a:rPr lang="en-US" i="1">
@@ -17532,7 +17230,7 @@
             <p:spPr>
               <a:xfrm>
                 <a:off x="1314203" y="2014848"/>
-                <a:ext cx="9686306" cy="2968830"/>
+                <a:ext cx="9864436" cy="2968830"/>
               </a:xfrm>
               <a:prstGeom prst="rect">
                 <a:avLst/>
@@ -17791,10 +17489,10 @@
       </p:sp>
       <p:sp>
         <p:nvSpPr>
-          <p:cNvPr id="20" name="TextBox 19">
+          <p:cNvPr id="11" name="TextBox 10">
             <a:extLst>
               <a:ext uri="{FF2B5EF4-FFF2-40B4-BE49-F238E27FC236}">
-                <a16:creationId xmlns:a16="http://schemas.microsoft.com/office/drawing/2014/main" id="{B44BD0A1-0CB5-EBC3-4F88-AC4943837D4F}"/>
+                <a16:creationId xmlns:a16="http://schemas.microsoft.com/office/drawing/2014/main" id="{99E877AF-2E0E-8A2C-6EFA-B4898C75027E}"/>
               </a:ext>
             </a:extLst>
           </p:cNvPr>
@@ -17834,7 +17532,7 @@
                   </a:schemeClr>
                 </a:solidFill>
               </a:rPr>
-              <a:t> Problem Formulation   Numerical Result  </a:t>
+              <a:t> Problem Formulation  Numerical Result  </a:t>
             </a:r>
             <a:endParaRPr lang="ko-KR" altLang="en-US" sz="1200" b="1" dirty="0">
               <a:solidFill>
@@ -18201,12 +17899,9 @@
                 <a:endParaRPr lang="en-US" altLang="ko-KR" dirty="0"/>
               </a:p>
               <a:p>
-                <a:r>
-                  <a:rPr lang="en-US" altLang="ko-KR" dirty="0"/>
-                  <a:t> </a:t>
-                </a:r>
-              </a:p>
-              <a:p>
+                <a:pPr marL="0" indent="0">
+                  <a:buNone/>
+                </a:pPr>
                 <a:endParaRPr lang="en-US" altLang="ko-KR" dirty="0"/>
               </a:p>
               <a:p>
@@ -20197,6 +19892,18 @@
                         <m:t>   </m:t>
                       </m:r>
                       <m:r>
+                        <m:rPr>
+                          <m:nor/>
+                        </m:rPr>
+                        <a:rPr lang="en-US" b="0" i="0" smtClean="0">
+                          <a:solidFill>
+                            <a:srgbClr val="000000"/>
+                          </a:solidFill>
+                          <a:latin typeface="Cambria Math" panose="02040503050406030204" pitchFamily="18" charset="0"/>
+                        </a:rPr>
+                        <m:t> </m:t>
+                      </m:r>
+                      <m:r>
                         <a:rPr lang="en-US" i="1">
                           <a:solidFill>
                             <a:srgbClr val="000000"/>
@@ -21145,6 +20852,24 @@
                           </m:d>
                         </m:e>
                       </m:func>
+                    </m:oMath>
+                  </m:oMathPara>
+                </a14:m>
+                <a:endParaRPr lang="en-US" i="1" dirty="0">
+                  <a:solidFill>
+                    <a:srgbClr val="000000"/>
+                  </a:solidFill>
+                  <a:latin typeface="Cambria Math" panose="02040503050406030204" pitchFamily="18" charset="0"/>
+                </a:endParaRPr>
+              </a:p>
+              <a:p>
+                <a:pPr/>
+                <a14:m>
+                  <m:oMathPara xmlns:m="http://schemas.openxmlformats.org/officeDocument/2006/math">
+                    <m:oMathParaPr>
+                      <m:jc m:val="left"/>
+                    </m:oMathParaPr>
+                    <m:oMath xmlns:m="http://schemas.openxmlformats.org/officeDocument/2006/math">
                       <m:r>
                         <a:rPr lang="en-US" b="0" i="1" smtClean="0">
                           <a:solidFill>
@@ -21152,7 +20877,7 @@
                           </a:solidFill>
                           <a:latin typeface="Cambria Math" panose="02040503050406030204" pitchFamily="18" charset="0"/>
                         </a:rPr>
-                        <m:t>   </m:t>
+                        <m:t>     </m:t>
                       </m:r>
                       <m:r>
                         <a:rPr lang="en-US" i="1">
@@ -21191,7 +20916,7 @@
                                 <m:rPr>
                                   <m:sty m:val="p"/>
                                 </m:rPr>
-                                <a:rPr lang="en-US" i="0">
+                                <a:rPr lang="en-US">
                                   <a:solidFill>
                                     <a:srgbClr val="000000"/>
                                   </a:solidFill>
@@ -22122,10 +21847,10 @@
       </mc:AlternateContent>
       <p:sp>
         <p:nvSpPr>
-          <p:cNvPr id="10" name="TextBox 9">
+          <p:cNvPr id="5" name="TextBox 4">
             <a:extLst>
               <a:ext uri="{FF2B5EF4-FFF2-40B4-BE49-F238E27FC236}">
-                <a16:creationId xmlns:a16="http://schemas.microsoft.com/office/drawing/2014/main" id="{C19A3203-1B5D-6453-EFB8-AFAF42EE4BBC}"/>
+                <a16:creationId xmlns:a16="http://schemas.microsoft.com/office/drawing/2014/main" id="{E5C4DB56-4E03-1A4A-636C-FB65804C1E86}"/>
               </a:ext>
             </a:extLst>
           </p:cNvPr>
@@ -22165,7 +21890,7 @@
                   </a:schemeClr>
                 </a:solidFill>
               </a:rPr>
-              <a:t> Problem Formulation   Numerical Result  </a:t>
+              <a:t> Problem Formulation  Numerical Result  </a:t>
             </a:r>
             <a:endParaRPr lang="ko-KR" altLang="en-US" sz="1200" b="1" dirty="0">
               <a:solidFill>
@@ -22785,8 +22510,8 @@
             </p:nvSpPr>
             <p:spPr>
               <a:xfrm>
-                <a:off x="6815229" y="3537506"/>
-                <a:ext cx="5187769" cy="369332"/>
+                <a:off x="6503719" y="3301339"/>
+                <a:ext cx="5285523" cy="369332"/>
               </a:xfrm>
               <a:prstGeom prst="rect">
                 <a:avLst/>
@@ -22925,8 +22650,8 @@
             </p:nvSpPr>
             <p:spPr>
               <a:xfrm>
-                <a:off x="6815229" y="3537506"/>
-                <a:ext cx="5187769" cy="369332"/>
+                <a:off x="6503719" y="3301339"/>
+                <a:ext cx="5285523" cy="369332"/>
               </a:xfrm>
               <a:prstGeom prst="rect">
                 <a:avLst/>
@@ -22934,7 +22659,7 @@
               <a:blipFill>
                 <a:blip r:embed="rId4"/>
                 <a:stretch>
-                  <a:fillRect t="-8197" b="-24590"/>
+                  <a:fillRect t="-10000" b="-26667"/>
                 </a:stretch>
               </a:blipFill>
             </p:spPr>
@@ -23944,6 +23669,15 @@
                     </m:oMathParaPr>
                     <m:oMath xmlns:m="http://schemas.openxmlformats.org/officeDocument/2006/math">
                       <m:r>
+                        <a:rPr lang="en-US" b="0" i="1" smtClean="0">
+                          <a:solidFill>
+                            <a:srgbClr val="000000"/>
+                          </a:solidFill>
+                          <a:latin typeface="Cambria Math" panose="02040503050406030204" pitchFamily="18" charset="0"/>
+                        </a:rPr>
+                        <m:t>      </m:t>
+                      </m:r>
+                      <m:r>
                         <a:rPr lang="en-US" i="1">
                           <a:solidFill>
                             <a:srgbClr val="000000"/>
@@ -24769,8 +24503,8 @@
             </p:nvSpPr>
             <p:spPr>
               <a:xfrm>
-                <a:off x="2058988" y="4575175"/>
-                <a:ext cx="8958262" cy="2270125"/>
+                <a:off x="1999013" y="4449289"/>
+                <a:ext cx="9018237" cy="2396012"/>
               </a:xfrm>
               <a:prstGeom prst="rect">
                 <a:avLst/>
@@ -24778,7 +24512,7 @@
             </p:spPr>
             <p:txBody>
               <a:bodyPr>
-                <a:normAutofit fontScale="85000" lnSpcReduction="10000"/>
+                <a:normAutofit/>
               </a:bodyPr>
               <a:lstStyle/>
               <a:p>
@@ -24792,7 +24526,7 @@
                       <m:sSub>
                         <m:sSubPr>
                           <m:ctrlPr>
-                            <a:rPr lang="en-US" i="1">
+                            <a:rPr lang="en-US" sz="1600" i="1" smtClean="0">
                               <a:solidFill>
                                 <a:srgbClr val="000000"/>
                               </a:solidFill>
@@ -24802,7 +24536,7 @@
                         </m:sSubPr>
                         <m:e>
                           <m:r>
-                            <a:rPr lang="en-US" i="1">
+                            <a:rPr lang="en-US" sz="1600" i="1">
                               <a:solidFill>
                                 <a:srgbClr val="000000"/>
                               </a:solidFill>
@@ -24813,7 +24547,7 @@
                         </m:e>
                         <m:sub>
                           <m:r>
-                            <a:rPr lang="en-US" i="1">
+                            <a:rPr lang="en-US" sz="1600" i="1">
                               <a:solidFill>
                                 <a:srgbClr val="000000"/>
                               </a:solidFill>
@@ -24824,7 +24558,7 @@
                         </m:sub>
                       </m:sSub>
                       <m:r>
-                        <a:rPr lang="en-US" i="1">
+                        <a:rPr lang="en-US" sz="1600" i="1">
                           <a:solidFill>
                             <a:srgbClr val="000000"/>
                           </a:solidFill>
@@ -24835,7 +24569,7 @@
                       <m:func>
                         <m:funcPr>
                           <m:ctrlPr>
-                            <a:rPr lang="en-US" i="1">
+                            <a:rPr lang="en-US" sz="1600" i="1">
                               <a:solidFill>
                                 <a:srgbClr val="000000"/>
                               </a:solidFill>
@@ -24847,7 +24581,7 @@
                           <m:sSub>
                             <m:sSubPr>
                               <m:ctrlPr>
-                                <a:rPr lang="en-US" i="1">
+                                <a:rPr lang="en-US" sz="1600" i="1">
                                   <a:solidFill>
                                     <a:srgbClr val="000000"/>
                                   </a:solidFill>
@@ -24860,7 +24594,7 @@
                                 <m:rPr>
                                   <m:sty m:val="p"/>
                                 </m:rPr>
-                                <a:rPr lang="en-US" i="0">
+                                <a:rPr lang="en-US" sz="1600" i="0">
                                   <a:solidFill>
                                     <a:srgbClr val="000000"/>
                                   </a:solidFill>
@@ -24871,7 +24605,7 @@
                             </m:e>
                             <m:sub>
                               <m:r>
-                                <a:rPr lang="en-US" i="1">
+                                <a:rPr lang="en-US" sz="1600" i="1">
                                   <a:solidFill>
                                     <a:srgbClr val="000000"/>
                                   </a:solidFill>
@@ -24886,7 +24620,7 @@
                           <m:d>
                             <m:dPr>
                               <m:ctrlPr>
-                                <a:rPr lang="en-US" i="1">
+                                <a:rPr lang="en-US" sz="1600" i="1">
                                   <a:solidFill>
                                     <a:srgbClr val="000000"/>
                                   </a:solidFill>
@@ -24896,7 +24630,7 @@
                             </m:dPr>
                             <m:e>
                               <m:r>
-                                <a:rPr lang="en-US" i="1">
+                                <a:rPr lang="en-US" sz="1600" i="1">
                                   <a:solidFill>
                                     <a:srgbClr val="000000"/>
                                   </a:solidFill>
@@ -24907,7 +24641,7 @@
                               <m:f>
                                 <m:fPr>
                                   <m:ctrlPr>
-                                    <a:rPr lang="en-US" i="1">
+                                    <a:rPr lang="en-US" sz="1600" i="1">
                                       <a:solidFill>
                                         <a:srgbClr val="000000"/>
                                       </a:solidFill>
@@ -24919,7 +24653,7 @@
                                   <m:sSup>
                                     <m:sSupPr>
                                       <m:ctrlPr>
-                                        <a:rPr lang="en-US" i="1">
+                                        <a:rPr lang="en-US" sz="1600" i="1">
                                           <a:solidFill>
                                             <a:srgbClr val="000000"/>
                                           </a:solidFill>
@@ -24933,7 +24667,7 @@
                                           <m:begChr m:val="|"/>
                                           <m:endChr m:val="|"/>
                                           <m:ctrlPr>
-                                            <a:rPr lang="en-US" i="1">
+                                            <a:rPr lang="en-US" sz="1600" i="1">
                                               <a:solidFill>
                                                 <a:srgbClr val="000000"/>
                                               </a:solidFill>
@@ -24945,7 +24679,7 @@
                                           <m:sSub>
                                             <m:sSubPr>
                                               <m:ctrlPr>
-                                                <a:rPr lang="en-US" i="1">
+                                                <a:rPr lang="en-US" sz="1600" i="1">
                                                   <a:solidFill>
                                                     <a:srgbClr val="000000"/>
                                                   </a:solidFill>
@@ -24955,7 +24689,7 @@
                                             </m:sSubPr>
                                             <m:e>
                                               <m:r>
-                                                <a:rPr lang="en-US" i="1">
+                                                <a:rPr lang="en-US" sz="1600" i="1">
                                                   <a:solidFill>
                                                     <a:srgbClr val="000000"/>
                                                   </a:solidFill>
@@ -24966,7 +24700,7 @@
                                             </m:e>
                                             <m:sub>
                                               <m:r>
-                                                <a:rPr lang="en-US" i="1">
+                                                <a:rPr lang="en-US" sz="1600" i="1">
                                                   <a:solidFill>
                                                     <a:srgbClr val="000000"/>
                                                   </a:solidFill>
@@ -24981,7 +24715,7 @@
                                     </m:e>
                                     <m:sup>
                                       <m:r>
-                                        <a:rPr lang="en-US" i="1">
+                                        <a:rPr lang="en-US" sz="1600" i="1">
                                           <a:solidFill>
                                             <a:srgbClr val="000000"/>
                                           </a:solidFill>
@@ -24994,7 +24728,7 @@
                                   <m:sSup>
                                     <m:sSupPr>
                                       <m:ctrlPr>
-                                        <a:rPr lang="en-US" i="1">
+                                        <a:rPr lang="en-US" sz="1600" i="1">
                                           <a:solidFill>
                                             <a:srgbClr val="000000"/>
                                           </a:solidFill>
@@ -25008,7 +24742,7 @@
                                           <m:begChr m:val="|"/>
                                           <m:endChr m:val="|"/>
                                           <m:ctrlPr>
-                                            <a:rPr lang="en-US" i="1">
+                                            <a:rPr lang="en-US" sz="1600" i="1">
                                               <a:solidFill>
                                                 <a:srgbClr val="000000"/>
                                               </a:solidFill>
@@ -25020,7 +24754,7 @@
                                           <m:sSub>
                                             <m:sSubPr>
                                               <m:ctrlPr>
-                                                <a:rPr lang="en-US" i="1">
+                                                <a:rPr lang="en-US" sz="1600" i="1">
                                                   <a:solidFill>
                                                     <a:srgbClr val="000000"/>
                                                   </a:solidFill>
@@ -25030,7 +24764,7 @@
                                             </m:sSubPr>
                                             <m:e>
                                               <m:r>
-                                                <a:rPr lang="en-US" i="1">
+                                                <a:rPr lang="en-US" sz="1600" i="1">
                                                   <a:solidFill>
                                                     <a:srgbClr val="000000"/>
                                                   </a:solidFill>
@@ -25041,7 +24775,7 @@
                                             </m:e>
                                             <m:sub>
                                               <m:r>
-                                                <a:rPr lang="en-US" i="1">
+                                                <a:rPr lang="en-US" sz="1600" i="1">
                                                   <a:solidFill>
                                                     <a:srgbClr val="000000"/>
                                                   </a:solidFill>
@@ -25056,7 +24790,7 @@
                                     </m:e>
                                     <m:sup>
                                       <m:r>
-                                        <a:rPr lang="en-US" i="1">
+                                        <a:rPr lang="en-US" sz="1600" i="1">
                                           <a:solidFill>
                                             <a:srgbClr val="000000"/>
                                           </a:solidFill>
@@ -25069,7 +24803,7 @@
                                   <m:f>
                                     <m:fPr>
                                       <m:ctrlPr>
-                                        <a:rPr lang="en-US" i="1">
+                                        <a:rPr lang="en-US" sz="1600" i="1">
                                           <a:solidFill>
                                             <a:srgbClr val="000000"/>
                                           </a:solidFill>
@@ -25081,7 +24815,7 @@
                                       <m:sSub>
                                         <m:sSubPr>
                                           <m:ctrlPr>
-                                            <a:rPr lang="en-US" i="1">
+                                            <a:rPr lang="en-US" sz="1600" i="1">
                                               <a:solidFill>
                                                 <a:srgbClr val="000000"/>
                                               </a:solidFill>
@@ -25091,7 +24825,7 @@
                                         </m:sSubPr>
                                         <m:e>
                                           <m:r>
-                                            <a:rPr lang="en-US" i="1">
+                                            <a:rPr lang="en-US" sz="1600" i="1">
                                               <a:solidFill>
                                                 <a:srgbClr val="000000"/>
                                               </a:solidFill>
@@ -25102,7 +24836,7 @@
                                         </m:e>
                                         <m:sub>
                                           <m:r>
-                                            <a:rPr lang="en-US" i="1">
+                                            <a:rPr lang="en-US" sz="1600" i="1">
                                               <a:solidFill>
                                                 <a:srgbClr val="000000"/>
                                               </a:solidFill>
@@ -25115,7 +24849,7 @@
                                       <m:sSub>
                                         <m:sSubPr>
                                           <m:ctrlPr>
-                                            <a:rPr lang="en-US" i="1">
+                                            <a:rPr lang="en-US" sz="1600" i="1">
                                               <a:solidFill>
                                                 <a:srgbClr val="000000"/>
                                               </a:solidFill>
@@ -25125,7 +24859,7 @@
                                         </m:sSubPr>
                                         <m:e>
                                           <m:r>
-                                            <a:rPr lang="en-US" i="1">
+                                            <a:rPr lang="en-US" sz="1600" i="1">
                                               <a:solidFill>
                                                 <a:srgbClr val="000000"/>
                                               </a:solidFill>
@@ -25136,7 +24870,7 @@
                                         </m:e>
                                         <m:sub>
                                           <m:r>
-                                            <a:rPr lang="en-US" i="1">
+                                            <a:rPr lang="en-US" sz="1600" i="1">
                                               <a:solidFill>
                                                 <a:srgbClr val="000000"/>
                                               </a:solidFill>
@@ -25149,7 +24883,7 @@
                                       <m:sSub>
                                         <m:sSubPr>
                                           <m:ctrlPr>
-                                            <a:rPr lang="en-US" i="1">
+                                            <a:rPr lang="en-US" sz="1600" i="1">
                                               <a:solidFill>
                                                 <a:srgbClr val="000000"/>
                                               </a:solidFill>
@@ -25159,7 +24893,7 @@
                                         </m:sSubPr>
                                         <m:e>
                                           <m:r>
-                                            <a:rPr lang="en-US" i="1">
+                                            <a:rPr lang="en-US" sz="1600" i="1">
                                               <a:solidFill>
                                                 <a:srgbClr val="000000"/>
                                               </a:solidFill>
@@ -25170,7 +24904,7 @@
                                         </m:e>
                                         <m:sub>
                                           <m:r>
-                                            <a:rPr lang="en-US" i="1">
+                                            <a:rPr lang="en-US" sz="1600" i="1">
                                               <a:solidFill>
                                                 <a:srgbClr val="000000"/>
                                               </a:solidFill>
@@ -25185,7 +24919,7 @@
                                       <m:sSup>
                                         <m:sSupPr>
                                           <m:ctrlPr>
-                                            <a:rPr lang="en-US" i="1">
+                                            <a:rPr lang="en-US" sz="1600" i="1">
                                               <a:solidFill>
                                                 <a:srgbClr val="000000"/>
                                               </a:solidFill>
@@ -25199,7 +24933,7 @@
                                               <m:begChr m:val="|"/>
                                               <m:endChr m:val="|"/>
                                               <m:ctrlPr>
-                                                <a:rPr lang="en-US" i="1">
+                                                <a:rPr lang="en-US" sz="1600" i="1">
                                                   <a:solidFill>
                                                     <a:srgbClr val="000000"/>
                                                   </a:solidFill>
@@ -25211,7 +24945,7 @@
                                               <m:sSub>
                                                 <m:sSubPr>
                                                   <m:ctrlPr>
-                                                    <a:rPr lang="en-US" i="1">
+                                                    <a:rPr lang="en-US" sz="1600" i="1">
                                                       <a:solidFill>
                                                         <a:srgbClr val="000000"/>
                                                       </a:solidFill>
@@ -25221,7 +24955,7 @@
                                                 </m:sSubPr>
                                                 <m:e>
                                                   <m:r>
-                                                    <a:rPr lang="en-US" i="1">
+                                                    <a:rPr lang="en-US" sz="1600" i="1">
                                                       <a:solidFill>
                                                         <a:srgbClr val="000000"/>
                                                       </a:solidFill>
@@ -25232,7 +24966,7 @@
                                                 </m:e>
                                                 <m:sub>
                                                   <m:r>
-                                                    <a:rPr lang="en-US" i="1">
+                                                    <a:rPr lang="en-US" sz="1600" i="1">
                                                       <a:solidFill>
                                                         <a:srgbClr val="000000"/>
                                                       </a:solidFill>
@@ -25247,7 +24981,7 @@
                                         </m:e>
                                         <m:sup>
                                           <m:r>
-                                            <a:rPr lang="en-US" i="1">
+                                            <a:rPr lang="en-US" sz="1600" i="1">
                                               <a:solidFill>
                                                 <a:srgbClr val="000000"/>
                                               </a:solidFill>
@@ -25260,7 +24994,7 @@
                                       <m:sSub>
                                         <m:sSubPr>
                                           <m:ctrlPr>
-                                            <a:rPr lang="en-US" i="1">
+                                            <a:rPr lang="en-US" sz="1600" i="1">
                                               <a:solidFill>
                                                 <a:srgbClr val="000000"/>
                                               </a:solidFill>
@@ -25270,7 +25004,7 @@
                                         </m:sSubPr>
                                         <m:e>
                                           <m:r>
-                                            <a:rPr lang="en-US" i="1">
+                                            <a:rPr lang="en-US" sz="1600" i="1">
                                               <a:solidFill>
                                                 <a:srgbClr val="000000"/>
                                               </a:solidFill>
@@ -25281,7 +25015,7 @@
                                         </m:e>
                                         <m:sub>
                                           <m:r>
-                                            <a:rPr lang="en-US" i="1">
+                                            <a:rPr lang="en-US" sz="1600" i="1">
                                               <a:solidFill>
                                                 <a:srgbClr val="000000"/>
                                               </a:solidFill>
@@ -25292,7 +25026,7 @@
                                         </m:sub>
                                       </m:sSub>
                                       <m:r>
-                                        <a:rPr lang="en-US" i="1">
+                                        <a:rPr lang="en-US" sz="1600" i="1">
                                           <a:solidFill>
                                             <a:srgbClr val="000000"/>
                                           </a:solidFill>
@@ -25303,7 +25037,7 @@
                                       <m:sSubSup>
                                         <m:sSubSupPr>
                                           <m:ctrlPr>
-                                            <a:rPr lang="en-US" i="1">
+                                            <a:rPr lang="en-US" sz="1600" i="1">
                                               <a:solidFill>
                                                 <a:srgbClr val="000000"/>
                                               </a:solidFill>
@@ -25313,7 +25047,7 @@
                                         </m:sSubSupPr>
                                         <m:e>
                                           <m:r>
-                                            <a:rPr lang="en-US" i="1">
+                                            <a:rPr lang="en-US" sz="1600" i="1">
                                               <a:solidFill>
                                                 <a:srgbClr val="000000"/>
                                               </a:solidFill>
@@ -25324,7 +25058,7 @@
                                         </m:e>
                                         <m:sub>
                                           <m:r>
-                                            <a:rPr lang="en-US" i="1">
+                                            <a:rPr lang="en-US" sz="1600" i="1">
                                               <a:solidFill>
                                                 <a:srgbClr val="000000"/>
                                               </a:solidFill>
@@ -25335,7 +25069,7 @@
                                         </m:sub>
                                         <m:sup>
                                           <m:r>
-                                            <a:rPr lang="en-US" i="1">
+                                            <a:rPr lang="en-US" sz="1600" i="1">
                                               <a:solidFill>
                                                 <a:srgbClr val="000000"/>
                                               </a:solidFill>
@@ -25352,7 +25086,7 @@
                                   <m:sSup>
                                     <m:sSupPr>
                                       <m:ctrlPr>
-                                        <a:rPr lang="en-US" i="1">
+                                        <a:rPr lang="en-US" sz="1600" i="1">
                                           <a:solidFill>
                                             <a:srgbClr val="000000"/>
                                           </a:solidFill>
@@ -25366,7 +25100,7 @@
                                           <m:begChr m:val="|"/>
                                           <m:endChr m:val="|"/>
                                           <m:ctrlPr>
-                                            <a:rPr lang="en-US" i="1">
+                                            <a:rPr lang="en-US" sz="1600" i="1">
                                               <a:solidFill>
                                                 <a:srgbClr val="000000"/>
                                               </a:solidFill>
@@ -25378,7 +25112,7 @@
                                           <m:sSub>
                                             <m:sSubPr>
                                               <m:ctrlPr>
-                                                <a:rPr lang="en-US" i="1">
+                                                <a:rPr lang="en-US" sz="1600" i="1">
                                                   <a:solidFill>
                                                     <a:srgbClr val="000000"/>
                                                   </a:solidFill>
@@ -25388,7 +25122,7 @@
                                             </m:sSubPr>
                                             <m:e>
                                               <m:r>
-                                                <a:rPr lang="en-US" i="1">
+                                                <a:rPr lang="en-US" sz="1600" i="1">
                                                   <a:solidFill>
                                                     <a:srgbClr val="000000"/>
                                                   </a:solidFill>
@@ -25399,7 +25133,7 @@
                                             </m:e>
                                             <m:sub>
                                               <m:r>
-                                                <a:rPr lang="en-US" i="1">
+                                                <a:rPr lang="en-US" sz="1600" i="1">
                                                   <a:solidFill>
                                                     <a:srgbClr val="000000"/>
                                                   </a:solidFill>
@@ -25414,7 +25148,7 @@
                                     </m:e>
                                     <m:sup>
                                       <m:r>
-                                        <a:rPr lang="en-US" i="1">
+                                        <a:rPr lang="en-US" sz="1600" i="1">
                                           <a:solidFill>
                                             <a:srgbClr val="000000"/>
                                           </a:solidFill>
@@ -25427,7 +25161,7 @@
                                   <m:f>
                                     <m:fPr>
                                       <m:ctrlPr>
-                                        <a:rPr lang="en-US" i="1">
+                                        <a:rPr lang="en-US" sz="1600" i="1">
                                           <a:solidFill>
                                             <a:srgbClr val="000000"/>
                                           </a:solidFill>
@@ -25439,7 +25173,7 @@
                                       <m:sSub>
                                         <m:sSubPr>
                                           <m:ctrlPr>
-                                            <a:rPr lang="en-US" i="1">
+                                            <a:rPr lang="en-US" sz="1600" i="1">
                                               <a:solidFill>
                                                 <a:srgbClr val="000000"/>
                                               </a:solidFill>
@@ -25449,7 +25183,7 @@
                                         </m:sSubPr>
                                         <m:e>
                                           <m:r>
-                                            <a:rPr lang="en-US" i="1">
+                                            <a:rPr lang="en-US" sz="1600" i="1">
                                               <a:solidFill>
                                                 <a:srgbClr val="000000"/>
                                               </a:solidFill>
@@ -25460,7 +25194,7 @@
                                         </m:e>
                                         <m:sub>
                                           <m:r>
-                                            <a:rPr lang="en-US" i="1">
+                                            <a:rPr lang="en-US" sz="1600" i="1">
                                               <a:solidFill>
                                                 <a:srgbClr val="000000"/>
                                               </a:solidFill>
@@ -25475,7 +25209,7 @@
                                       <m:sSup>
                                         <m:sSupPr>
                                           <m:ctrlPr>
-                                            <a:rPr lang="en-US" i="1">
+                                            <a:rPr lang="en-US" sz="1600" i="1">
                                               <a:solidFill>
                                                 <a:srgbClr val="000000"/>
                                               </a:solidFill>
@@ -25489,7 +25223,7 @@
                                               <m:begChr m:val="|"/>
                                               <m:endChr m:val="|"/>
                                               <m:ctrlPr>
-                                                <a:rPr lang="en-US" i="1">
+                                                <a:rPr lang="en-US" sz="1600" i="1">
                                                   <a:solidFill>
                                                     <a:srgbClr val="000000"/>
                                                   </a:solidFill>
@@ -25501,7 +25235,7 @@
                                               <m:sSub>
                                                 <m:sSubPr>
                                                   <m:ctrlPr>
-                                                    <a:rPr lang="en-US" i="1">
+                                                    <a:rPr lang="en-US" sz="1600" i="1">
                                                       <a:solidFill>
                                                         <a:srgbClr val="000000"/>
                                                       </a:solidFill>
@@ -25511,7 +25245,7 @@
                                                 </m:sSubPr>
                                                 <m:e>
                                                   <m:r>
-                                                    <a:rPr lang="en-US" i="1">
+                                                    <a:rPr lang="en-US" sz="1600" i="1">
                                                       <a:solidFill>
                                                         <a:srgbClr val="000000"/>
                                                       </a:solidFill>
@@ -25522,7 +25256,7 @@
                                                 </m:e>
                                                 <m:sub>
                                                   <m:r>
-                                                    <a:rPr lang="en-US" i="1">
+                                                    <a:rPr lang="en-US" sz="1600" i="1">
                                                       <a:solidFill>
                                                         <a:srgbClr val="000000"/>
                                                       </a:solidFill>
@@ -25537,7 +25271,7 @@
                                         </m:e>
                                         <m:sup>
                                           <m:r>
-                                            <a:rPr lang="en-US" i="1">
+                                            <a:rPr lang="en-US" sz="1600" i="1">
                                               <a:solidFill>
                                                 <a:srgbClr val="000000"/>
                                               </a:solidFill>
@@ -25550,7 +25284,7 @@
                                       <m:sSub>
                                         <m:sSubPr>
                                           <m:ctrlPr>
-                                            <a:rPr lang="en-US" i="1">
+                                            <a:rPr lang="en-US" sz="1600" i="1">
                                               <a:solidFill>
                                                 <a:srgbClr val="000000"/>
                                               </a:solidFill>
@@ -25560,7 +25294,7 @@
                                         </m:sSubPr>
                                         <m:e>
                                           <m:r>
-                                            <a:rPr lang="en-US" i="1">
+                                            <a:rPr lang="en-US" sz="1600" i="1">
                                               <a:solidFill>
                                                 <a:srgbClr val="000000"/>
                                               </a:solidFill>
@@ -25571,7 +25305,7 @@
                                         </m:e>
                                         <m:sub>
                                           <m:r>
-                                            <a:rPr lang="en-US" i="1">
+                                            <a:rPr lang="en-US" sz="1600" i="1">
                                               <a:solidFill>
                                                 <a:srgbClr val="000000"/>
                                               </a:solidFill>
@@ -25582,7 +25316,7 @@
                                         </m:sub>
                                       </m:sSub>
                                       <m:r>
-                                        <a:rPr lang="en-US" i="1">
+                                        <a:rPr lang="en-US" sz="1600" i="1">
                                           <a:solidFill>
                                             <a:srgbClr val="000000"/>
                                           </a:solidFill>
@@ -25593,7 +25327,7 @@
                                       <m:sSubSup>
                                         <m:sSubSupPr>
                                           <m:ctrlPr>
-                                            <a:rPr lang="en-US" i="1">
+                                            <a:rPr lang="en-US" sz="1600" i="1">
                                               <a:solidFill>
                                                 <a:srgbClr val="000000"/>
                                               </a:solidFill>
@@ -25603,7 +25337,7 @@
                                         </m:sSubSupPr>
                                         <m:e>
                                           <m:r>
-                                            <a:rPr lang="en-US" i="1">
+                                            <a:rPr lang="en-US" sz="1600" i="1">
                                               <a:solidFill>
                                                 <a:srgbClr val="000000"/>
                                               </a:solidFill>
@@ -25614,7 +25348,7 @@
                                         </m:e>
                                         <m:sub>
                                           <m:r>
-                                            <a:rPr lang="en-US" i="1">
+                                            <a:rPr lang="en-US" sz="1600" i="1">
                                               <a:solidFill>
                                                 <a:srgbClr val="000000"/>
                                               </a:solidFill>
@@ -25625,7 +25359,7 @@
                                         </m:sub>
                                         <m:sup>
                                           <m:r>
-                                            <a:rPr lang="en-US" i="1">
+                                            <a:rPr lang="en-US" sz="1600" i="1">
                                               <a:solidFill>
                                                 <a:srgbClr val="000000"/>
                                               </a:solidFill>
@@ -25640,7 +25374,7 @@
                                   <m:sSubSup>
                                     <m:sSubSupPr>
                                       <m:ctrlPr>
-                                        <a:rPr lang="en-US" i="1">
+                                        <a:rPr lang="en-US" sz="1600" i="1">
                                           <a:solidFill>
                                             <a:srgbClr val="000000"/>
                                           </a:solidFill>
@@ -25650,7 +25384,7 @@
                                     </m:sSubSupPr>
                                     <m:e>
                                       <m:r>
-                                        <a:rPr lang="en-US" i="1">
+                                        <a:rPr lang="en-US" sz="1600" i="1">
                                           <a:solidFill>
                                             <a:srgbClr val="000000"/>
                                           </a:solidFill>
@@ -25661,7 +25395,7 @@
                                     </m:e>
                                     <m:sub>
                                       <m:r>
-                                        <a:rPr lang="en-US" i="1">
+                                        <a:rPr lang="en-US" sz="1600" i="1">
                                           <a:solidFill>
                                             <a:srgbClr val="000000"/>
                                           </a:solidFill>
@@ -25672,7 +25406,7 @@
                                     </m:sub>
                                     <m:sup>
                                       <m:r>
-                                        <a:rPr lang="en-US" i="1">
+                                        <a:rPr lang="en-US" sz="1600" i="1">
                                           <a:solidFill>
                                             <a:srgbClr val="000000"/>
                                           </a:solidFill>
@@ -25683,7 +25417,7 @@
                                     </m:sup>
                                   </m:sSubSup>
                                   <m:r>
-                                    <a:rPr lang="en-US" i="1">
+                                    <a:rPr lang="en-US" sz="1600" i="1">
                                       <a:solidFill>
                                         <a:srgbClr val="000000"/>
                                       </a:solidFill>
@@ -25694,7 +25428,7 @@
                                   <m:sSubSup>
                                     <m:sSubSupPr>
                                       <m:ctrlPr>
-                                        <a:rPr lang="en-US" i="1">
+                                        <a:rPr lang="en-US" sz="1600" i="1">
                                           <a:solidFill>
                                             <a:srgbClr val="000000"/>
                                           </a:solidFill>
@@ -25704,7 +25438,7 @@
                                     </m:sSubSupPr>
                                     <m:e>
                                       <m:r>
-                                        <a:rPr lang="en-US" i="1">
+                                        <a:rPr lang="en-US" sz="1600" i="1">
                                           <a:solidFill>
                                             <a:srgbClr val="000000"/>
                                           </a:solidFill>
@@ -25715,7 +25449,7 @@
                                     </m:e>
                                     <m:sub>
                                       <m:r>
-                                        <a:rPr lang="en-US" i="1">
+                                        <a:rPr lang="en-US" sz="1600" i="1">
                                           <a:solidFill>
                                             <a:srgbClr val="000000"/>
                                           </a:solidFill>
@@ -25726,7 +25460,7 @@
                                     </m:sub>
                                     <m:sup>
                                       <m:r>
-                                        <a:rPr lang="en-US" i="1">
+                                        <a:rPr lang="en-US" sz="1600" i="1">
                                           <a:solidFill>
                                             <a:srgbClr val="000000"/>
                                           </a:solidFill>
@@ -25743,7 +25477,7 @@
                         </m:e>
                       </m:func>
                       <m:r>
-                        <a:rPr lang="en-US" i="1">
+                        <a:rPr lang="en-US" sz="1600" i="1">
                           <a:solidFill>
                             <a:srgbClr val="000000"/>
                           </a:solidFill>
@@ -25754,7 +25488,7 @@
                       <m:func>
                         <m:funcPr>
                           <m:ctrlPr>
-                            <a:rPr lang="en-US" i="1">
+                            <a:rPr lang="en-US" sz="1600" i="1">
                               <a:solidFill>
                                 <a:srgbClr val="000000"/>
                               </a:solidFill>
@@ -25766,7 +25500,7 @@
                           <m:sSub>
                             <m:sSubPr>
                               <m:ctrlPr>
-                                <a:rPr lang="en-US" i="1">
+                                <a:rPr lang="en-US" sz="1600" i="1">
                                   <a:solidFill>
                                     <a:srgbClr val="000000"/>
                                   </a:solidFill>
@@ -25779,7 +25513,7 @@
                                 <m:rPr>
                                   <m:sty m:val="p"/>
                                 </m:rPr>
-                                <a:rPr lang="en-US" i="0">
+                                <a:rPr lang="en-US" sz="1600" i="0">
                                   <a:solidFill>
                                     <a:srgbClr val="000000"/>
                                   </a:solidFill>
@@ -25790,7 +25524,7 @@
                             </m:e>
                             <m:sub>
                               <m:r>
-                                <a:rPr lang="en-US" i="1">
+                                <a:rPr lang="en-US" sz="1600" i="1">
                                   <a:solidFill>
                                     <a:srgbClr val="000000"/>
                                   </a:solidFill>
@@ -25805,7 +25539,7 @@
                           <m:d>
                             <m:dPr>
                               <m:ctrlPr>
-                                <a:rPr lang="en-US" i="1">
+                                <a:rPr lang="en-US" sz="1600" i="1">
                                   <a:solidFill>
                                     <a:srgbClr val="000000"/>
                                   </a:solidFill>
@@ -25815,7 +25549,7 @@
                             </m:dPr>
                             <m:e>
                               <m:r>
-                                <a:rPr lang="en-US" i="1">
+                                <a:rPr lang="en-US" sz="1600" i="1">
                                   <a:solidFill>
                                     <a:srgbClr val="000000"/>
                                   </a:solidFill>
@@ -25826,7 +25560,7 @@
                               <m:f>
                                 <m:fPr>
                                   <m:ctrlPr>
-                                    <a:rPr lang="en-US" i="1">
+                                    <a:rPr lang="en-US" sz="1600" i="1">
                                       <a:solidFill>
                                         <a:srgbClr val="000000"/>
                                       </a:solidFill>
@@ -25838,7 +25572,7 @@
                                   <m:sSup>
                                     <m:sSupPr>
                                       <m:ctrlPr>
-                                        <a:rPr lang="en-US" i="1">
+                                        <a:rPr lang="en-US" sz="1600" i="1">
                                           <a:solidFill>
                                             <a:srgbClr val="000000"/>
                                           </a:solidFill>
@@ -25852,7 +25586,7 @@
                                           <m:begChr m:val="|"/>
                                           <m:endChr m:val="|"/>
                                           <m:ctrlPr>
-                                            <a:rPr lang="en-US" i="1">
+                                            <a:rPr lang="en-US" sz="1600" i="1">
                                               <a:solidFill>
                                                 <a:srgbClr val="000000"/>
                                               </a:solidFill>
@@ -25864,7 +25598,7 @@
                                           <m:sSub>
                                             <m:sSubPr>
                                               <m:ctrlPr>
-                                                <a:rPr lang="en-US" i="1">
+                                                <a:rPr lang="en-US" sz="1600" i="1">
                                                   <a:solidFill>
                                                     <a:srgbClr val="000000"/>
                                                   </a:solidFill>
@@ -25874,7 +25608,7 @@
                                             </m:sSubPr>
                                             <m:e>
                                               <m:r>
-                                                <a:rPr lang="en-US" i="1">
+                                                <a:rPr lang="en-US" sz="1600" i="1">
                                                   <a:solidFill>
                                                     <a:srgbClr val="000000"/>
                                                   </a:solidFill>
@@ -25885,7 +25619,7 @@
                                             </m:e>
                                             <m:sub>
                                               <m:r>
-                                                <a:rPr lang="en-US" i="1">
+                                                <a:rPr lang="en-US" sz="1600" i="1">
                                                   <a:solidFill>
                                                     <a:srgbClr val="000000"/>
                                                   </a:solidFill>
@@ -25900,7 +25634,7 @@
                                     </m:e>
                                     <m:sup>
                                       <m:r>
-                                        <a:rPr lang="en-US" i="1">
+                                        <a:rPr lang="en-US" sz="1600" i="1">
                                           <a:solidFill>
                                             <a:srgbClr val="000000"/>
                                           </a:solidFill>
@@ -25913,7 +25647,7 @@
                                   <m:sSub>
                                     <m:sSubPr>
                                       <m:ctrlPr>
-                                        <a:rPr lang="en-US" i="1">
+                                        <a:rPr lang="en-US" sz="1600" i="1">
                                           <a:solidFill>
                                             <a:srgbClr val="000000"/>
                                           </a:solidFill>
@@ -25923,7 +25657,7 @@
                                     </m:sSubPr>
                                     <m:e>
                                       <m:r>
-                                        <a:rPr lang="en-US" i="1">
+                                        <a:rPr lang="en-US" sz="1600" i="1">
                                           <a:solidFill>
                                             <a:srgbClr val="000000"/>
                                           </a:solidFill>
@@ -25934,7 +25668,7 @@
                                     </m:e>
                                     <m:sub>
                                       <m:r>
-                                        <a:rPr lang="en-US" i="1">
+                                        <a:rPr lang="en-US" sz="1600" i="1">
                                           <a:solidFill>
                                             <a:srgbClr val="000000"/>
                                           </a:solidFill>
@@ -25947,7 +25681,7 @@
                                   <m:sSub>
                                     <m:sSubPr>
                                       <m:ctrlPr>
-                                        <a:rPr lang="en-US" i="1">
+                                        <a:rPr lang="en-US" sz="1600" i="1">
                                           <a:solidFill>
                                             <a:srgbClr val="000000"/>
                                           </a:solidFill>
@@ -25957,7 +25691,7 @@
                                     </m:sSubPr>
                                     <m:e>
                                       <m:r>
-                                        <a:rPr lang="en-US" i="1">
+                                        <a:rPr lang="en-US" sz="1600" i="1">
                                           <a:solidFill>
                                             <a:srgbClr val="000000"/>
                                           </a:solidFill>
@@ -25968,7 +25702,7 @@
                                     </m:e>
                                     <m:sub>
                                       <m:r>
-                                        <a:rPr lang="en-US" i="1">
+                                        <a:rPr lang="en-US" sz="1600" i="1">
                                           <a:solidFill>
                                             <a:srgbClr val="000000"/>
                                           </a:solidFill>
@@ -25983,7 +25717,7 @@
                                   <m:sSubSup>
                                     <m:sSubSupPr>
                                       <m:ctrlPr>
-                                        <a:rPr lang="en-US" i="1">
+                                        <a:rPr lang="en-US" sz="1600" i="1">
                                           <a:solidFill>
                                             <a:srgbClr val="000000"/>
                                           </a:solidFill>
@@ -25993,7 +25727,7 @@
                                     </m:sSubSupPr>
                                     <m:e>
                                       <m:r>
-                                        <a:rPr lang="en-US" i="1">
+                                        <a:rPr lang="en-US" sz="1600" i="1">
                                           <a:solidFill>
                                             <a:srgbClr val="000000"/>
                                           </a:solidFill>
@@ -26004,7 +25738,7 @@
                                     </m:e>
                                     <m:sub>
                                       <m:r>
-                                        <a:rPr lang="en-US" i="1">
+                                        <a:rPr lang="en-US" sz="1600" i="1">
                                           <a:solidFill>
                                             <a:srgbClr val="000000"/>
                                           </a:solidFill>
@@ -26015,7 +25749,7 @@
                                     </m:sub>
                                     <m:sup>
                                       <m:r>
-                                        <a:rPr lang="en-US" i="1">
+                                        <a:rPr lang="en-US" sz="1600" i="1">
                                           <a:solidFill>
                                             <a:srgbClr val="000000"/>
                                           </a:solidFill>
@@ -26026,7 +25760,7 @@
                                     </m:sup>
                                   </m:sSubSup>
                                   <m:r>
-                                    <a:rPr lang="en-US" i="1">
+                                    <a:rPr lang="en-US" sz="1600" i="1">
                                       <a:solidFill>
                                         <a:srgbClr val="000000"/>
                                       </a:solidFill>
@@ -26037,7 +25771,7 @@
                                   <m:f>
                                     <m:fPr>
                                       <m:ctrlPr>
-                                        <a:rPr lang="en-US" i="1">
+                                        <a:rPr lang="en-US" sz="1600" i="1">
                                           <a:solidFill>
                                             <a:srgbClr val="000000"/>
                                           </a:solidFill>
@@ -26049,7 +25783,7 @@
                                       <m:d>
                                         <m:dPr>
                                           <m:ctrlPr>
-                                            <a:rPr lang="en-US" i="1">
+                                            <a:rPr lang="en-US" sz="1600" i="1">
                                               <a:solidFill>
                                                 <a:srgbClr val="000000"/>
                                               </a:solidFill>
@@ -26061,7 +25795,7 @@
                                           <m:sSup>
                                             <m:sSupPr>
                                               <m:ctrlPr>
-                                                <a:rPr lang="en-US" i="1">
+                                                <a:rPr lang="en-US" sz="1600" i="1">
                                                   <a:solidFill>
                                                     <a:srgbClr val="000000"/>
                                                   </a:solidFill>
@@ -26075,7 +25809,7 @@
                                                   <m:begChr m:val="|"/>
                                                   <m:endChr m:val="|"/>
                                                   <m:ctrlPr>
-                                                    <a:rPr lang="en-US" i="1">
+                                                    <a:rPr lang="en-US" sz="1600" i="1">
                                                       <a:solidFill>
                                                         <a:srgbClr val="000000"/>
                                                       </a:solidFill>
@@ -26087,7 +25821,7 @@
                                                   <m:sSub>
                                                     <m:sSubPr>
                                                       <m:ctrlPr>
-                                                        <a:rPr lang="en-US" i="1">
+                                                        <a:rPr lang="en-US" sz="1600" i="1">
                                                           <a:solidFill>
                                                             <a:srgbClr val="000000"/>
                                                           </a:solidFill>
@@ -26097,7 +25831,7 @@
                                                     </m:sSubPr>
                                                     <m:e>
                                                       <m:r>
-                                                        <a:rPr lang="en-US" i="1">
+                                                        <a:rPr lang="en-US" sz="1600" i="1">
                                                           <a:solidFill>
                                                             <a:srgbClr val="000000"/>
                                                           </a:solidFill>
@@ -26108,7 +25842,7 @@
                                                     </m:e>
                                                     <m:sub>
                                                       <m:r>
-                                                        <a:rPr lang="en-US" i="1">
+                                                        <a:rPr lang="en-US" sz="1600" i="1">
                                                           <a:solidFill>
                                                             <a:srgbClr val="000000"/>
                                                           </a:solidFill>
@@ -26123,7 +25857,7 @@
                                             </m:e>
                                             <m:sup>
                                               <m:r>
-                                                <a:rPr lang="en-US" i="1">
+                                                <a:rPr lang="en-US" sz="1600" i="1">
                                                   <a:solidFill>
                                                     <a:srgbClr val="000000"/>
                                                   </a:solidFill>
@@ -26136,7 +25870,7 @@
                                           <m:sSub>
                                             <m:sSubPr>
                                               <m:ctrlPr>
-                                                <a:rPr lang="en-US" i="1">
+                                                <a:rPr lang="en-US" sz="1600" i="1">
                                                   <a:solidFill>
                                                     <a:srgbClr val="000000"/>
                                                   </a:solidFill>
@@ -26146,7 +25880,7 @@
                                             </m:sSubPr>
                                             <m:e>
                                               <m:r>
-                                                <a:rPr lang="en-US" i="1">
+                                                <a:rPr lang="en-US" sz="1600" i="1">
                                                   <a:solidFill>
                                                     <a:srgbClr val="000000"/>
                                                   </a:solidFill>
@@ -26157,7 +25891,7 @@
                                             </m:e>
                                             <m:sub>
                                               <m:r>
-                                                <a:rPr lang="en-US" i="1">
+                                                <a:rPr lang="en-US" sz="1600" i="1">
                                                   <a:solidFill>
                                                     <a:srgbClr val="000000"/>
                                                   </a:solidFill>
@@ -26168,7 +25902,7 @@
                                             </m:sub>
                                           </m:sSub>
                                           <m:r>
-                                            <a:rPr lang="en-US" i="1">
+                                            <a:rPr lang="en-US" sz="1600" i="1">
                                               <a:solidFill>
                                                 <a:srgbClr val="000000"/>
                                               </a:solidFill>
@@ -26179,7 +25913,7 @@
                                           <m:sSubSup>
                                             <m:sSubSupPr>
                                               <m:ctrlPr>
-                                                <a:rPr lang="en-US" i="1">
+                                                <a:rPr lang="en-US" sz="1600" i="1">
                                                   <a:solidFill>
                                                     <a:srgbClr val="000000"/>
                                                   </a:solidFill>
@@ -26189,7 +25923,7 @@
                                             </m:sSubSupPr>
                                             <m:e>
                                               <m:r>
-                                                <a:rPr lang="en-US" i="1">
+                                                <a:rPr lang="en-US" sz="1600" i="1">
                                                   <a:solidFill>
                                                     <a:srgbClr val="000000"/>
                                                   </a:solidFill>
@@ -26200,7 +25934,7 @@
                                             </m:e>
                                             <m:sub>
                                               <m:r>
-                                                <a:rPr lang="en-US" i="1">
+                                                <a:rPr lang="en-US" sz="1600" i="1">
                                                   <a:solidFill>
                                                     <a:srgbClr val="000000"/>
                                                   </a:solidFill>
@@ -26211,7 +25945,7 @@
                                             </m:sub>
                                             <m:sup>
                                               <m:r>
-                                                <a:rPr lang="en-US" i="1">
+                                                <a:rPr lang="en-US" sz="1600" i="1">
                                                   <a:solidFill>
                                                     <a:srgbClr val="000000"/>
                                                   </a:solidFill>
@@ -26226,7 +25960,7 @@
                                       <m:sSubSup>
                                         <m:sSubSupPr>
                                           <m:ctrlPr>
-                                            <a:rPr lang="en-US" i="1">
+                                            <a:rPr lang="en-US" sz="1600" i="1">
                                               <a:solidFill>
                                                 <a:srgbClr val="000000"/>
                                               </a:solidFill>
@@ -26236,7 +25970,7 @@
                                         </m:sSubSupPr>
                                         <m:e>
                                           <m:r>
-                                            <a:rPr lang="en-US" i="1">
+                                            <a:rPr lang="en-US" sz="1600" i="1">
                                               <a:solidFill>
                                                 <a:srgbClr val="000000"/>
                                               </a:solidFill>
@@ -26247,7 +25981,7 @@
                                         </m:e>
                                         <m:sub>
                                           <m:r>
-                                            <a:rPr lang="en-US" i="1">
+                                            <a:rPr lang="en-US" sz="1600" i="1">
                                               <a:solidFill>
                                                 <a:srgbClr val="000000"/>
                                               </a:solidFill>
@@ -26258,7 +25992,7 @@
                                         </m:sub>
                                         <m:sup>
                                           <m:r>
-                                            <a:rPr lang="en-US" i="1">
+                                            <a:rPr lang="en-US" sz="1600" i="1">
                                               <a:solidFill>
                                                 <a:srgbClr val="000000"/>
                                               </a:solidFill>
@@ -26273,7 +26007,7 @@
                                       <m:sSup>
                                         <m:sSupPr>
                                           <m:ctrlPr>
-                                            <a:rPr lang="en-US" i="1">
+                                            <a:rPr lang="en-US" sz="1600" i="1">
                                               <a:solidFill>
                                                 <a:srgbClr val="000000"/>
                                               </a:solidFill>
@@ -26287,7 +26021,7 @@
                                               <m:begChr m:val="|"/>
                                               <m:endChr m:val="|"/>
                                               <m:ctrlPr>
-                                                <a:rPr lang="en-US" i="1">
+                                                <a:rPr lang="en-US" sz="1600" i="1">
                                                   <a:solidFill>
                                                     <a:srgbClr val="000000"/>
                                                   </a:solidFill>
@@ -26299,7 +26033,7 @@
                                               <m:sSub>
                                                 <m:sSubPr>
                                                   <m:ctrlPr>
-                                                    <a:rPr lang="en-US" i="1">
+                                                    <a:rPr lang="en-US" sz="1600" i="1">
                                                       <a:solidFill>
                                                         <a:srgbClr val="000000"/>
                                                       </a:solidFill>
@@ -26309,7 +26043,7 @@
                                                 </m:sSubPr>
                                                 <m:e>
                                                   <m:r>
-                                                    <a:rPr lang="en-US" i="1">
+                                                    <a:rPr lang="en-US" sz="1600" i="1">
                                                       <a:solidFill>
                                                         <a:srgbClr val="000000"/>
                                                       </a:solidFill>
@@ -26320,7 +26054,7 @@
                                                 </m:e>
                                                 <m:sub>
                                                   <m:r>
-                                                    <a:rPr lang="en-US" i="1">
+                                                    <a:rPr lang="en-US" sz="1600" i="1">
                                                       <a:solidFill>
                                                         <a:srgbClr val="000000"/>
                                                       </a:solidFill>
@@ -26335,7 +26069,7 @@
                                         </m:e>
                                         <m:sup>
                                           <m:r>
-                                            <a:rPr lang="en-US" i="1">
+                                            <a:rPr lang="en-US" sz="1600" i="1">
                                               <a:solidFill>
                                                 <a:srgbClr val="000000"/>
                                               </a:solidFill>
@@ -26348,7 +26082,7 @@
                                       <m:sSub>
                                         <m:sSubPr>
                                           <m:ctrlPr>
-                                            <a:rPr lang="en-US" i="1">
+                                            <a:rPr lang="en-US" sz="1600" i="1">
                                               <a:solidFill>
                                                 <a:srgbClr val="000000"/>
                                               </a:solidFill>
@@ -26358,7 +26092,7 @@
                                         </m:sSubPr>
                                         <m:e>
                                           <m:r>
-                                            <a:rPr lang="en-US" i="1">
+                                            <a:rPr lang="en-US" sz="1600" i="1">
                                               <a:solidFill>
                                                 <a:srgbClr val="000000"/>
                                               </a:solidFill>
@@ -26369,7 +26103,7 @@
                                         </m:e>
                                         <m:sub>
                                           <m:r>
-                                            <a:rPr lang="en-US" i="1">
+                                            <a:rPr lang="en-US" sz="1600" i="1">
                                               <a:solidFill>
                                                 <a:srgbClr val="000000"/>
                                               </a:solidFill>
@@ -26387,293 +26121,347 @@
                           </m:d>
                         </m:e>
                       </m:func>
-                      <m:r>
-                        <a:rPr lang="en-US" i="1">
-                          <a:solidFill>
-                            <a:srgbClr val="000000"/>
-                          </a:solidFill>
-                          <a:latin typeface="Cambria Math" panose="02040503050406030204" pitchFamily="18" charset="0"/>
-                        </a:rPr>
-                        <m:t>=</m:t>
-                      </m:r>
-                      <m:func>
-                        <m:funcPr>
-                          <m:ctrlPr>
-                            <a:rPr lang="en-US" i="1">
-                              <a:solidFill>
-                                <a:srgbClr val="000000"/>
-                              </a:solidFill>
-                              <a:latin typeface="Cambria Math" panose="02040503050406030204" pitchFamily="18" charset="0"/>
-                            </a:rPr>
-                          </m:ctrlPr>
-                        </m:funcPr>
-                        <m:fName>
-                          <m:sSub>
-                            <m:sSubPr>
-                              <m:ctrlPr>
-                                <a:rPr lang="en-US" i="1">
-                                  <a:solidFill>
-                                    <a:srgbClr val="000000"/>
-                                  </a:solidFill>
-                                  <a:latin typeface="Cambria Math" panose="02040503050406030204" pitchFamily="18" charset="0"/>
-                                </a:rPr>
-                              </m:ctrlPr>
-                            </m:sSubPr>
-                            <m:e>
-                              <m:r>
-                                <m:rPr>
-                                  <m:sty m:val="p"/>
-                                </m:rPr>
-                                <a:rPr lang="en-US" i="0">
-                                  <a:solidFill>
-                                    <a:srgbClr val="000000"/>
-                                  </a:solidFill>
-                                  <a:latin typeface="Cambria Math" panose="02040503050406030204" pitchFamily="18" charset="0"/>
-                                </a:rPr>
-                                <m:t>log</m:t>
-                              </m:r>
-                            </m:e>
-                            <m:sub>
-                              <m:r>
-                                <a:rPr lang="en-US" i="1">
-                                  <a:solidFill>
-                                    <a:srgbClr val="000000"/>
-                                  </a:solidFill>
-                                  <a:latin typeface="Cambria Math" panose="02040503050406030204" pitchFamily="18" charset="0"/>
-                                </a:rPr>
-                                <m:t>2</m:t>
-                              </m:r>
-                            </m:sub>
-                          </m:sSub>
-                        </m:fName>
-                        <m:e>
-                          <m:d>
-                            <m:dPr>
-                              <m:ctrlPr>
-                                <a:rPr lang="en-US" i="1">
-                                  <a:solidFill>
-                                    <a:srgbClr val="000000"/>
-                                  </a:solidFill>
-                                  <a:latin typeface="Cambria Math" panose="02040503050406030204" pitchFamily="18" charset="0"/>
-                                </a:rPr>
-                              </m:ctrlPr>
-                            </m:dPr>
-                            <m:e>
-                              <m:r>
-                                <a:rPr lang="en-US" i="1">
-                                  <a:solidFill>
-                                    <a:srgbClr val="000000"/>
-                                  </a:solidFill>
-                                  <a:latin typeface="Cambria Math" panose="02040503050406030204" pitchFamily="18" charset="0"/>
-                                </a:rPr>
-                                <m:t>1+</m:t>
-                              </m:r>
-                              <m:f>
-                                <m:fPr>
-                                  <m:ctrlPr>
-                                    <a:rPr lang="en-US" i="1">
-                                      <a:solidFill>
-                                        <a:srgbClr val="000000"/>
-                                      </a:solidFill>
-                                      <a:latin typeface="Cambria Math" panose="02040503050406030204" pitchFamily="18" charset="0"/>
-                                    </a:rPr>
-                                  </m:ctrlPr>
-                                </m:fPr>
-                                <m:num>
-                                  <m:sSub>
-                                    <m:sSubPr>
-                                      <m:ctrlPr>
-                                        <a:rPr lang="en-US" i="1">
-                                          <a:solidFill>
-                                            <a:srgbClr val="000000"/>
-                                          </a:solidFill>
-                                          <a:latin typeface="Cambria Math" panose="02040503050406030204" pitchFamily="18" charset="0"/>
-                                        </a:rPr>
-                                      </m:ctrlPr>
-                                    </m:sSubPr>
-                                    <m:e>
-                                      <m:r>
-                                        <a:rPr lang="en-US" i="1">
-                                          <a:solidFill>
-                                            <a:srgbClr val="000000"/>
-                                          </a:solidFill>
-                                          <a:latin typeface="Cambria Math" panose="02040503050406030204" pitchFamily="18" charset="0"/>
-                                        </a:rPr>
-                                        <m:t>𝛾</m:t>
-                                      </m:r>
-                                    </m:e>
-                                    <m:sub>
-                                      <m:r>
-                                        <a:rPr lang="en-US" i="1">
-                                          <a:solidFill>
-                                            <a:srgbClr val="000000"/>
-                                          </a:solidFill>
-                                          <a:latin typeface="Cambria Math" panose="02040503050406030204" pitchFamily="18" charset="0"/>
-                                        </a:rPr>
-                                        <m:t>𝑆𝑅</m:t>
-                                      </m:r>
-                                    </m:sub>
-                                  </m:sSub>
-                                  <m:sSub>
-                                    <m:sSubPr>
-                                      <m:ctrlPr>
-                                        <a:rPr lang="en-US" i="1">
-                                          <a:solidFill>
-                                            <a:srgbClr val="000000"/>
-                                          </a:solidFill>
-                                          <a:latin typeface="Cambria Math" panose="02040503050406030204" pitchFamily="18" charset="0"/>
-                                        </a:rPr>
-                                      </m:ctrlPr>
-                                    </m:sSubPr>
-                                    <m:e>
-                                      <m:r>
-                                        <a:rPr lang="en-US" i="1">
-                                          <a:solidFill>
-                                            <a:srgbClr val="000000"/>
-                                          </a:solidFill>
-                                          <a:latin typeface="Cambria Math" panose="02040503050406030204" pitchFamily="18" charset="0"/>
-                                        </a:rPr>
-                                        <m:t>𝛼</m:t>
-                                      </m:r>
-                                    </m:e>
-                                    <m:sub>
-                                      <m:r>
-                                        <a:rPr lang="en-US" i="1">
-                                          <a:solidFill>
-                                            <a:srgbClr val="000000"/>
-                                          </a:solidFill>
-                                          <a:latin typeface="Cambria Math" panose="02040503050406030204" pitchFamily="18" charset="0"/>
-                                        </a:rPr>
-                                        <m:t>𝐶</m:t>
-                                      </m:r>
-                                    </m:sub>
-                                  </m:sSub>
-                                </m:num>
-                                <m:den>
-                                  <m:r>
-                                    <a:rPr lang="en-US" i="1">
-                                      <a:solidFill>
-                                        <a:srgbClr val="000000"/>
-                                      </a:solidFill>
-                                      <a:latin typeface="Cambria Math" panose="02040503050406030204" pitchFamily="18" charset="0"/>
-                                    </a:rPr>
-                                    <m:t>1+</m:t>
-                                  </m:r>
-                                  <m:d>
-                                    <m:dPr>
-                                      <m:ctrlPr>
-                                        <a:rPr lang="en-US" i="1">
-                                          <a:solidFill>
-                                            <a:srgbClr val="000000"/>
-                                          </a:solidFill>
-                                          <a:latin typeface="Cambria Math" panose="02040503050406030204" pitchFamily="18" charset="0"/>
-                                        </a:rPr>
-                                      </m:ctrlPr>
-                                    </m:dPr>
-                                    <m:e>
-                                      <m:sSub>
-                                        <m:sSubPr>
-                                          <m:ctrlPr>
-                                            <a:rPr lang="en-US" i="1">
-                                              <a:solidFill>
-                                                <a:srgbClr val="000000"/>
-                                              </a:solidFill>
-                                              <a:latin typeface="Cambria Math" panose="02040503050406030204" pitchFamily="18" charset="0"/>
-                                            </a:rPr>
-                                          </m:ctrlPr>
-                                        </m:sSubPr>
-                                        <m:e>
-                                          <m:r>
-                                            <a:rPr lang="en-US" i="1">
-                                              <a:solidFill>
-                                                <a:srgbClr val="000000"/>
-                                              </a:solidFill>
-                                              <a:latin typeface="Cambria Math" panose="02040503050406030204" pitchFamily="18" charset="0"/>
-                                            </a:rPr>
-                                            <m:t>𝛾</m:t>
-                                          </m:r>
-                                        </m:e>
-                                        <m:sub>
-                                          <m:r>
-                                            <a:rPr lang="en-US" i="1">
-                                              <a:solidFill>
-                                                <a:srgbClr val="000000"/>
-                                              </a:solidFill>
-                                              <a:latin typeface="Cambria Math" panose="02040503050406030204" pitchFamily="18" charset="0"/>
-                                            </a:rPr>
-                                            <m:t>𝑆𝑅</m:t>
-                                          </m:r>
-                                        </m:sub>
-                                      </m:sSub>
-                                      <m:r>
-                                        <a:rPr lang="en-US" i="1">
-                                          <a:solidFill>
-                                            <a:srgbClr val="000000"/>
-                                          </a:solidFill>
-                                          <a:latin typeface="Cambria Math" panose="02040503050406030204" pitchFamily="18" charset="0"/>
-                                        </a:rPr>
-                                        <m:t>+1</m:t>
-                                      </m:r>
-                                    </m:e>
-                                  </m:d>
-                                  <m:sSubSup>
-                                    <m:sSubSupPr>
-                                      <m:ctrlPr>
-                                        <a:rPr lang="en-US" i="1">
-                                          <a:solidFill>
-                                            <a:srgbClr val="000000"/>
-                                          </a:solidFill>
-                                          <a:latin typeface="Cambria Math" panose="02040503050406030204" pitchFamily="18" charset="0"/>
-                                        </a:rPr>
-                                      </m:ctrlPr>
-                                    </m:sSubSupPr>
-                                    <m:e>
-                                      <m:r>
-                                        <a:rPr lang="en-US" i="1">
-                                          <a:solidFill>
-                                            <a:srgbClr val="000000"/>
-                                          </a:solidFill>
-                                          <a:latin typeface="Cambria Math" panose="02040503050406030204" pitchFamily="18" charset="0"/>
-                                        </a:rPr>
-                                        <m:t>𝛾</m:t>
-                                      </m:r>
-                                    </m:e>
-                                    <m:sub>
-                                      <m:r>
-                                        <a:rPr lang="en-US" i="1">
-                                          <a:solidFill>
-                                            <a:srgbClr val="000000"/>
-                                          </a:solidFill>
-                                          <a:latin typeface="Cambria Math" panose="02040503050406030204" pitchFamily="18" charset="0"/>
-                                        </a:rPr>
-                                        <m:t>𝑅𝐷</m:t>
-                                      </m:r>
-                                    </m:sub>
-                                    <m:sup>
-                                      <m:r>
-                                        <a:rPr lang="en-US" i="1">
-                                          <a:solidFill>
-                                            <a:srgbClr val="000000"/>
-                                          </a:solidFill>
-                                          <a:latin typeface="Cambria Math" panose="02040503050406030204" pitchFamily="18" charset="0"/>
-                                        </a:rPr>
-                                        <m:t>−1</m:t>
-                                      </m:r>
-                                    </m:sup>
-                                  </m:sSubSup>
-                                </m:den>
-                              </m:f>
-                            </m:e>
-                          </m:d>
-                        </m:e>
-                      </m:func>
                     </m:oMath>
+                  </m:oMathPara>
+                </a14:m>
+                <a:endParaRPr lang="en-US" sz="1600" i="1" dirty="0">
+                  <a:solidFill>
+                    <a:srgbClr val="000000"/>
+                  </a:solidFill>
+                  <a:latin typeface="Cambria Math" panose="02040503050406030204" pitchFamily="18" charset="0"/>
+                </a:endParaRPr>
+              </a:p>
+              <a:p>
+                <a:endParaRPr lang="en-US" sz="1600" i="1" dirty="0">
+                  <a:solidFill>
+                    <a:srgbClr val="000000"/>
+                  </a:solidFill>
+                  <a:latin typeface="Cambria Math" panose="02040503050406030204" pitchFamily="18" charset="0"/>
+                </a:endParaRPr>
+              </a:p>
+              <a:p>
+                <a:pPr/>
+                <a:r>
+                  <a:rPr lang="en-US" sz="1600" i="1" dirty="0">
+                    <a:solidFill>
+                      <a:srgbClr val="000000"/>
+                    </a:solidFill>
+                    <a:latin typeface="Cambria Math" panose="02040503050406030204" pitchFamily="18" charset="0"/>
+                  </a:rPr>
+                  <a:t> </a:t>
+                </a:r>
+                <a14:m>
+                  <m:oMath xmlns:m="http://schemas.openxmlformats.org/officeDocument/2006/math">
+                    <m:r>
+                      <a:rPr lang="en-US" sz="1600" b="0" i="1" smtClean="0">
+                        <a:solidFill>
+                          <a:srgbClr val="000000"/>
+                        </a:solidFill>
+                        <a:latin typeface="Cambria Math" panose="02040503050406030204" pitchFamily="18" charset="0"/>
+                      </a:rPr>
+                      <m:t>    </m:t>
+                    </m:r>
+                    <m:r>
+                      <a:rPr lang="en-US" sz="1600" i="1">
+                        <a:solidFill>
+                          <a:srgbClr val="000000"/>
+                        </a:solidFill>
+                        <a:latin typeface="Cambria Math" panose="02040503050406030204" pitchFamily="18" charset="0"/>
+                      </a:rPr>
+                      <m:t>=</m:t>
+                    </m:r>
+                    <m:func>
+                      <m:funcPr>
+                        <m:ctrlPr>
+                          <a:rPr lang="en-US" sz="1600" i="1">
+                            <a:solidFill>
+                              <a:srgbClr val="000000"/>
+                            </a:solidFill>
+                            <a:latin typeface="Cambria Math" panose="02040503050406030204" pitchFamily="18" charset="0"/>
+                          </a:rPr>
+                        </m:ctrlPr>
+                      </m:funcPr>
+                      <m:fName>
+                        <m:sSub>
+                          <m:sSubPr>
+                            <m:ctrlPr>
+                              <a:rPr lang="en-US" sz="1600" i="1">
+                                <a:solidFill>
+                                  <a:srgbClr val="000000"/>
+                                </a:solidFill>
+                                <a:latin typeface="Cambria Math" panose="02040503050406030204" pitchFamily="18" charset="0"/>
+                              </a:rPr>
+                            </m:ctrlPr>
+                          </m:sSubPr>
+                          <m:e>
+                            <m:r>
+                              <m:rPr>
+                                <m:sty m:val="p"/>
+                              </m:rPr>
+                              <a:rPr lang="en-US" sz="1600">
+                                <a:solidFill>
+                                  <a:srgbClr val="000000"/>
+                                </a:solidFill>
+                                <a:latin typeface="Cambria Math" panose="02040503050406030204" pitchFamily="18" charset="0"/>
+                              </a:rPr>
+                              <m:t>log</m:t>
+                            </m:r>
+                          </m:e>
+                          <m:sub>
+                            <m:r>
+                              <a:rPr lang="en-US" sz="1600" i="1">
+                                <a:solidFill>
+                                  <a:srgbClr val="000000"/>
+                                </a:solidFill>
+                                <a:latin typeface="Cambria Math" panose="02040503050406030204" pitchFamily="18" charset="0"/>
+                              </a:rPr>
+                              <m:t>2</m:t>
+                            </m:r>
+                          </m:sub>
+                        </m:sSub>
+                      </m:fName>
+                      <m:e>
+                        <m:d>
+                          <m:dPr>
+                            <m:ctrlPr>
+                              <a:rPr lang="en-US" sz="1600" i="1">
+                                <a:solidFill>
+                                  <a:srgbClr val="000000"/>
+                                </a:solidFill>
+                                <a:latin typeface="Cambria Math" panose="02040503050406030204" pitchFamily="18" charset="0"/>
+                              </a:rPr>
+                            </m:ctrlPr>
+                          </m:dPr>
+                          <m:e>
+                            <m:r>
+                              <a:rPr lang="en-US" sz="1600" i="1">
+                                <a:solidFill>
+                                  <a:srgbClr val="000000"/>
+                                </a:solidFill>
+                                <a:latin typeface="Cambria Math" panose="02040503050406030204" pitchFamily="18" charset="0"/>
+                              </a:rPr>
+                              <m:t>1+</m:t>
+                            </m:r>
+                            <m:f>
+                              <m:fPr>
+                                <m:ctrlPr>
+                                  <a:rPr lang="en-US" sz="1600" i="1">
+                                    <a:solidFill>
+                                      <a:srgbClr val="000000"/>
+                                    </a:solidFill>
+                                    <a:latin typeface="Cambria Math" panose="02040503050406030204" pitchFamily="18" charset="0"/>
+                                  </a:rPr>
+                                </m:ctrlPr>
+                              </m:fPr>
+                              <m:num>
+                                <m:sSub>
+                                  <m:sSubPr>
+                                    <m:ctrlPr>
+                                      <a:rPr lang="en-US" sz="1600" i="1">
+                                        <a:solidFill>
+                                          <a:srgbClr val="000000"/>
+                                        </a:solidFill>
+                                        <a:latin typeface="Cambria Math" panose="02040503050406030204" pitchFamily="18" charset="0"/>
+                                      </a:rPr>
+                                    </m:ctrlPr>
+                                  </m:sSubPr>
+                                  <m:e>
+                                    <m:r>
+                                      <a:rPr lang="en-US" sz="1600" i="1">
+                                        <a:solidFill>
+                                          <a:srgbClr val="000000"/>
+                                        </a:solidFill>
+                                        <a:latin typeface="Cambria Math" panose="02040503050406030204" pitchFamily="18" charset="0"/>
+                                      </a:rPr>
+                                      <m:t>𝛾</m:t>
+                                    </m:r>
+                                  </m:e>
+                                  <m:sub>
+                                    <m:r>
+                                      <a:rPr lang="en-US" sz="1600" i="1">
+                                        <a:solidFill>
+                                          <a:srgbClr val="000000"/>
+                                        </a:solidFill>
+                                        <a:latin typeface="Cambria Math" panose="02040503050406030204" pitchFamily="18" charset="0"/>
+                                      </a:rPr>
+                                      <m:t>𝑆𝑅</m:t>
+                                    </m:r>
+                                  </m:sub>
+                                </m:sSub>
+                                <m:sSub>
+                                  <m:sSubPr>
+                                    <m:ctrlPr>
+                                      <a:rPr lang="en-US" sz="1600" i="1">
+                                        <a:solidFill>
+                                          <a:srgbClr val="000000"/>
+                                        </a:solidFill>
+                                        <a:latin typeface="Cambria Math" panose="02040503050406030204" pitchFamily="18" charset="0"/>
+                                      </a:rPr>
+                                    </m:ctrlPr>
+                                  </m:sSubPr>
+                                  <m:e>
+                                    <m:r>
+                                      <a:rPr lang="en-US" sz="1600" i="1">
+                                        <a:solidFill>
+                                          <a:srgbClr val="000000"/>
+                                        </a:solidFill>
+                                        <a:latin typeface="Cambria Math" panose="02040503050406030204" pitchFamily="18" charset="0"/>
+                                      </a:rPr>
+                                      <m:t>𝛼</m:t>
+                                    </m:r>
+                                  </m:e>
+                                  <m:sub>
+                                    <m:r>
+                                      <a:rPr lang="en-US" sz="1600" i="1">
+                                        <a:solidFill>
+                                          <a:srgbClr val="000000"/>
+                                        </a:solidFill>
+                                        <a:latin typeface="Cambria Math" panose="02040503050406030204" pitchFamily="18" charset="0"/>
+                                      </a:rPr>
+                                      <m:t>𝐶</m:t>
+                                    </m:r>
+                                  </m:sub>
+                                </m:sSub>
+                              </m:num>
+                              <m:den>
+                                <m:r>
+                                  <a:rPr lang="en-US" sz="1600" i="1">
+                                    <a:solidFill>
+                                      <a:srgbClr val="000000"/>
+                                    </a:solidFill>
+                                    <a:latin typeface="Cambria Math" panose="02040503050406030204" pitchFamily="18" charset="0"/>
+                                  </a:rPr>
+                                  <m:t>1+</m:t>
+                                </m:r>
+                                <m:d>
+                                  <m:dPr>
+                                    <m:ctrlPr>
+                                      <a:rPr lang="en-US" sz="1600" i="1">
+                                        <a:solidFill>
+                                          <a:srgbClr val="000000"/>
+                                        </a:solidFill>
+                                        <a:latin typeface="Cambria Math" panose="02040503050406030204" pitchFamily="18" charset="0"/>
+                                      </a:rPr>
+                                    </m:ctrlPr>
+                                  </m:dPr>
+                                  <m:e>
+                                    <m:sSub>
+                                      <m:sSubPr>
+                                        <m:ctrlPr>
+                                          <a:rPr lang="en-US" sz="1600" i="1">
+                                            <a:solidFill>
+                                              <a:srgbClr val="000000"/>
+                                            </a:solidFill>
+                                            <a:latin typeface="Cambria Math" panose="02040503050406030204" pitchFamily="18" charset="0"/>
+                                          </a:rPr>
+                                        </m:ctrlPr>
+                                      </m:sSubPr>
+                                      <m:e>
+                                        <m:r>
+                                          <a:rPr lang="en-US" sz="1600" i="1">
+                                            <a:solidFill>
+                                              <a:srgbClr val="000000"/>
+                                            </a:solidFill>
+                                            <a:latin typeface="Cambria Math" panose="02040503050406030204" pitchFamily="18" charset="0"/>
+                                          </a:rPr>
+                                          <m:t>𝛾</m:t>
+                                        </m:r>
+                                      </m:e>
+                                      <m:sub>
+                                        <m:r>
+                                          <a:rPr lang="en-US" sz="1600" i="1">
+                                            <a:solidFill>
+                                              <a:srgbClr val="000000"/>
+                                            </a:solidFill>
+                                            <a:latin typeface="Cambria Math" panose="02040503050406030204" pitchFamily="18" charset="0"/>
+                                          </a:rPr>
+                                          <m:t>𝑆𝑅</m:t>
+                                        </m:r>
+                                      </m:sub>
+                                    </m:sSub>
+                                    <m:r>
+                                      <a:rPr lang="en-US" sz="1600" i="1">
+                                        <a:solidFill>
+                                          <a:srgbClr val="000000"/>
+                                        </a:solidFill>
+                                        <a:latin typeface="Cambria Math" panose="02040503050406030204" pitchFamily="18" charset="0"/>
+                                      </a:rPr>
+                                      <m:t>+1</m:t>
+                                    </m:r>
+                                  </m:e>
+                                </m:d>
+                                <m:sSubSup>
+                                  <m:sSubSupPr>
+                                    <m:ctrlPr>
+                                      <a:rPr lang="en-US" sz="1600" i="1">
+                                        <a:solidFill>
+                                          <a:srgbClr val="000000"/>
+                                        </a:solidFill>
+                                        <a:latin typeface="Cambria Math" panose="02040503050406030204" pitchFamily="18" charset="0"/>
+                                      </a:rPr>
+                                    </m:ctrlPr>
+                                  </m:sSubSupPr>
+                                  <m:e>
+                                    <m:r>
+                                      <a:rPr lang="en-US" sz="1600" i="1">
+                                        <a:solidFill>
+                                          <a:srgbClr val="000000"/>
+                                        </a:solidFill>
+                                        <a:latin typeface="Cambria Math" panose="02040503050406030204" pitchFamily="18" charset="0"/>
+                                      </a:rPr>
+                                      <m:t>𝛾</m:t>
+                                    </m:r>
+                                  </m:e>
+                                  <m:sub>
+                                    <m:r>
+                                      <a:rPr lang="en-US" sz="1600" i="1">
+                                        <a:solidFill>
+                                          <a:srgbClr val="000000"/>
+                                        </a:solidFill>
+                                        <a:latin typeface="Cambria Math" panose="02040503050406030204" pitchFamily="18" charset="0"/>
+                                      </a:rPr>
+                                      <m:t>𝑅𝐷</m:t>
+                                    </m:r>
+                                  </m:sub>
+                                  <m:sup>
+                                    <m:r>
+                                      <a:rPr lang="en-US" sz="1600" i="1">
+                                        <a:solidFill>
+                                          <a:srgbClr val="000000"/>
+                                        </a:solidFill>
+                                        <a:latin typeface="Cambria Math" panose="02040503050406030204" pitchFamily="18" charset="0"/>
+                                      </a:rPr>
+                                      <m:t>−1</m:t>
+                                    </m:r>
+                                  </m:sup>
+                                </m:sSubSup>
+                              </m:den>
+                            </m:f>
+                          </m:e>
+                        </m:d>
+                      </m:e>
+                    </m:func>
+                  </m:oMath>
+                </a14:m>
+                <a:br>
+                  <a:rPr lang="en-US" sz="1600" i="1" dirty="0">
+                    <a:solidFill>
+                      <a:srgbClr val="000000"/>
+                    </a:solidFill>
+                    <a:latin typeface="Cambria Math" panose="02040503050406030204" pitchFamily="18" charset="0"/>
+                  </a:rPr>
+                </a:br>
+                <a14:m>
+                  <m:oMathPara xmlns:m="http://schemas.openxmlformats.org/officeDocument/2006/math">
+                    <m:oMathParaPr>
+                      <m:jc m:val="left"/>
+                    </m:oMathParaPr>
                     <m:oMath xmlns:m="http://schemas.openxmlformats.org/officeDocument/2006/math">
                       <m:r>
                         <m:rPr>
                           <m:nor/>
                         </m:rPr>
-                        <a:rPr lang="en-US" i="0">
+                        <a:rPr lang="en-US" sz="1600" i="0">
                           <a:solidFill>
                             <a:srgbClr val="000000"/>
                           </a:solidFill>
@@ -26685,7 +26473,7 @@
                         <m:rPr>
                           <m:nor/>
                         </m:rPr>
-                        <a:rPr lang="en-US" i="0">
+                        <a:rPr lang="en-US" sz="1600" i="0">
                           <a:solidFill>
                             <a:srgbClr val="000000"/>
                           </a:solidFill>
@@ -26696,7 +26484,7 @@
                       <m:sSub>
                         <m:sSubPr>
                           <m:ctrlPr>
-                            <a:rPr lang="en-US" i="1">
+                            <a:rPr lang="en-US" sz="1600" i="1">
                               <a:solidFill>
                                 <a:srgbClr val="000000"/>
                               </a:solidFill>
@@ -26706,7 +26494,7 @@
                         </m:sSubPr>
                         <m:e>
                           <m:r>
-                            <a:rPr lang="en-US" i="1">
+                            <a:rPr lang="en-US" sz="1600" i="1">
                               <a:solidFill>
                                 <a:srgbClr val="000000"/>
                               </a:solidFill>
@@ -26717,7 +26505,7 @@
                         </m:e>
                         <m:sub>
                           <m:r>
-                            <a:rPr lang="en-US" i="1">
+                            <a:rPr lang="en-US" sz="1600" i="1">
                               <a:solidFill>
                                 <a:srgbClr val="000000"/>
                               </a:solidFill>
@@ -26728,7 +26516,7 @@
                         </m:sub>
                       </m:sSub>
                       <m:r>
-                        <a:rPr lang="en-US" i="1">
+                        <a:rPr lang="en-US" sz="1600" i="1">
                           <a:solidFill>
                             <a:srgbClr val="000000"/>
                           </a:solidFill>
@@ -26739,7 +26527,7 @@
                       <m:f>
                         <m:fPr>
                           <m:ctrlPr>
-                            <a:rPr lang="en-US" i="1">
+                            <a:rPr lang="en-US" sz="1600" i="1">
                               <a:solidFill>
                                 <a:srgbClr val="000000"/>
                               </a:solidFill>
@@ -26751,7 +26539,7 @@
                           <m:sSup>
                             <m:sSupPr>
                               <m:ctrlPr>
-                                <a:rPr lang="en-US" i="1">
+                                <a:rPr lang="en-US" sz="1600" i="1">
                                   <a:solidFill>
                                     <a:srgbClr val="000000"/>
                                   </a:solidFill>
@@ -26765,7 +26553,7 @@
                                   <m:begChr m:val="|"/>
                                   <m:endChr m:val="|"/>
                                   <m:ctrlPr>
-                                    <a:rPr lang="en-US" i="1">
+                                    <a:rPr lang="en-US" sz="1600" i="1">
                                       <a:solidFill>
                                         <a:srgbClr val="000000"/>
                                       </a:solidFill>
@@ -26777,7 +26565,7 @@
                                   <m:sSub>
                                     <m:sSubPr>
                                       <m:ctrlPr>
-                                        <a:rPr lang="en-US" i="1">
+                                        <a:rPr lang="en-US" sz="1600" i="1">
                                           <a:solidFill>
                                             <a:srgbClr val="000000"/>
                                           </a:solidFill>
@@ -26787,7 +26575,7 @@
                                     </m:sSubPr>
                                     <m:e>
                                       <m:r>
-                                        <a:rPr lang="en-US" i="1">
+                                        <a:rPr lang="en-US" sz="1600" i="1">
                                           <a:solidFill>
                                             <a:srgbClr val="000000"/>
                                           </a:solidFill>
@@ -26798,7 +26586,7 @@
                                     </m:e>
                                     <m:sub>
                                       <m:r>
-                                        <a:rPr lang="en-US" i="1">
+                                        <a:rPr lang="en-US" sz="1600" i="1">
                                           <a:solidFill>
                                             <a:srgbClr val="000000"/>
                                           </a:solidFill>
@@ -26813,7 +26601,7 @@
                             </m:e>
                             <m:sup>
                               <m:r>
-                                <a:rPr lang="en-US" i="1">
+                                <a:rPr lang="en-US" sz="1600" i="1">
                                   <a:solidFill>
                                     <a:srgbClr val="000000"/>
                                   </a:solidFill>
@@ -26826,7 +26614,7 @@
                           <m:sSub>
                             <m:sSubPr>
                               <m:ctrlPr>
-                                <a:rPr lang="en-US" i="1">
+                                <a:rPr lang="en-US" sz="1600" i="1">
                                   <a:solidFill>
                                     <a:srgbClr val="000000"/>
                                   </a:solidFill>
@@ -26836,7 +26624,7 @@
                             </m:sSubPr>
                             <m:e>
                               <m:r>
-                                <a:rPr lang="en-US" i="1">
+                                <a:rPr lang="en-US" sz="1600" i="1">
                                   <a:solidFill>
                                     <a:srgbClr val="000000"/>
                                   </a:solidFill>
@@ -26847,7 +26635,7 @@
                             </m:e>
                             <m:sub>
                               <m:r>
-                                <a:rPr lang="en-US" i="1">
+                                <a:rPr lang="en-US" sz="1600" i="1">
                                   <a:solidFill>
                                     <a:srgbClr val="000000"/>
                                   </a:solidFill>
@@ -26862,7 +26650,7 @@
                           <m:sSubSup>
                             <m:sSubSupPr>
                               <m:ctrlPr>
-                                <a:rPr lang="en-US" i="1">
+                                <a:rPr lang="en-US" sz="1600" i="1">
                                   <a:solidFill>
                                     <a:srgbClr val="000000"/>
                                   </a:solidFill>
@@ -26872,7 +26660,7 @@
                             </m:sSubSupPr>
                             <m:e>
                               <m:r>
-                                <a:rPr lang="en-US" i="1">
+                                <a:rPr lang="en-US" sz="1600" i="1">
                                   <a:solidFill>
                                     <a:srgbClr val="000000"/>
                                   </a:solidFill>
@@ -26883,7 +26671,7 @@
                             </m:e>
                             <m:sub>
                               <m:r>
-                                <a:rPr lang="en-US" i="1">
+                                <a:rPr lang="en-US" sz="1600" i="1">
                                   <a:solidFill>
                                     <a:srgbClr val="000000"/>
                                   </a:solidFill>
@@ -26894,7 +26682,7 @@
                             </m:sub>
                             <m:sup>
                               <m:r>
-                                <a:rPr lang="en-US" i="1">
+                                <a:rPr lang="en-US" sz="1600" i="1">
                                   <a:solidFill>
                                     <a:srgbClr val="000000"/>
                                   </a:solidFill>
@@ -26910,7 +26698,7 @@
                         <m:rPr>
                           <m:nor/>
                         </m:rPr>
-                        <a:rPr lang="en-US" i="0">
+                        <a:rPr lang="en-US" sz="1600" i="0">
                           <a:solidFill>
                             <a:srgbClr val="000000"/>
                           </a:solidFill>
@@ -26922,7 +26710,7 @@
                         <m:rPr>
                           <m:nor/>
                         </m:rPr>
-                        <a:rPr lang="en-US" i="0">
+                        <a:rPr lang="en-US" sz="1600" i="0">
                           <a:solidFill>
                             <a:srgbClr val="000000"/>
                           </a:solidFill>
@@ -26934,7 +26722,7 @@
                         <m:rPr>
                           <m:nor/>
                         </m:rPr>
-                        <a:rPr lang="en-US" i="0">
+                        <a:rPr lang="en-US" sz="1600" i="0">
                           <a:solidFill>
                             <a:srgbClr val="000000"/>
                           </a:solidFill>
@@ -26945,7 +26733,7 @@
                       <m:sSub>
                         <m:sSubPr>
                           <m:ctrlPr>
-                            <a:rPr lang="en-US" i="1">
+                            <a:rPr lang="en-US" sz="1600" i="1">
                               <a:solidFill>
                                 <a:srgbClr val="000000"/>
                               </a:solidFill>
@@ -26955,7 +26743,7 @@
                         </m:sSubPr>
                         <m:e>
                           <m:r>
-                            <a:rPr lang="en-US" i="1">
+                            <a:rPr lang="en-US" sz="1600" i="1">
                               <a:solidFill>
                                 <a:srgbClr val="000000"/>
                               </a:solidFill>
@@ -26966,7 +26754,7 @@
                         </m:e>
                         <m:sub>
                           <m:r>
-                            <a:rPr lang="en-US" i="1">
+                            <a:rPr lang="en-US" sz="1600" i="1">
                               <a:solidFill>
                                 <a:srgbClr val="000000"/>
                               </a:solidFill>
@@ -26977,7 +26765,7 @@
                         </m:sub>
                       </m:sSub>
                       <m:r>
-                        <a:rPr lang="en-US" i="1">
+                        <a:rPr lang="en-US" sz="1600" i="1">
                           <a:solidFill>
                             <a:srgbClr val="000000"/>
                           </a:solidFill>
@@ -26988,7 +26776,7 @@
                       <m:f>
                         <m:fPr>
                           <m:ctrlPr>
-                            <a:rPr lang="en-US" i="1">
+                            <a:rPr lang="en-US" sz="1600" i="1">
                               <a:solidFill>
                                 <a:srgbClr val="000000"/>
                               </a:solidFill>
@@ -27000,7 +26788,7 @@
                           <m:sSup>
                             <m:sSupPr>
                               <m:ctrlPr>
-                                <a:rPr lang="en-US" i="1">
+                                <a:rPr lang="en-US" sz="1600" i="1">
                                   <a:solidFill>
                                     <a:srgbClr val="000000"/>
                                   </a:solidFill>
@@ -27014,7 +26802,7 @@
                                   <m:begChr m:val="|"/>
                                   <m:endChr m:val="|"/>
                                   <m:ctrlPr>
-                                    <a:rPr lang="en-US" i="1">
+                                    <a:rPr lang="en-US" sz="1600" i="1">
                                       <a:solidFill>
                                         <a:srgbClr val="000000"/>
                                       </a:solidFill>
@@ -27026,7 +26814,7 @@
                                   <m:sSub>
                                     <m:sSubPr>
                                       <m:ctrlPr>
-                                        <a:rPr lang="en-US" i="1">
+                                        <a:rPr lang="en-US" sz="1600" i="1">
                                           <a:solidFill>
                                             <a:srgbClr val="000000"/>
                                           </a:solidFill>
@@ -27036,7 +26824,7 @@
                                     </m:sSubPr>
                                     <m:e>
                                       <m:r>
-                                        <a:rPr lang="en-US" i="1">
+                                        <a:rPr lang="en-US" sz="1600" i="1">
                                           <a:solidFill>
                                             <a:srgbClr val="000000"/>
                                           </a:solidFill>
@@ -27047,7 +26835,7 @@
                                     </m:e>
                                     <m:sub>
                                       <m:r>
-                                        <a:rPr lang="en-US" i="1">
+                                        <a:rPr lang="en-US" sz="1600" i="1">
                                           <a:solidFill>
                                             <a:srgbClr val="000000"/>
                                           </a:solidFill>
@@ -27062,7 +26850,7 @@
                             </m:e>
                             <m:sup>
                               <m:r>
-                                <a:rPr lang="en-US" i="1">
+                                <a:rPr lang="en-US" sz="1600" i="1">
                                   <a:solidFill>
                                     <a:srgbClr val="000000"/>
                                   </a:solidFill>
@@ -27075,7 +26863,7 @@
                           <m:sSub>
                             <m:sSubPr>
                               <m:ctrlPr>
-                                <a:rPr lang="en-US" i="1">
+                                <a:rPr lang="en-US" sz="1600" i="1">
                                   <a:solidFill>
                                     <a:srgbClr val="000000"/>
                                   </a:solidFill>
@@ -27085,7 +26873,7 @@
                             </m:sSubPr>
                             <m:e>
                               <m:r>
-                                <a:rPr lang="en-US" i="1">
+                                <a:rPr lang="en-US" sz="1600" i="1">
                                   <a:solidFill>
                                     <a:srgbClr val="000000"/>
                                   </a:solidFill>
@@ -27096,7 +26884,7 @@
                             </m:e>
                             <m:sub>
                               <m:r>
-                                <a:rPr lang="en-US" i="1">
+                                <a:rPr lang="en-US" sz="1600" i="1">
                                   <a:solidFill>
                                     <a:srgbClr val="000000"/>
                                   </a:solidFill>
@@ -27111,7 +26899,7 @@
                           <m:sSubSup>
                             <m:sSubSupPr>
                               <m:ctrlPr>
-                                <a:rPr lang="en-US" i="1">
+                                <a:rPr lang="en-US" sz="1600" i="1">
                                   <a:solidFill>
                                     <a:srgbClr val="000000"/>
                                   </a:solidFill>
@@ -27121,7 +26909,7 @@
                             </m:sSubSupPr>
                             <m:e>
                               <m:r>
-                                <a:rPr lang="en-US" i="1">
+                                <a:rPr lang="en-US" sz="1600" i="1">
                                   <a:solidFill>
                                     <a:srgbClr val="000000"/>
                                   </a:solidFill>
@@ -27132,7 +26920,7 @@
                             </m:e>
                             <m:sub>
                               <m:r>
-                                <a:rPr lang="en-US" i="1">
+                                <a:rPr lang="en-US" sz="1600" i="1">
                                   <a:solidFill>
                                     <a:srgbClr val="000000"/>
                                   </a:solidFill>
@@ -27143,7 +26931,7 @@
                             </m:sub>
                             <m:sup>
                               <m:r>
-                                <a:rPr lang="en-US" i="1">
+                                <a:rPr lang="en-US" sz="1600" i="1">
                                   <a:solidFill>
                                     <a:srgbClr val="000000"/>
                                   </a:solidFill>
@@ -27158,7 +26946,7 @@
                     </m:oMath>
                   </m:oMathPara>
                 </a14:m>
-                <a:endParaRPr lang="en-US" dirty="0"/>
+                <a:endParaRPr lang="en-US" sz="1600" dirty="0"/>
               </a:p>
             </p:txBody>
           </p:sp>
@@ -27180,8 +26968,8 @@
             </p:nvSpPr>
             <p:spPr>
               <a:xfrm>
-                <a:off x="2058988" y="4575175"/>
-                <a:ext cx="8958262" cy="2270125"/>
+                <a:off x="1999013" y="4449289"/>
+                <a:ext cx="9018237" cy="2396012"/>
               </a:xfrm>
               <a:prstGeom prst="rect">
                 <a:avLst/>
@@ -27210,10 +26998,67 @@
       </mc:AlternateContent>
       <p:sp>
         <p:nvSpPr>
-          <p:cNvPr id="19" name="TextBox 18">
+          <p:cNvPr id="4" name="사각형: 둥근 모서리 8">
             <a:extLst>
               <a:ext uri="{FF2B5EF4-FFF2-40B4-BE49-F238E27FC236}">
-                <a16:creationId xmlns:a16="http://schemas.microsoft.com/office/drawing/2014/main" id="{A3EDC224-C89B-182D-EFDD-3F776B70D49D}"/>
+                <a16:creationId xmlns:a16="http://schemas.microsoft.com/office/drawing/2014/main" id="{7677C296-FBA6-2A46-6F21-5241589C45EE}"/>
+              </a:ext>
+            </a:extLst>
+          </p:cNvPr>
+          <p:cNvSpPr/>
+          <p:nvPr/>
+        </p:nvSpPr>
+        <p:spPr>
+          <a:xfrm>
+            <a:off x="5003470" y="2625417"/>
+            <a:ext cx="1915886" cy="766968"/>
+          </a:xfrm>
+          <a:prstGeom prst="roundRect">
+            <a:avLst/>
+          </a:prstGeom>
+          <a:solidFill>
+            <a:srgbClr val="FF0000">
+              <a:alpha val="20000"/>
+            </a:srgbClr>
+          </a:solidFill>
+          <a:ln>
+            <a:solidFill>
+              <a:srgbClr val="FF0000"/>
+            </a:solidFill>
+            <a:prstDash val="dash"/>
+          </a:ln>
+        </p:spPr>
+        <p:style>
+          <a:lnRef idx="2">
+            <a:schemeClr val="accent1">
+              <a:shade val="50000"/>
+            </a:schemeClr>
+          </a:lnRef>
+          <a:fillRef idx="1">
+            <a:schemeClr val="accent1"/>
+          </a:fillRef>
+          <a:effectRef idx="0">
+            <a:schemeClr val="accent1"/>
+          </a:effectRef>
+          <a:fontRef idx="minor">
+            <a:schemeClr val="lt1"/>
+          </a:fontRef>
+        </p:style>
+        <p:txBody>
+          <a:bodyPr rtlCol="0" anchor="ctr"/>
+          <a:lstStyle/>
+          <a:p>
+            <a:pPr algn="ctr"/>
+            <a:endParaRPr lang="ko-KR" altLang="en-US"/>
+          </a:p>
+        </p:txBody>
+      </p:sp>
+      <p:sp>
+        <p:nvSpPr>
+          <p:cNvPr id="7" name="TextBox 6">
+            <a:extLst>
+              <a:ext uri="{FF2B5EF4-FFF2-40B4-BE49-F238E27FC236}">
+                <a16:creationId xmlns:a16="http://schemas.microsoft.com/office/drawing/2014/main" id="{16DA324F-7B31-5BE0-CBD5-60DA89D16671}"/>
               </a:ext>
             </a:extLst>
           </p:cNvPr>
@@ -27253,7 +27098,7 @@
                   </a:schemeClr>
                 </a:solidFill>
               </a:rPr>
-              <a:t> Problem Formulation    Numerical Result  </a:t>
+              <a:t> Problem Formulation  Numerical Result  </a:t>
             </a:r>
             <a:endParaRPr lang="ko-KR" altLang="en-US" sz="1200" b="1" dirty="0">
               <a:solidFill>
@@ -28443,73 +28288,6 @@
       </mc:AlternateContent>
       <p:sp>
         <p:nvSpPr>
-          <p:cNvPr id="5" name="TextBox 4">
-            <a:extLst>
-              <a:ext uri="{FF2B5EF4-FFF2-40B4-BE49-F238E27FC236}">
-                <a16:creationId xmlns:a16="http://schemas.microsoft.com/office/drawing/2014/main" id="{4B3C0B50-2BE5-46B5-A7EB-587B99F075AC}"/>
-              </a:ext>
-            </a:extLst>
-          </p:cNvPr>
-          <p:cNvSpPr txBox="1"/>
-          <p:nvPr/>
-        </p:nvSpPr>
-        <p:spPr>
-          <a:xfrm>
-            <a:off x="43877" y="0"/>
-            <a:ext cx="4433120" cy="276999"/>
-          </a:xfrm>
-          <a:prstGeom prst="rect">
-            <a:avLst/>
-          </a:prstGeom>
-          <a:noFill/>
-        </p:spPr>
-        <p:txBody>
-          <a:bodyPr wrap="square" rtlCol="0">
-            <a:spAutoFit/>
-          </a:bodyPr>
-          <a:lstStyle/>
-          <a:p>
-            <a:pPr algn="r"/>
-            <a:r>
-              <a:rPr lang="en-US" altLang="ko-KR" sz="1200" b="1" dirty="0">
-                <a:solidFill>
-                  <a:schemeClr val="bg2">
-                    <a:lumMod val="50000"/>
-                  </a:schemeClr>
-                </a:solidFill>
-              </a:rPr>
-              <a:t>System Model </a:t>
-            </a:r>
-            <a:r>
-              <a:rPr lang="en-US" altLang="ko-KR" sz="1200" b="1" dirty="0">
-                <a:solidFill>
-                  <a:schemeClr val="bg2"/>
-                </a:solidFill>
-              </a:rPr>
-              <a:t>Problem Formulation   </a:t>
-            </a:r>
-            <a:r>
-              <a:rPr lang="en-US" altLang="ko-KR" sz="1200" b="1" dirty="0">
-                <a:solidFill>
-                  <a:schemeClr val="bg2">
-                    <a:lumMod val="50000"/>
-                  </a:schemeClr>
-                </a:solidFill>
-              </a:rPr>
-              <a:t>Numerical Result  </a:t>
-            </a:r>
-            <a:endParaRPr lang="ko-KR" altLang="en-US" sz="1200" b="1" dirty="0">
-              <a:solidFill>
-                <a:schemeClr val="bg2">
-                  <a:lumMod val="50000"/>
-                </a:schemeClr>
-              </a:solidFill>
-            </a:endParaRPr>
-          </a:p>
-        </p:txBody>
-      </p:sp>
-      <p:sp>
-        <p:nvSpPr>
           <p:cNvPr id="6" name="슬라이드 번호 개체 틀 5">
             <a:extLst>
               <a:ext uri="{FF2B5EF4-FFF2-40B4-BE49-F238E27FC236}">
@@ -28550,10 +28328,10 @@
         <mc:Choice Requires="a14">
           <p:sp>
             <p:nvSpPr>
-              <p:cNvPr id="4" name="개체 4">
+              <p:cNvPr id="7" name="개체 4">
                 <a:extLst>
                   <a:ext uri="{FF2B5EF4-FFF2-40B4-BE49-F238E27FC236}">
-                    <a16:creationId xmlns:a16="http://schemas.microsoft.com/office/drawing/2014/main" id="{A141909B-E004-2942-B38C-D93498908553}"/>
+                    <a16:creationId xmlns:a16="http://schemas.microsoft.com/office/drawing/2014/main" id="{1E8B4D30-CFB5-0A26-0302-4A01C9A8772C}"/>
                   </a:ext>
                 </a:extLst>
               </p:cNvPr>
@@ -28576,7 +28354,7 @@
             </p:spPr>
             <p:txBody>
               <a:bodyPr>
-                <a:normAutofit fontScale="92500"/>
+                <a:normAutofit fontScale="85000" lnSpcReduction="10000"/>
               </a:bodyPr>
               <a:lstStyle/>
               <a:p>
@@ -28588,7 +28366,7 @@
                     </m:oMathParaPr>
                     <m:oMath xmlns:m="http://schemas.openxmlformats.org/officeDocument/2006/math">
                       <m:r>
-                        <a:rPr lang="en-US" i="1">
+                        <a:rPr lang="en-US" i="1" smtClean="0">
                           <a:solidFill>
                             <a:srgbClr val="000000"/>
                           </a:solidFill>
@@ -29641,445 +29419,479 @@
                         </m:sup>
                       </m:sSubSup>
                     </m:oMath>
+                  </m:oMathPara>
+                </a14:m>
+                <a:endParaRPr lang="en-US" i="1" dirty="0">
+                  <a:solidFill>
+                    <a:srgbClr val="000000"/>
+                  </a:solidFill>
+                  <a:latin typeface="Cambria Math" panose="02040503050406030204" pitchFamily="18" charset="0"/>
+                </a:endParaRPr>
+              </a:p>
+              <a:p>
+                <a:r>
+                  <a:rPr lang="en-US" i="1" dirty="0">
+                    <a:solidFill>
+                      <a:srgbClr val="000000"/>
+                    </a:solidFill>
+                    <a:latin typeface="Cambria Math" panose="02040503050406030204" pitchFamily="18" charset="0"/>
+                  </a:rPr>
+                  <a:t>		 </a:t>
+                </a:r>
+                <a14:m>
+                  <m:oMath xmlns:m="http://schemas.openxmlformats.org/officeDocument/2006/math">
+                    <m:r>
+                      <a:rPr lang="en-US" i="1" smtClean="0">
+                        <a:solidFill>
+                          <a:srgbClr val="000000"/>
+                        </a:solidFill>
+                        <a:latin typeface="Cambria Math" panose="02040503050406030204" pitchFamily="18" charset="0"/>
+                      </a:rPr>
+                      <m:t>≥</m:t>
+                    </m:r>
+                    <m:sSup>
+                      <m:sSupPr>
+                        <m:ctrlPr>
+                          <a:rPr lang="en-US" i="1">
+                            <a:solidFill>
+                              <a:srgbClr val="000000"/>
+                            </a:solidFill>
+                            <a:latin typeface="Cambria Math" panose="02040503050406030204" pitchFamily="18" charset="0"/>
+                          </a:rPr>
+                        </m:ctrlPr>
+                      </m:sSupPr>
+                      <m:e>
+                        <m:d>
+                          <m:dPr>
+                            <m:begChr m:val="|"/>
+                            <m:endChr m:val="|"/>
+                            <m:ctrlPr>
+                              <a:rPr lang="en-US" i="1">
+                                <a:solidFill>
+                                  <a:srgbClr val="000000"/>
+                                </a:solidFill>
+                                <a:latin typeface="Cambria Math" panose="02040503050406030204" pitchFamily="18" charset="0"/>
+                              </a:rPr>
+                            </m:ctrlPr>
+                          </m:dPr>
+                          <m:e>
+                            <m:sSub>
+                              <m:sSubPr>
+                                <m:ctrlPr>
+                                  <a:rPr lang="en-US" i="1">
+                                    <a:solidFill>
+                                      <a:srgbClr val="000000"/>
+                                    </a:solidFill>
+                                    <a:latin typeface="Cambria Math" panose="02040503050406030204" pitchFamily="18" charset="0"/>
+                                  </a:rPr>
+                                </m:ctrlPr>
+                              </m:sSubPr>
+                              <m:e>
+                                <m:r>
+                                  <a:rPr lang="en-US" i="1">
+                                    <a:solidFill>
+                                      <a:srgbClr val="000000"/>
+                                    </a:solidFill>
+                                    <a:latin typeface="Cambria Math" panose="02040503050406030204" pitchFamily="18" charset="0"/>
+                                  </a:rPr>
+                                  <m:t>h</m:t>
+                                </m:r>
+                              </m:e>
+                              <m:sub>
+                                <m:r>
+                                  <a:rPr lang="en-US" i="1">
+                                    <a:solidFill>
+                                      <a:srgbClr val="000000"/>
+                                    </a:solidFill>
+                                    <a:latin typeface="Cambria Math" panose="02040503050406030204" pitchFamily="18" charset="0"/>
+                                  </a:rPr>
+                                  <m:t>𝑆𝑅</m:t>
+                                </m:r>
+                              </m:sub>
+                            </m:sSub>
+                          </m:e>
+                        </m:d>
+                      </m:e>
+                      <m:sup>
+                        <m:r>
+                          <a:rPr lang="en-US" i="1">
+                            <a:solidFill>
+                              <a:srgbClr val="000000"/>
+                            </a:solidFill>
+                            <a:latin typeface="Cambria Math" panose="02040503050406030204" pitchFamily="18" charset="0"/>
+                          </a:rPr>
+                          <m:t>2</m:t>
+                        </m:r>
+                      </m:sup>
+                    </m:sSup>
+                    <m:sSub>
+                      <m:sSubPr>
+                        <m:ctrlPr>
+                          <a:rPr lang="en-US" i="1">
+                            <a:solidFill>
+                              <a:srgbClr val="000000"/>
+                            </a:solidFill>
+                            <a:latin typeface="Cambria Math" panose="02040503050406030204" pitchFamily="18" charset="0"/>
+                          </a:rPr>
+                        </m:ctrlPr>
+                      </m:sSubPr>
+                      <m:e>
+                        <m:r>
+                          <a:rPr lang="en-US" i="1">
+                            <a:solidFill>
+                              <a:srgbClr val="000000"/>
+                            </a:solidFill>
+                            <a:latin typeface="Cambria Math" panose="02040503050406030204" pitchFamily="18" charset="0"/>
+                          </a:rPr>
+                          <m:t>𝑃</m:t>
+                        </m:r>
+                      </m:e>
+                      <m:sub>
+                        <m:r>
+                          <a:rPr lang="en-US" i="1">
+                            <a:solidFill>
+                              <a:srgbClr val="000000"/>
+                            </a:solidFill>
+                            <a:latin typeface="Cambria Math" panose="02040503050406030204" pitchFamily="18" charset="0"/>
+                          </a:rPr>
+                          <m:t>𝑆</m:t>
+                        </m:r>
+                      </m:sub>
+                    </m:sSub>
+                    <m:d>
+                      <m:dPr>
+                        <m:ctrlPr>
+                          <a:rPr lang="en-US" i="1">
+                            <a:solidFill>
+                              <a:srgbClr val="000000"/>
+                            </a:solidFill>
+                            <a:latin typeface="Cambria Math" panose="02040503050406030204" pitchFamily="18" charset="0"/>
+                          </a:rPr>
+                        </m:ctrlPr>
+                      </m:dPr>
+                      <m:e>
+                        <m:f>
+                          <m:fPr>
+                            <m:ctrlPr>
+                              <a:rPr lang="en-US" i="1">
+                                <a:solidFill>
+                                  <a:srgbClr val="000000"/>
+                                </a:solidFill>
+                                <a:latin typeface="Cambria Math" panose="02040503050406030204" pitchFamily="18" charset="0"/>
+                              </a:rPr>
+                            </m:ctrlPr>
+                          </m:fPr>
+                          <m:num>
+                            <m:r>
+                              <a:rPr lang="en-US" i="1">
+                                <a:solidFill>
+                                  <a:srgbClr val="000000"/>
+                                </a:solidFill>
+                                <a:latin typeface="Cambria Math" panose="02040503050406030204" pitchFamily="18" charset="0"/>
+                              </a:rPr>
+                              <m:t>1</m:t>
+                            </m:r>
+                          </m:num>
+                          <m:den>
+                            <m:r>
+                              <a:rPr lang="en-US" i="1">
+                                <a:solidFill>
+                                  <a:srgbClr val="000000"/>
+                                </a:solidFill>
+                                <a:latin typeface="Cambria Math" panose="02040503050406030204" pitchFamily="18" charset="0"/>
+                              </a:rPr>
+                              <m:t>𝜁</m:t>
+                            </m:r>
+                          </m:den>
+                        </m:f>
+                        <m:sSub>
+                          <m:sSubPr>
+                            <m:ctrlPr>
+                              <a:rPr lang="en-US" i="1">
+                                <a:solidFill>
+                                  <a:srgbClr val="000000"/>
+                                </a:solidFill>
+                                <a:latin typeface="Cambria Math" panose="02040503050406030204" pitchFamily="18" charset="0"/>
+                              </a:rPr>
+                            </m:ctrlPr>
+                          </m:sSubPr>
+                          <m:e>
+                            <m:acc>
+                              <m:accPr>
+                                <m:chr m:val="̄"/>
+                                <m:ctrlPr>
+                                  <a:rPr lang="en-US" i="1">
+                                    <a:solidFill>
+                                      <a:srgbClr val="000000"/>
+                                    </a:solidFill>
+                                    <a:latin typeface="Cambria Math" panose="02040503050406030204" pitchFamily="18" charset="0"/>
+                                  </a:rPr>
+                                </m:ctrlPr>
+                              </m:accPr>
+                              <m:e>
+                                <m:r>
+                                  <a:rPr lang="en-US" i="1">
+                                    <a:solidFill>
+                                      <a:srgbClr val="000000"/>
+                                    </a:solidFill>
+                                    <a:latin typeface="Cambria Math" panose="02040503050406030204" pitchFamily="18" charset="0"/>
+                                  </a:rPr>
+                                  <m:t>𝛼</m:t>
+                                </m:r>
+                              </m:e>
+                            </m:acc>
+                          </m:e>
+                          <m:sub>
+                            <m:r>
+                              <a:rPr lang="en-US" i="1">
+                                <a:solidFill>
+                                  <a:srgbClr val="000000"/>
+                                </a:solidFill>
+                                <a:latin typeface="Cambria Math" panose="02040503050406030204" pitchFamily="18" charset="0"/>
+                              </a:rPr>
+                              <m:t>𝐽</m:t>
+                            </m:r>
+                          </m:sub>
+                        </m:sSub>
+                        <m:r>
+                          <a:rPr lang="en-US" i="1">
+                            <a:solidFill>
+                              <a:srgbClr val="000000"/>
+                            </a:solidFill>
+                            <a:latin typeface="Cambria Math" panose="02040503050406030204" pitchFamily="18" charset="0"/>
+                          </a:rPr>
+                          <m:t>+</m:t>
+                        </m:r>
+                        <m:sSup>
+                          <m:sSupPr>
+                            <m:ctrlPr>
+                              <a:rPr lang="en-US" i="1">
+                                <a:solidFill>
+                                  <a:srgbClr val="000000"/>
+                                </a:solidFill>
+                                <a:latin typeface="Cambria Math" panose="02040503050406030204" pitchFamily="18" charset="0"/>
+                              </a:rPr>
+                            </m:ctrlPr>
+                          </m:sSupPr>
+                          <m:e>
+                            <m:d>
+                              <m:dPr>
+                                <m:ctrlPr>
+                                  <a:rPr lang="en-US" i="1">
+                                    <a:solidFill>
+                                      <a:srgbClr val="000000"/>
+                                    </a:solidFill>
+                                    <a:latin typeface="Cambria Math" panose="02040503050406030204" pitchFamily="18" charset="0"/>
+                                  </a:rPr>
+                                </m:ctrlPr>
+                              </m:dPr>
+                              <m:e>
+                                <m:rad>
+                                  <m:radPr>
+                                    <m:degHide m:val="on"/>
+                                    <m:ctrlPr>
+                                      <a:rPr lang="en-US" i="1">
+                                        <a:solidFill>
+                                          <a:srgbClr val="000000"/>
+                                        </a:solidFill>
+                                        <a:latin typeface="Cambria Math" panose="02040503050406030204" pitchFamily="18" charset="0"/>
+                                      </a:rPr>
+                                    </m:ctrlPr>
+                                  </m:radPr>
+                                  <m:deg/>
+                                  <m:e>
+                                    <m:sSub>
+                                      <m:sSubPr>
+                                        <m:ctrlPr>
+                                          <a:rPr lang="en-US" i="1">
+                                            <a:solidFill>
+                                              <a:srgbClr val="000000"/>
+                                            </a:solidFill>
+                                            <a:latin typeface="Cambria Math" panose="02040503050406030204" pitchFamily="18" charset="0"/>
+                                          </a:rPr>
+                                        </m:ctrlPr>
+                                      </m:sSubPr>
+                                      <m:e>
+                                        <m:r>
+                                          <a:rPr lang="en-US" i="1">
+                                            <a:solidFill>
+                                              <a:srgbClr val="000000"/>
+                                            </a:solidFill>
+                                            <a:latin typeface="Cambria Math" panose="02040503050406030204" pitchFamily="18" charset="0"/>
+                                          </a:rPr>
+                                          <m:t>𝛼</m:t>
+                                        </m:r>
+                                      </m:e>
+                                      <m:sub>
+                                        <m:r>
+                                          <a:rPr lang="en-US" i="1">
+                                            <a:solidFill>
+                                              <a:srgbClr val="000000"/>
+                                            </a:solidFill>
+                                            <a:latin typeface="Cambria Math" panose="02040503050406030204" pitchFamily="18" charset="0"/>
+                                          </a:rPr>
+                                          <m:t>𝑃</m:t>
+                                        </m:r>
+                                      </m:sub>
+                                    </m:sSub>
+                                  </m:e>
+                                </m:rad>
+                                <m:r>
+                                  <a:rPr lang="en-US" i="1">
+                                    <a:solidFill>
+                                      <a:srgbClr val="000000"/>
+                                    </a:solidFill>
+                                    <a:latin typeface="Cambria Math" panose="02040503050406030204" pitchFamily="18" charset="0"/>
+                                  </a:rPr>
+                                  <m:t>−1</m:t>
+                                </m:r>
+                              </m:e>
+                            </m:d>
+                          </m:e>
+                          <m:sup>
+                            <m:r>
+                              <a:rPr lang="en-US" i="1">
+                                <a:solidFill>
+                                  <a:srgbClr val="000000"/>
+                                </a:solidFill>
+                                <a:latin typeface="Cambria Math" panose="02040503050406030204" pitchFamily="18" charset="0"/>
+                              </a:rPr>
+                              <m:t>2</m:t>
+                            </m:r>
+                          </m:sup>
+                        </m:sSup>
+                        <m:r>
+                          <a:rPr lang="en-US" i="1">
+                            <a:solidFill>
+                              <a:srgbClr val="000000"/>
+                            </a:solidFill>
+                            <a:latin typeface="Cambria Math" panose="02040503050406030204" pitchFamily="18" charset="0"/>
+                          </a:rPr>
+                          <m:t>+</m:t>
+                        </m:r>
+                        <m:sSub>
+                          <m:sSubPr>
+                            <m:ctrlPr>
+                              <a:rPr lang="en-US" i="1">
+                                <a:solidFill>
+                                  <a:srgbClr val="000000"/>
+                                </a:solidFill>
+                                <a:latin typeface="Cambria Math" panose="02040503050406030204" pitchFamily="18" charset="0"/>
+                              </a:rPr>
+                            </m:ctrlPr>
+                          </m:sSubPr>
+                          <m:e>
+                            <m:r>
+                              <a:rPr lang="en-US" i="1">
+                                <a:solidFill>
+                                  <a:srgbClr val="000000"/>
+                                </a:solidFill>
+                                <a:latin typeface="Cambria Math" panose="02040503050406030204" pitchFamily="18" charset="0"/>
+                              </a:rPr>
+                              <m:t>𝛼</m:t>
+                            </m:r>
+                          </m:e>
+                          <m:sub>
+                            <m:r>
+                              <a:rPr lang="en-US" i="1">
+                                <a:solidFill>
+                                  <a:srgbClr val="000000"/>
+                                </a:solidFill>
+                                <a:latin typeface="Cambria Math" panose="02040503050406030204" pitchFamily="18" charset="0"/>
+                              </a:rPr>
+                              <m:t>𝐶</m:t>
+                            </m:r>
+                          </m:sub>
+                        </m:sSub>
+                      </m:e>
+                    </m:d>
+                    <m:r>
+                      <a:rPr lang="en-US" i="1">
+                        <a:solidFill>
+                          <a:srgbClr val="000000"/>
+                        </a:solidFill>
+                        <a:latin typeface="Cambria Math" panose="02040503050406030204" pitchFamily="18" charset="0"/>
+                      </a:rPr>
+                      <m:t>+</m:t>
+                    </m:r>
+                    <m:sSubSup>
+                      <m:sSubSupPr>
+                        <m:ctrlPr>
+                          <a:rPr lang="en-US" i="1">
+                            <a:solidFill>
+                              <a:srgbClr val="000000"/>
+                            </a:solidFill>
+                            <a:latin typeface="Cambria Math" panose="02040503050406030204" pitchFamily="18" charset="0"/>
+                          </a:rPr>
+                        </m:ctrlPr>
+                      </m:sSubSupPr>
+                      <m:e>
+                        <m:r>
+                          <a:rPr lang="en-US" i="1">
+                            <a:solidFill>
+                              <a:srgbClr val="000000"/>
+                            </a:solidFill>
+                            <a:latin typeface="Cambria Math" panose="02040503050406030204" pitchFamily="18" charset="0"/>
+                          </a:rPr>
+                          <m:t>𝜎</m:t>
+                        </m:r>
+                      </m:e>
+                      <m:sub>
+                        <m:r>
+                          <a:rPr lang="en-US" i="1">
+                            <a:solidFill>
+                              <a:srgbClr val="000000"/>
+                            </a:solidFill>
+                            <a:latin typeface="Cambria Math" panose="02040503050406030204" pitchFamily="18" charset="0"/>
+                          </a:rPr>
+                          <m:t>𝑅</m:t>
+                        </m:r>
+                      </m:sub>
+                      <m:sup>
+                        <m:r>
+                          <a:rPr lang="en-US" i="1">
+                            <a:solidFill>
+                              <a:srgbClr val="000000"/>
+                            </a:solidFill>
+                            <a:latin typeface="Cambria Math" panose="02040503050406030204" pitchFamily="18" charset="0"/>
+                          </a:rPr>
+                          <m:t>2</m:t>
+                        </m:r>
+                      </m:sup>
+                    </m:sSubSup>
+                  </m:oMath>
+                </a14:m>
+                <a:endParaRPr lang="en-US" i="1" dirty="0">
+                  <a:solidFill>
+                    <a:srgbClr val="000000"/>
+                  </a:solidFill>
+                  <a:latin typeface="Cambria Math" panose="02040503050406030204" pitchFamily="18" charset="0"/>
+                </a:endParaRPr>
+              </a:p>
+              <a:p>
+                <a:pPr/>
+                <a14:m>
+                  <m:oMathPara xmlns:m="http://schemas.openxmlformats.org/officeDocument/2006/math">
+                    <m:oMathParaPr>
+                      <m:jc m:val="left"/>
+                    </m:oMathParaPr>
                     <m:oMath xmlns:m="http://schemas.openxmlformats.org/officeDocument/2006/math">
                       <m:r>
-                        <m:rPr>
-                          <m:nor/>
-                        </m:rPr>
-                        <a:rPr lang="en-US" i="0">
+                        <a:rPr lang="en-US" b="0" i="1" smtClean="0">
                           <a:solidFill>
                             <a:srgbClr val="000000"/>
                           </a:solidFill>
                           <a:latin typeface="Cambria Math" panose="02040503050406030204" pitchFamily="18" charset="0"/>
                         </a:rPr>
-                        <m:t>                                        </m:t>
+                        <m:t>                             </m:t>
                       </m:r>
-                      <m:r>
-                        <a:rPr lang="en-US" i="1">
-                          <a:solidFill>
-                            <a:srgbClr val="000000"/>
-                          </a:solidFill>
-                          <a:latin typeface="Cambria Math" panose="02040503050406030204" pitchFamily="18" charset="0"/>
-                        </a:rPr>
-                        <m:t>≥</m:t>
-                      </m:r>
-                      <m:sSup>
-                        <m:sSupPr>
-                          <m:ctrlPr>
-                            <a:rPr lang="en-US" i="1">
-                              <a:solidFill>
-                                <a:srgbClr val="000000"/>
-                              </a:solidFill>
-                              <a:latin typeface="Cambria Math" panose="02040503050406030204" pitchFamily="18" charset="0"/>
-                            </a:rPr>
-                          </m:ctrlPr>
-                        </m:sSupPr>
-                        <m:e>
-                          <m:d>
-                            <m:dPr>
-                              <m:begChr m:val="|"/>
-                              <m:endChr m:val="|"/>
-                              <m:ctrlPr>
-                                <a:rPr lang="en-US" i="1">
-                                  <a:solidFill>
-                                    <a:srgbClr val="000000"/>
-                                  </a:solidFill>
-                                  <a:latin typeface="Cambria Math" panose="02040503050406030204" pitchFamily="18" charset="0"/>
-                                </a:rPr>
-                              </m:ctrlPr>
-                            </m:dPr>
-                            <m:e>
-                              <m:sSub>
-                                <m:sSubPr>
-                                  <m:ctrlPr>
-                                    <a:rPr lang="en-US" i="1">
-                                      <a:solidFill>
-                                        <a:srgbClr val="000000"/>
-                                      </a:solidFill>
-                                      <a:latin typeface="Cambria Math" panose="02040503050406030204" pitchFamily="18" charset="0"/>
-                                    </a:rPr>
-                                  </m:ctrlPr>
-                                </m:sSubPr>
-                                <m:e>
-                                  <m:r>
-                                    <a:rPr lang="en-US" i="1">
-                                      <a:solidFill>
-                                        <a:srgbClr val="000000"/>
-                                      </a:solidFill>
-                                      <a:latin typeface="Cambria Math" panose="02040503050406030204" pitchFamily="18" charset="0"/>
-                                    </a:rPr>
-                                    <m:t>h</m:t>
-                                  </m:r>
-                                </m:e>
-                                <m:sub>
-                                  <m:r>
-                                    <a:rPr lang="en-US" i="1">
-                                      <a:solidFill>
-                                        <a:srgbClr val="000000"/>
-                                      </a:solidFill>
-                                      <a:latin typeface="Cambria Math" panose="02040503050406030204" pitchFamily="18" charset="0"/>
-                                    </a:rPr>
-                                    <m:t>𝑆𝑅</m:t>
-                                  </m:r>
-                                </m:sub>
-                              </m:sSub>
-                            </m:e>
-                          </m:d>
-                        </m:e>
-                        <m:sup>
-                          <m:r>
-                            <a:rPr lang="en-US" i="1">
-                              <a:solidFill>
-                                <a:srgbClr val="000000"/>
-                              </a:solidFill>
-                              <a:latin typeface="Cambria Math" panose="02040503050406030204" pitchFamily="18" charset="0"/>
-                            </a:rPr>
-                            <m:t>2</m:t>
-                          </m:r>
-                        </m:sup>
-                      </m:sSup>
-                      <m:sSub>
-                        <m:sSubPr>
-                          <m:ctrlPr>
-                            <a:rPr lang="en-US" i="1">
-                              <a:solidFill>
-                                <a:srgbClr val="000000"/>
-                              </a:solidFill>
-                              <a:latin typeface="Cambria Math" panose="02040503050406030204" pitchFamily="18" charset="0"/>
-                            </a:rPr>
-                          </m:ctrlPr>
-                        </m:sSubPr>
-                        <m:e>
-                          <m:r>
-                            <a:rPr lang="en-US" i="1">
-                              <a:solidFill>
-                                <a:srgbClr val="000000"/>
-                              </a:solidFill>
-                              <a:latin typeface="Cambria Math" panose="02040503050406030204" pitchFamily="18" charset="0"/>
-                            </a:rPr>
-                            <m:t>𝑃</m:t>
-                          </m:r>
-                        </m:e>
-                        <m:sub>
-                          <m:r>
-                            <a:rPr lang="en-US" i="1">
-                              <a:solidFill>
-                                <a:srgbClr val="000000"/>
-                              </a:solidFill>
-                              <a:latin typeface="Cambria Math" panose="02040503050406030204" pitchFamily="18" charset="0"/>
-                            </a:rPr>
-                            <m:t>𝑆</m:t>
-                          </m:r>
-                        </m:sub>
-                      </m:sSub>
-                      <m:d>
-                        <m:dPr>
-                          <m:ctrlPr>
-                            <a:rPr lang="en-US" i="1">
-                              <a:solidFill>
-                                <a:srgbClr val="000000"/>
-                              </a:solidFill>
-                              <a:latin typeface="Cambria Math" panose="02040503050406030204" pitchFamily="18" charset="0"/>
-                            </a:rPr>
-                          </m:ctrlPr>
-                        </m:dPr>
-                        <m:e>
-                          <m:f>
-                            <m:fPr>
-                              <m:ctrlPr>
-                                <a:rPr lang="en-US" i="1">
-                                  <a:solidFill>
-                                    <a:srgbClr val="000000"/>
-                                  </a:solidFill>
-                                  <a:latin typeface="Cambria Math" panose="02040503050406030204" pitchFamily="18" charset="0"/>
-                                </a:rPr>
-                              </m:ctrlPr>
-                            </m:fPr>
-                            <m:num>
-                              <m:r>
-                                <a:rPr lang="en-US" i="1">
-                                  <a:solidFill>
-                                    <a:srgbClr val="000000"/>
-                                  </a:solidFill>
-                                  <a:latin typeface="Cambria Math" panose="02040503050406030204" pitchFamily="18" charset="0"/>
-                                </a:rPr>
-                                <m:t>1</m:t>
-                              </m:r>
-                            </m:num>
-                            <m:den>
-                              <m:r>
-                                <a:rPr lang="en-US" i="1">
-                                  <a:solidFill>
-                                    <a:srgbClr val="000000"/>
-                                  </a:solidFill>
-                                  <a:latin typeface="Cambria Math" panose="02040503050406030204" pitchFamily="18" charset="0"/>
-                                </a:rPr>
-                                <m:t>𝜁</m:t>
-                              </m:r>
-                            </m:den>
-                          </m:f>
-                          <m:sSub>
-                            <m:sSubPr>
-                              <m:ctrlPr>
-                                <a:rPr lang="en-US" i="1">
-                                  <a:solidFill>
-                                    <a:srgbClr val="000000"/>
-                                  </a:solidFill>
-                                  <a:latin typeface="Cambria Math" panose="02040503050406030204" pitchFamily="18" charset="0"/>
-                                </a:rPr>
-                              </m:ctrlPr>
-                            </m:sSubPr>
-                            <m:e>
-                              <m:acc>
-                                <m:accPr>
-                                  <m:chr m:val="̄"/>
-                                  <m:ctrlPr>
-                                    <a:rPr lang="en-US" i="1">
-                                      <a:solidFill>
-                                        <a:srgbClr val="000000"/>
-                                      </a:solidFill>
-                                      <a:latin typeface="Cambria Math" panose="02040503050406030204" pitchFamily="18" charset="0"/>
-                                    </a:rPr>
-                                  </m:ctrlPr>
-                                </m:accPr>
-                                <m:e>
-                                  <m:r>
-                                    <a:rPr lang="en-US" i="1">
-                                      <a:solidFill>
-                                        <a:srgbClr val="000000"/>
-                                      </a:solidFill>
-                                      <a:latin typeface="Cambria Math" panose="02040503050406030204" pitchFamily="18" charset="0"/>
-                                    </a:rPr>
-                                    <m:t>𝛼</m:t>
-                                  </m:r>
-                                </m:e>
-                              </m:acc>
-                            </m:e>
-                            <m:sub>
-                              <m:r>
-                                <a:rPr lang="en-US" i="1">
-                                  <a:solidFill>
-                                    <a:srgbClr val="000000"/>
-                                  </a:solidFill>
-                                  <a:latin typeface="Cambria Math" panose="02040503050406030204" pitchFamily="18" charset="0"/>
-                                </a:rPr>
-                                <m:t>𝐽</m:t>
-                              </m:r>
-                            </m:sub>
-                          </m:sSub>
-                          <m:r>
-                            <a:rPr lang="en-US" i="1">
-                              <a:solidFill>
-                                <a:srgbClr val="000000"/>
-                              </a:solidFill>
-                              <a:latin typeface="Cambria Math" panose="02040503050406030204" pitchFamily="18" charset="0"/>
-                            </a:rPr>
-                            <m:t>+</m:t>
-                          </m:r>
-                          <m:sSup>
-                            <m:sSupPr>
-                              <m:ctrlPr>
-                                <a:rPr lang="en-US" i="1">
-                                  <a:solidFill>
-                                    <a:srgbClr val="000000"/>
-                                  </a:solidFill>
-                                  <a:latin typeface="Cambria Math" panose="02040503050406030204" pitchFamily="18" charset="0"/>
-                                </a:rPr>
-                              </m:ctrlPr>
-                            </m:sSupPr>
-                            <m:e>
-                              <m:d>
-                                <m:dPr>
-                                  <m:ctrlPr>
-                                    <a:rPr lang="en-US" i="1">
-                                      <a:solidFill>
-                                        <a:srgbClr val="000000"/>
-                                      </a:solidFill>
-                                      <a:latin typeface="Cambria Math" panose="02040503050406030204" pitchFamily="18" charset="0"/>
-                                    </a:rPr>
-                                  </m:ctrlPr>
-                                </m:dPr>
-                                <m:e>
-                                  <m:rad>
-                                    <m:radPr>
-                                      <m:degHide m:val="on"/>
-                                      <m:ctrlPr>
-                                        <a:rPr lang="en-US" i="1">
-                                          <a:solidFill>
-                                            <a:srgbClr val="000000"/>
-                                          </a:solidFill>
-                                          <a:latin typeface="Cambria Math" panose="02040503050406030204" pitchFamily="18" charset="0"/>
-                                        </a:rPr>
-                                      </m:ctrlPr>
-                                    </m:radPr>
-                                    <m:deg/>
-                                    <m:e>
-                                      <m:sSub>
-                                        <m:sSubPr>
-                                          <m:ctrlPr>
-                                            <a:rPr lang="en-US" i="1">
-                                              <a:solidFill>
-                                                <a:srgbClr val="000000"/>
-                                              </a:solidFill>
-                                              <a:latin typeface="Cambria Math" panose="02040503050406030204" pitchFamily="18" charset="0"/>
-                                            </a:rPr>
-                                          </m:ctrlPr>
-                                        </m:sSubPr>
-                                        <m:e>
-                                          <m:r>
-                                            <a:rPr lang="en-US" i="1">
-                                              <a:solidFill>
-                                                <a:srgbClr val="000000"/>
-                                              </a:solidFill>
-                                              <a:latin typeface="Cambria Math" panose="02040503050406030204" pitchFamily="18" charset="0"/>
-                                            </a:rPr>
-                                            <m:t>𝛼</m:t>
-                                          </m:r>
-                                        </m:e>
-                                        <m:sub>
-                                          <m:r>
-                                            <a:rPr lang="en-US" i="1">
-                                              <a:solidFill>
-                                                <a:srgbClr val="000000"/>
-                                              </a:solidFill>
-                                              <a:latin typeface="Cambria Math" panose="02040503050406030204" pitchFamily="18" charset="0"/>
-                                            </a:rPr>
-                                            <m:t>𝑃</m:t>
-                                          </m:r>
-                                        </m:sub>
-                                      </m:sSub>
-                                    </m:e>
-                                  </m:rad>
-                                  <m:r>
-                                    <a:rPr lang="en-US" i="1">
-                                      <a:solidFill>
-                                        <a:srgbClr val="000000"/>
-                                      </a:solidFill>
-                                      <a:latin typeface="Cambria Math" panose="02040503050406030204" pitchFamily="18" charset="0"/>
-                                    </a:rPr>
-                                    <m:t>−1</m:t>
-                                  </m:r>
-                                </m:e>
-                              </m:d>
-                            </m:e>
-                            <m:sup>
-                              <m:r>
-                                <a:rPr lang="en-US" i="1">
-                                  <a:solidFill>
-                                    <a:srgbClr val="000000"/>
-                                  </a:solidFill>
-                                  <a:latin typeface="Cambria Math" panose="02040503050406030204" pitchFamily="18" charset="0"/>
-                                </a:rPr>
-                                <m:t>2</m:t>
-                              </m:r>
-                            </m:sup>
-                          </m:sSup>
-                          <m:r>
-                            <a:rPr lang="en-US" i="1">
-                              <a:solidFill>
-                                <a:srgbClr val="000000"/>
-                              </a:solidFill>
-                              <a:latin typeface="Cambria Math" panose="02040503050406030204" pitchFamily="18" charset="0"/>
-                            </a:rPr>
-                            <m:t>+</m:t>
-                          </m:r>
-                          <m:sSub>
-                            <m:sSubPr>
-                              <m:ctrlPr>
-                                <a:rPr lang="en-US" i="1">
-                                  <a:solidFill>
-                                    <a:srgbClr val="000000"/>
-                                  </a:solidFill>
-                                  <a:latin typeface="Cambria Math" panose="02040503050406030204" pitchFamily="18" charset="0"/>
-                                </a:rPr>
-                              </m:ctrlPr>
-                            </m:sSubPr>
-                            <m:e>
-                              <m:r>
-                                <a:rPr lang="en-US" i="1">
-                                  <a:solidFill>
-                                    <a:srgbClr val="000000"/>
-                                  </a:solidFill>
-                                  <a:latin typeface="Cambria Math" panose="02040503050406030204" pitchFamily="18" charset="0"/>
-                                </a:rPr>
-                                <m:t>𝛼</m:t>
-                              </m:r>
-                            </m:e>
-                            <m:sub>
-                              <m:r>
-                                <a:rPr lang="en-US" i="1">
-                                  <a:solidFill>
-                                    <a:srgbClr val="000000"/>
-                                  </a:solidFill>
-                                  <a:latin typeface="Cambria Math" panose="02040503050406030204" pitchFamily="18" charset="0"/>
-                                </a:rPr>
-                                <m:t>𝐶</m:t>
-                              </m:r>
-                            </m:sub>
-                          </m:sSub>
-                        </m:e>
-                      </m:d>
-                      <m:r>
-                        <a:rPr lang="en-US" i="1">
-                          <a:solidFill>
-                            <a:srgbClr val="000000"/>
-                          </a:solidFill>
-                          <a:latin typeface="Cambria Math" panose="02040503050406030204" pitchFamily="18" charset="0"/>
-                        </a:rPr>
-                        <m:t>+</m:t>
-                      </m:r>
-                      <m:sSubSup>
-                        <m:sSubSupPr>
-                          <m:ctrlPr>
-                            <a:rPr lang="en-US" i="1">
-                              <a:solidFill>
-                                <a:srgbClr val="000000"/>
-                              </a:solidFill>
-                              <a:latin typeface="Cambria Math" panose="02040503050406030204" pitchFamily="18" charset="0"/>
-                            </a:rPr>
-                          </m:ctrlPr>
-                        </m:sSubSupPr>
-                        <m:e>
-                          <m:r>
-                            <a:rPr lang="en-US" i="1">
-                              <a:solidFill>
-                                <a:srgbClr val="000000"/>
-                              </a:solidFill>
-                              <a:latin typeface="Cambria Math" panose="02040503050406030204" pitchFamily="18" charset="0"/>
-                            </a:rPr>
-                            <m:t>𝜎</m:t>
-                          </m:r>
-                        </m:e>
-                        <m:sub>
-                          <m:r>
-                            <a:rPr lang="en-US" i="1">
-                              <a:solidFill>
-                                <a:srgbClr val="000000"/>
-                              </a:solidFill>
-                              <a:latin typeface="Cambria Math" panose="02040503050406030204" pitchFamily="18" charset="0"/>
-                            </a:rPr>
-                            <m:t>𝑅</m:t>
-                          </m:r>
-                        </m:sub>
-                        <m:sup>
-                          <m:r>
-                            <a:rPr lang="en-US" i="1">
-                              <a:solidFill>
-                                <a:srgbClr val="000000"/>
-                              </a:solidFill>
-                              <a:latin typeface="Cambria Math" panose="02040503050406030204" pitchFamily="18" charset="0"/>
-                            </a:rPr>
-                            <m:t>2</m:t>
-                          </m:r>
-                        </m:sup>
-                      </m:sSubSup>
                     </m:oMath>
                     <m:oMath xmlns:m="http://schemas.openxmlformats.org/officeDocument/2006/math">
                       <m:r>
                         <m:rPr>
                           <m:nor/>
                         </m:rPr>
-                        <a:rPr lang="en-US" i="0">
+                        <a:rPr lang="en-US" i="0" smtClean="0">
                           <a:solidFill>
                             <a:srgbClr val="000000"/>
                           </a:solidFill>
@@ -30090,7 +29902,7 @@
                       <m:sSub>
                         <m:sSubPr>
                           <m:ctrlPr>
-                            <a:rPr lang="en-US" i="1">
+                            <a:rPr lang="en-US" i="1" smtClean="0">
                               <a:solidFill>
                                 <a:srgbClr val="000000"/>
                               </a:solidFill>
@@ -30520,7 +30332,7 @@
                     </m:oMath>
                   </m:oMathPara>
                 </a14:m>
-                <a:endParaRPr lang="en-US"/>
+                <a:endParaRPr lang="en-US" dirty="0"/>
               </a:p>
             </p:txBody>
           </p:sp>
@@ -30528,10 +30340,10 @@
         <mc:Fallback xmlns="">
           <p:sp>
             <p:nvSpPr>
-              <p:cNvPr id="4" name="개체 4">
+              <p:cNvPr id="7" name="개체 4">
                 <a:extLst>
                   <a:ext uri="{FF2B5EF4-FFF2-40B4-BE49-F238E27FC236}">
-                    <a16:creationId xmlns:a16="http://schemas.microsoft.com/office/drawing/2014/main" id="{A141909B-E004-2942-B38C-D93498908553}"/>
+                    <a16:creationId xmlns:a16="http://schemas.microsoft.com/office/drawing/2014/main" id="{1E8B4D30-CFB5-0A26-0302-4A01C9A8772C}"/>
                   </a:ext>
                 </a:extLst>
               </p:cNvPr>
@@ -30551,7 +30363,7 @@
               <a:blipFill>
                 <a:blip r:embed="rId4"/>
                 <a:stretch>
-                  <a:fillRect l="-108" t="-12138"/>
+                  <a:fillRect t="-10326"/>
                 </a:stretch>
               </a:blipFill>
               <a:ln>
@@ -30575,6 +30387,73 @@
           </p:sp>
         </mc:Fallback>
       </mc:AlternateContent>
+      <p:sp>
+        <p:nvSpPr>
+          <p:cNvPr id="4" name="TextBox 3">
+            <a:extLst>
+              <a:ext uri="{FF2B5EF4-FFF2-40B4-BE49-F238E27FC236}">
+                <a16:creationId xmlns:a16="http://schemas.microsoft.com/office/drawing/2014/main" id="{0154BCCC-1A54-7709-8EC6-B741E3A8EF57}"/>
+              </a:ext>
+            </a:extLst>
+          </p:cNvPr>
+          <p:cNvSpPr txBox="1"/>
+          <p:nvPr/>
+        </p:nvSpPr>
+        <p:spPr>
+          <a:xfrm>
+            <a:off x="137160" y="0"/>
+            <a:ext cx="4335879" cy="276999"/>
+          </a:xfrm>
+          <a:prstGeom prst="rect">
+            <a:avLst/>
+          </a:prstGeom>
+          <a:noFill/>
+        </p:spPr>
+        <p:txBody>
+          <a:bodyPr wrap="square" rtlCol="0">
+            <a:spAutoFit/>
+          </a:bodyPr>
+          <a:lstStyle/>
+          <a:p>
+            <a:pPr algn="r"/>
+            <a:r>
+              <a:rPr lang="en-US" altLang="ko-KR" sz="1200" b="1" dirty="0">
+                <a:solidFill>
+                  <a:schemeClr val="bg2">
+                    <a:lumMod val="50000"/>
+                  </a:schemeClr>
+                </a:solidFill>
+              </a:rPr>
+              <a:t>System Model </a:t>
+            </a:r>
+            <a:r>
+              <a:rPr lang="en-US" altLang="ko-KR" sz="1200" b="1" dirty="0">
+                <a:solidFill>
+                  <a:schemeClr val="bg2"/>
+                </a:solidFill>
+              </a:rPr>
+              <a:t>Problem Formulation  </a:t>
+            </a:r>
+            <a:r>
+              <a:rPr lang="en-US" altLang="ko-KR" sz="1200" b="1" dirty="0">
+                <a:solidFill>
+                  <a:schemeClr val="bg2">
+                    <a:lumMod val="50000"/>
+                  </a:schemeClr>
+                </a:solidFill>
+              </a:rPr>
+              <a:t>Numerical Result  </a:t>
+            </a:r>
+            <a:endParaRPr lang="ko-KR" altLang="en-US" sz="1200" b="1" dirty="0">
+              <a:solidFill>
+                <a:schemeClr val="bg2">
+                  <a:lumMod val="50000"/>
+                </a:schemeClr>
+              </a:solidFill>
+            </a:endParaRPr>
+          </a:p>
+        </p:txBody>
+      </p:sp>
     </p:spTree>
     <p:extLst>
       <p:ext uri="{BB962C8B-B14F-4D97-AF65-F5344CB8AC3E}">
@@ -31179,15 +31058,6 @@
 </file>
 
 <file path=customXml/item1.xml><?xml version="1.0" encoding="utf-8"?>
-<?mso-contentType ?>
-<FormTemplates xmlns="http://schemas.microsoft.com/sharepoint/v3/contenttype/forms">
-  <Display>DocumentLibraryForm</Display>
-  <Edit>DocumentLibraryForm</Edit>
-  <New>DocumentLibraryForm</New>
-</FormTemplates>
-</file>
-
-<file path=customXml/item2.xml><?xml version="1.0" encoding="utf-8"?>
 <ct:contentTypeSchema xmlns:ct="http://schemas.microsoft.com/office/2006/metadata/contentType" xmlns:ma="http://schemas.microsoft.com/office/2006/metadata/properties/metaAttributes" ct:_="" ma:_="" ma:contentTypeName="문서" ma:contentTypeID="0x010100CDD1B8258B04314AB752C94D0B468742" ma:contentTypeVersion="11" ma:contentTypeDescription="새 문서를 만듭니다." ma:contentTypeScope="" ma:versionID="6191195d1cfbedd459fcf5ab8d015e2a">
   <xsd:schema xmlns:xsd="http://www.w3.org/2001/XMLSchema" xmlns:xs="http://www.w3.org/2001/XMLSchema" xmlns:p="http://schemas.microsoft.com/office/2006/metadata/properties" xmlns:ns2="c207a02d-b84a-49f0-864c-a3c055060aaf" xmlns:ns3="39fed8c9-7096-4e61-8f88-d2ef9f851ffe" targetNamespace="http://schemas.microsoft.com/office/2006/metadata/properties" ma:root="true" ma:fieldsID="5d93592edafbee9e6d2c4100c1efca84" ns2:_="" ns3:_="">
     <xsd:import namespace="c207a02d-b84a-49f0-864c-a3c055060aaf"/>
@@ -31382,15 +31252,16 @@
 </ct:contentTypeSchema>
 </file>
 
-<file path=customXml/itemProps1.xml><?xml version="1.0" encoding="utf-8"?>
-<ds:datastoreItem xmlns:ds="http://schemas.openxmlformats.org/officeDocument/2006/customXml" ds:itemID="{F136F6C3-5960-4851-9E24-C95A892B09C0}">
-  <ds:schemaRefs>
-    <ds:schemaRef ds:uri="http://schemas.microsoft.com/sharepoint/v3/contenttype/forms"/>
-  </ds:schemaRefs>
-</ds:datastoreItem>
+<file path=customXml/item2.xml><?xml version="1.0" encoding="utf-8"?>
+<?mso-contentType ?>
+<FormTemplates xmlns="http://schemas.microsoft.com/sharepoint/v3/contenttype/forms">
+  <Display>DocumentLibraryForm</Display>
+  <Edit>DocumentLibraryForm</Edit>
+  <New>DocumentLibraryForm</New>
+</FormTemplates>
 </file>
 
-<file path=customXml/itemProps2.xml><?xml version="1.0" encoding="utf-8"?>
+<file path=customXml/itemProps1.xml><?xml version="1.0" encoding="utf-8"?>
 <ds:datastoreItem xmlns:ds="http://schemas.openxmlformats.org/officeDocument/2006/customXml" ds:itemID="{DA7AF342-1EE8-45DE-9B22-D5BE26997371}">
   <ds:schemaRefs>
     <ds:schemaRef ds:uri="http://schemas.microsoft.com/office/2006/metadata/contentType"/>
@@ -31407,4 +31278,12 @@
     <ds:schemaRef ds:uri="http://schemas.microsoft.com/internal/obd"/>
   </ds:schemaRefs>
 </ds:datastoreItem>
+</file>
+
+<file path=customXml/itemProps2.xml><?xml version="1.0" encoding="utf-8"?>
+<ds:datastoreItem xmlns:ds="http://schemas.openxmlformats.org/officeDocument/2006/customXml" ds:itemID="{F136F6C3-5960-4851-9E24-C95A892B09C0}">
+  <ds:schemaRefs>
+    <ds:schemaRef ds:uri="http://schemas.microsoft.com/sharepoint/v3/contenttype/forms"/>
+  </ds:schemaRefs>
+</ds:datastoreItem>
 </file>